--- a/Presentation/frozen_orbit1.pptx
+++ b/Presentation/frozen_orbit1.pptx
@@ -5,27 +5,32 @@
     <p:sldMasterId id="2147483648" r:id="rId1"/>
   </p:sldMasterIdLst>
   <p:notesMasterIdLst>
-    <p:notesMasterId r:id="rId20"/>
+    <p:notesMasterId r:id="rId25"/>
   </p:notesMasterIdLst>
   <p:sldIdLst>
     <p:sldId id="280" r:id="rId2"/>
-    <p:sldId id="331" r:id="rId3"/>
-    <p:sldId id="332" r:id="rId4"/>
-    <p:sldId id="333" r:id="rId5"/>
-    <p:sldId id="334" r:id="rId6"/>
-    <p:sldId id="335" r:id="rId7"/>
-    <p:sldId id="336" r:id="rId8"/>
-    <p:sldId id="337" r:id="rId9"/>
-    <p:sldId id="338" r:id="rId10"/>
-    <p:sldId id="339" r:id="rId11"/>
-    <p:sldId id="340" r:id="rId12"/>
-    <p:sldId id="341" r:id="rId13"/>
-    <p:sldId id="342" r:id="rId14"/>
-    <p:sldId id="343" r:id="rId15"/>
-    <p:sldId id="344" r:id="rId16"/>
-    <p:sldId id="345" r:id="rId17"/>
-    <p:sldId id="346" r:id="rId18"/>
-    <p:sldId id="314" r:id="rId19"/>
+    <p:sldId id="349" r:id="rId3"/>
+    <p:sldId id="331" r:id="rId4"/>
+    <p:sldId id="332" r:id="rId5"/>
+    <p:sldId id="333" r:id="rId6"/>
+    <p:sldId id="334" r:id="rId7"/>
+    <p:sldId id="345" r:id="rId8"/>
+    <p:sldId id="346" r:id="rId9"/>
+    <p:sldId id="335" r:id="rId10"/>
+    <p:sldId id="336" r:id="rId11"/>
+    <p:sldId id="337" r:id="rId12"/>
+    <p:sldId id="338" r:id="rId13"/>
+    <p:sldId id="347" r:id="rId14"/>
+    <p:sldId id="339" r:id="rId15"/>
+    <p:sldId id="340" r:id="rId16"/>
+    <p:sldId id="341" r:id="rId17"/>
+    <p:sldId id="342" r:id="rId18"/>
+    <p:sldId id="343" r:id="rId19"/>
+    <p:sldId id="344" r:id="rId20"/>
+    <p:sldId id="350" r:id="rId21"/>
+    <p:sldId id="351" r:id="rId22"/>
+    <p:sldId id="348" r:id="rId23"/>
+    <p:sldId id="314" r:id="rId24"/>
   </p:sldIdLst>
   <p:sldSz cx="9144000" cy="6858000" type="screen4x3"/>
   <p:notesSz cx="6858000" cy="9144000"/>
@@ -176,9 +181,994 @@
 <file path=ppt/revisionInfo.xml><?xml version="1.0" encoding="utf-8"?>
 <p1510:revInfo xmlns:a="http://schemas.openxmlformats.org/drawingml/2006/main" xmlns:r="http://schemas.openxmlformats.org/officeDocument/2006/relationships" xmlns:p1510="http://schemas.microsoft.com/office/powerpoint/2015/10/main">
   <p1510:revLst>
-    <p1510:client id="{DB2031DC-E114-489A-848D-700AE726DFF6}" v="66" dt="2022-11-13T21:12:37.210"/>
+    <p1510:client id="{31473BE9-0D82-4ABB-A311-CB31F9F364DA}" v="83" dt="2022-11-28T12:17:32.979"/>
   </p1510:revLst>
 </p1510:revInfo>
+</file>
+
+<file path=ppt/changesInfos/changesInfo1.xml><?xml version="1.0" encoding="utf-8"?>
+<pc:chgInfo xmlns:a="http://schemas.openxmlformats.org/drawingml/2006/main" xmlns:r="http://schemas.openxmlformats.org/officeDocument/2006/relationships" xmlns:ac="http://schemas.microsoft.com/office/drawing/2013/main/command" xmlns:pc="http://schemas.microsoft.com/office/powerpoint/2013/main/command">
+  <pc:docChgLst>
+    <pc:chgData name="Ziqing Yu" userId="76dbd0bb75f3aa62" providerId="LiveId" clId="{31473BE9-0D82-4ABB-A311-CB31F9F364DA}"/>
+    <pc:docChg chg="custSel addSld modSld sldOrd">
+      <pc:chgData name="Ziqing Yu" userId="76dbd0bb75f3aa62" providerId="LiveId" clId="{31473BE9-0D82-4ABB-A311-CB31F9F364DA}" dt="2022-11-28T12:17:32.979" v="432" actId="1076"/>
+      <pc:docMkLst>
+        <pc:docMk/>
+      </pc:docMkLst>
+      <pc:sldChg chg="addSp delSp modSp">
+        <pc:chgData name="Ziqing Yu" userId="76dbd0bb75f3aa62" providerId="LiveId" clId="{31473BE9-0D82-4ABB-A311-CB31F9F364DA}" dt="2022-11-28T11:53:41.058" v="75"/>
+        <pc:sldMkLst>
+          <pc:docMk/>
+          <pc:sldMk cId="1143448818" sldId="331"/>
+        </pc:sldMkLst>
+        <pc:spChg chg="add del mod">
+          <ac:chgData name="Ziqing Yu" userId="76dbd0bb75f3aa62" providerId="LiveId" clId="{31473BE9-0D82-4ABB-A311-CB31F9F364DA}" dt="2022-11-28T09:58:13.792" v="4"/>
+          <ac:spMkLst>
+            <pc:docMk/>
+            <pc:sldMk cId="1143448818" sldId="331"/>
+            <ac:spMk id="3" creationId="{515A6880-5681-613B-C928-7C17710861FA}"/>
+          </ac:spMkLst>
+        </pc:spChg>
+        <pc:spChg chg="add del mod">
+          <ac:chgData name="Ziqing Yu" userId="76dbd0bb75f3aa62" providerId="LiveId" clId="{31473BE9-0D82-4ABB-A311-CB31F9F364DA}" dt="2022-11-28T11:53:41.058" v="75"/>
+          <ac:spMkLst>
+            <pc:docMk/>
+            <pc:sldMk cId="1143448818" sldId="331"/>
+            <ac:spMk id="8" creationId="{2DC1B85C-5557-DDA1-85EF-9B8E62AEBE14}"/>
+          </ac:spMkLst>
+        </pc:spChg>
+        <pc:picChg chg="del">
+          <ac:chgData name="Ziqing Yu" userId="76dbd0bb75f3aa62" providerId="LiveId" clId="{31473BE9-0D82-4ABB-A311-CB31F9F364DA}" dt="2022-11-28T09:57:16.303" v="0" actId="478"/>
+          <ac:picMkLst>
+            <pc:docMk/>
+            <pc:sldMk cId="1143448818" sldId="331"/>
+            <ac:picMk id="6" creationId="{E36797CF-0C87-94B1-0BF1-1A5EC4A521EA}"/>
+          </ac:picMkLst>
+        </pc:picChg>
+        <pc:picChg chg="add del mod">
+          <ac:chgData name="Ziqing Yu" userId="76dbd0bb75f3aa62" providerId="LiveId" clId="{31473BE9-0D82-4ABB-A311-CB31F9F364DA}" dt="2022-11-28T11:53:37.347" v="74" actId="478"/>
+          <ac:picMkLst>
+            <pc:docMk/>
+            <pc:sldMk cId="1143448818" sldId="331"/>
+            <ac:picMk id="7" creationId="{65AD185A-6648-4797-8300-DC73A3DB6B36}"/>
+          </ac:picMkLst>
+        </pc:picChg>
+        <pc:picChg chg="add mod">
+          <ac:chgData name="Ziqing Yu" userId="76dbd0bb75f3aa62" providerId="LiveId" clId="{31473BE9-0D82-4ABB-A311-CB31F9F364DA}" dt="2022-11-28T11:53:41.058" v="75"/>
+          <ac:picMkLst>
+            <pc:docMk/>
+            <pc:sldMk cId="1143448818" sldId="331"/>
+            <ac:picMk id="10" creationId="{895C56A5-4D66-140E-04CC-200CEC6B33BD}"/>
+          </ac:picMkLst>
+        </pc:picChg>
+      </pc:sldChg>
+      <pc:sldChg chg="addSp delSp modSp">
+        <pc:chgData name="Ziqing Yu" userId="76dbd0bb75f3aa62" providerId="LiveId" clId="{31473BE9-0D82-4ABB-A311-CB31F9F364DA}" dt="2022-11-28T11:54:06.389" v="79"/>
+        <pc:sldMkLst>
+          <pc:docMk/>
+          <pc:sldMk cId="2308039067" sldId="332"/>
+        </pc:sldMkLst>
+        <pc:spChg chg="add del mod">
+          <ac:chgData name="Ziqing Yu" userId="76dbd0bb75f3aa62" providerId="LiveId" clId="{31473BE9-0D82-4ABB-A311-CB31F9F364DA}" dt="2022-11-28T09:58:23.357" v="5"/>
+          <ac:spMkLst>
+            <pc:docMk/>
+            <pc:sldMk cId="2308039067" sldId="332"/>
+            <ac:spMk id="3" creationId="{70B0C9CD-0EB5-1EC5-EA4F-2A030F23D47B}"/>
+          </ac:spMkLst>
+        </pc:spChg>
+        <pc:spChg chg="add del mod">
+          <ac:chgData name="Ziqing Yu" userId="76dbd0bb75f3aa62" providerId="LiveId" clId="{31473BE9-0D82-4ABB-A311-CB31F9F364DA}" dt="2022-11-28T11:53:48.213" v="77"/>
+          <ac:spMkLst>
+            <pc:docMk/>
+            <pc:sldMk cId="2308039067" sldId="332"/>
+            <ac:spMk id="8" creationId="{E43BF0C1-9DEC-465D-8415-3769EB5770F6}"/>
+          </ac:spMkLst>
+        </pc:spChg>
+        <pc:spChg chg="add del mod">
+          <ac:chgData name="Ziqing Yu" userId="76dbd0bb75f3aa62" providerId="LiveId" clId="{31473BE9-0D82-4ABB-A311-CB31F9F364DA}" dt="2022-11-28T11:54:06.389" v="79"/>
+          <ac:spMkLst>
+            <pc:docMk/>
+            <pc:sldMk cId="2308039067" sldId="332"/>
+            <ac:spMk id="11" creationId="{ABABF254-C6A2-35B4-553A-2DE058F198B2}"/>
+          </ac:spMkLst>
+        </pc:spChg>
+        <pc:picChg chg="del">
+          <ac:chgData name="Ziqing Yu" userId="76dbd0bb75f3aa62" providerId="LiveId" clId="{31473BE9-0D82-4ABB-A311-CB31F9F364DA}" dt="2022-11-28T09:57:18.282" v="1" actId="478"/>
+          <ac:picMkLst>
+            <pc:docMk/>
+            <pc:sldMk cId="2308039067" sldId="332"/>
+            <ac:picMk id="6" creationId="{AB2452CF-75E4-9C1B-2B8E-6A18725F7890}"/>
+          </ac:picMkLst>
+        </pc:picChg>
+        <pc:picChg chg="add del mod">
+          <ac:chgData name="Ziqing Yu" userId="76dbd0bb75f3aa62" providerId="LiveId" clId="{31473BE9-0D82-4ABB-A311-CB31F9F364DA}" dt="2022-11-28T11:53:46.087" v="76" actId="478"/>
+          <ac:picMkLst>
+            <pc:docMk/>
+            <pc:sldMk cId="2308039067" sldId="332"/>
+            <ac:picMk id="7" creationId="{41DD7833-6D13-E8B1-1935-158AC36556E1}"/>
+          </ac:picMkLst>
+        </pc:picChg>
+        <pc:picChg chg="add del mod">
+          <ac:chgData name="Ziqing Yu" userId="76dbd0bb75f3aa62" providerId="LiveId" clId="{31473BE9-0D82-4ABB-A311-CB31F9F364DA}" dt="2022-11-28T11:54:05.009" v="78" actId="478"/>
+          <ac:picMkLst>
+            <pc:docMk/>
+            <pc:sldMk cId="2308039067" sldId="332"/>
+            <ac:picMk id="10" creationId="{250A259D-817E-99A7-6A5E-F8EA8D25056C}"/>
+          </ac:picMkLst>
+        </pc:picChg>
+        <pc:picChg chg="add mod">
+          <ac:chgData name="Ziqing Yu" userId="76dbd0bb75f3aa62" providerId="LiveId" clId="{31473BE9-0D82-4ABB-A311-CB31F9F364DA}" dt="2022-11-28T11:54:06.389" v="79"/>
+          <ac:picMkLst>
+            <pc:docMk/>
+            <pc:sldMk cId="2308039067" sldId="332"/>
+            <ac:picMk id="13" creationId="{1EA2E59E-5B82-B801-EA18-95455E7569D4}"/>
+          </ac:picMkLst>
+        </pc:picChg>
+      </pc:sldChg>
+      <pc:sldChg chg="addSp delSp modSp">
+        <pc:chgData name="Ziqing Yu" userId="76dbd0bb75f3aa62" providerId="LiveId" clId="{31473BE9-0D82-4ABB-A311-CB31F9F364DA}" dt="2022-11-28T11:55:58.715" v="81"/>
+        <pc:sldMkLst>
+          <pc:docMk/>
+          <pc:sldMk cId="3235998305" sldId="333"/>
+        </pc:sldMkLst>
+        <pc:spChg chg="add del mod">
+          <ac:chgData name="Ziqing Yu" userId="76dbd0bb75f3aa62" providerId="LiveId" clId="{31473BE9-0D82-4ABB-A311-CB31F9F364DA}" dt="2022-11-28T09:58:30.739" v="6"/>
+          <ac:spMkLst>
+            <pc:docMk/>
+            <pc:sldMk cId="3235998305" sldId="333"/>
+            <ac:spMk id="3" creationId="{0818C924-39F0-A7B5-3B9E-4D7A1F5BF66C}"/>
+          </ac:spMkLst>
+        </pc:spChg>
+        <pc:spChg chg="add del mod">
+          <ac:chgData name="Ziqing Yu" userId="76dbd0bb75f3aa62" providerId="LiveId" clId="{31473BE9-0D82-4ABB-A311-CB31F9F364DA}" dt="2022-11-28T11:55:58.715" v="81"/>
+          <ac:spMkLst>
+            <pc:docMk/>
+            <pc:sldMk cId="3235998305" sldId="333"/>
+            <ac:spMk id="8" creationId="{5D7CAE46-E851-EAC2-603E-76A533807E75}"/>
+          </ac:spMkLst>
+        </pc:spChg>
+        <pc:picChg chg="del">
+          <ac:chgData name="Ziqing Yu" userId="76dbd0bb75f3aa62" providerId="LiveId" clId="{31473BE9-0D82-4ABB-A311-CB31F9F364DA}" dt="2022-11-28T09:57:20.156" v="2" actId="478"/>
+          <ac:picMkLst>
+            <pc:docMk/>
+            <pc:sldMk cId="3235998305" sldId="333"/>
+            <ac:picMk id="6" creationId="{9A07E448-944D-8A1D-9D89-BD88E38243EC}"/>
+          </ac:picMkLst>
+        </pc:picChg>
+        <pc:picChg chg="add del mod">
+          <ac:chgData name="Ziqing Yu" userId="76dbd0bb75f3aa62" providerId="LiveId" clId="{31473BE9-0D82-4ABB-A311-CB31F9F364DA}" dt="2022-11-28T11:55:53.084" v="80" actId="478"/>
+          <ac:picMkLst>
+            <pc:docMk/>
+            <pc:sldMk cId="3235998305" sldId="333"/>
+            <ac:picMk id="7" creationId="{9D3D4FC1-CD6E-7C05-BD61-55E047C567DE}"/>
+          </ac:picMkLst>
+        </pc:picChg>
+        <pc:picChg chg="add mod">
+          <ac:chgData name="Ziqing Yu" userId="76dbd0bb75f3aa62" providerId="LiveId" clId="{31473BE9-0D82-4ABB-A311-CB31F9F364DA}" dt="2022-11-28T11:55:58.715" v="81"/>
+          <ac:picMkLst>
+            <pc:docMk/>
+            <pc:sldMk cId="3235998305" sldId="333"/>
+            <ac:picMk id="10" creationId="{589D8906-6CC5-AE18-D501-1F906DBA2E59}"/>
+          </ac:picMkLst>
+        </pc:picChg>
+      </pc:sldChg>
+      <pc:sldChg chg="addSp delSp modSp">
+        <pc:chgData name="Ziqing Yu" userId="76dbd0bb75f3aa62" providerId="LiveId" clId="{31473BE9-0D82-4ABB-A311-CB31F9F364DA}" dt="2022-11-28T11:56:02.218" v="83"/>
+        <pc:sldMkLst>
+          <pc:docMk/>
+          <pc:sldMk cId="2542230651" sldId="334"/>
+        </pc:sldMkLst>
+        <pc:spChg chg="add del mod">
+          <ac:chgData name="Ziqing Yu" userId="76dbd0bb75f3aa62" providerId="LiveId" clId="{31473BE9-0D82-4ABB-A311-CB31F9F364DA}" dt="2022-11-28T09:58:40.525" v="7"/>
+          <ac:spMkLst>
+            <pc:docMk/>
+            <pc:sldMk cId="2542230651" sldId="334"/>
+            <ac:spMk id="3" creationId="{38740C02-63DD-15D3-759E-A491FD5C937D}"/>
+          </ac:spMkLst>
+        </pc:spChg>
+        <pc:spChg chg="add del mod">
+          <ac:chgData name="Ziqing Yu" userId="76dbd0bb75f3aa62" providerId="LiveId" clId="{31473BE9-0D82-4ABB-A311-CB31F9F364DA}" dt="2022-11-28T11:56:02.218" v="83"/>
+          <ac:spMkLst>
+            <pc:docMk/>
+            <pc:sldMk cId="2542230651" sldId="334"/>
+            <ac:spMk id="8" creationId="{33EFAC18-992D-9E56-1454-793B8524999A}"/>
+          </ac:spMkLst>
+        </pc:spChg>
+        <pc:picChg chg="del">
+          <ac:chgData name="Ziqing Yu" userId="76dbd0bb75f3aa62" providerId="LiveId" clId="{31473BE9-0D82-4ABB-A311-CB31F9F364DA}" dt="2022-11-28T09:57:21.581" v="3" actId="478"/>
+          <ac:picMkLst>
+            <pc:docMk/>
+            <pc:sldMk cId="2542230651" sldId="334"/>
+            <ac:picMk id="6" creationId="{A73D9CFB-70AB-C648-7CA2-87A2A4B9BDDF}"/>
+          </ac:picMkLst>
+        </pc:picChg>
+        <pc:picChg chg="add del mod">
+          <ac:chgData name="Ziqing Yu" userId="76dbd0bb75f3aa62" providerId="LiveId" clId="{31473BE9-0D82-4ABB-A311-CB31F9F364DA}" dt="2022-11-28T11:56:00.352" v="82" actId="478"/>
+          <ac:picMkLst>
+            <pc:docMk/>
+            <pc:sldMk cId="2542230651" sldId="334"/>
+            <ac:picMk id="7" creationId="{992CD2A4-2020-DB92-558B-6FF4236CFAEA}"/>
+          </ac:picMkLst>
+        </pc:picChg>
+        <pc:picChg chg="add mod">
+          <ac:chgData name="Ziqing Yu" userId="76dbd0bb75f3aa62" providerId="LiveId" clId="{31473BE9-0D82-4ABB-A311-CB31F9F364DA}" dt="2022-11-28T11:56:02.218" v="83"/>
+          <ac:picMkLst>
+            <pc:docMk/>
+            <pc:sldMk cId="2542230651" sldId="334"/>
+            <ac:picMk id="10" creationId="{266AC3CF-29CF-D1E1-1506-31C5C5A70E15}"/>
+          </ac:picMkLst>
+        </pc:picChg>
+      </pc:sldChg>
+      <pc:sldChg chg="addSp delSp modSp">
+        <pc:chgData name="Ziqing Yu" userId="76dbd0bb75f3aa62" providerId="LiveId" clId="{31473BE9-0D82-4ABB-A311-CB31F9F364DA}" dt="2022-11-28T11:56:25.313" v="89"/>
+        <pc:sldMkLst>
+          <pc:docMk/>
+          <pc:sldMk cId="1093912996" sldId="335"/>
+        </pc:sldMkLst>
+        <pc:spChg chg="add del mod">
+          <ac:chgData name="Ziqing Yu" userId="76dbd0bb75f3aa62" providerId="LiveId" clId="{31473BE9-0D82-4ABB-A311-CB31F9F364DA}" dt="2022-11-28T09:59:18.479" v="42"/>
+          <ac:spMkLst>
+            <pc:docMk/>
+            <pc:sldMk cId="1093912996" sldId="335"/>
+            <ac:spMk id="3" creationId="{C8198042-F23C-2073-EFDD-293B67B427A8}"/>
+          </ac:spMkLst>
+        </pc:spChg>
+        <pc:spChg chg="add del mod">
+          <ac:chgData name="Ziqing Yu" userId="76dbd0bb75f3aa62" providerId="LiveId" clId="{31473BE9-0D82-4ABB-A311-CB31F9F364DA}" dt="2022-11-28T11:56:25.313" v="89"/>
+          <ac:spMkLst>
+            <pc:docMk/>
+            <pc:sldMk cId="1093912996" sldId="335"/>
+            <ac:spMk id="8" creationId="{6B4D7261-11F7-8808-7E74-DE8B1C9D71E6}"/>
+          </ac:spMkLst>
+        </pc:spChg>
+        <pc:picChg chg="del">
+          <ac:chgData name="Ziqing Yu" userId="76dbd0bb75f3aa62" providerId="LiveId" clId="{31473BE9-0D82-4ABB-A311-CB31F9F364DA}" dt="2022-11-28T09:58:43.675" v="8" actId="478"/>
+          <ac:picMkLst>
+            <pc:docMk/>
+            <pc:sldMk cId="1093912996" sldId="335"/>
+            <ac:picMk id="6" creationId="{4B7C3BBC-773F-7FD6-3F75-7E7CD4050D96}"/>
+          </ac:picMkLst>
+        </pc:picChg>
+        <pc:picChg chg="add del mod">
+          <ac:chgData name="Ziqing Yu" userId="76dbd0bb75f3aa62" providerId="LiveId" clId="{31473BE9-0D82-4ABB-A311-CB31F9F364DA}" dt="2022-11-28T11:56:21.009" v="88" actId="478"/>
+          <ac:picMkLst>
+            <pc:docMk/>
+            <pc:sldMk cId="1093912996" sldId="335"/>
+            <ac:picMk id="7" creationId="{7C034ED8-5DE6-1F23-2D3D-FAF394C4E109}"/>
+          </ac:picMkLst>
+        </pc:picChg>
+        <pc:picChg chg="add mod">
+          <ac:chgData name="Ziqing Yu" userId="76dbd0bb75f3aa62" providerId="LiveId" clId="{31473BE9-0D82-4ABB-A311-CB31F9F364DA}" dt="2022-11-28T11:56:25.313" v="89"/>
+          <ac:picMkLst>
+            <pc:docMk/>
+            <pc:sldMk cId="1093912996" sldId="335"/>
+            <ac:picMk id="10" creationId="{5448A35C-BA44-B9B2-6467-EE82AF3578F6}"/>
+          </ac:picMkLst>
+        </pc:picChg>
+      </pc:sldChg>
+      <pc:sldChg chg="addSp delSp modSp">
+        <pc:chgData name="Ziqing Yu" userId="76dbd0bb75f3aa62" providerId="LiveId" clId="{31473BE9-0D82-4ABB-A311-CB31F9F364DA}" dt="2022-11-28T11:56:30.650" v="91"/>
+        <pc:sldMkLst>
+          <pc:docMk/>
+          <pc:sldMk cId="865096269" sldId="336"/>
+        </pc:sldMkLst>
+        <pc:spChg chg="add del mod">
+          <ac:chgData name="Ziqing Yu" userId="76dbd0bb75f3aa62" providerId="LiveId" clId="{31473BE9-0D82-4ABB-A311-CB31F9F364DA}" dt="2022-11-28T09:59:23.299" v="43"/>
+          <ac:spMkLst>
+            <pc:docMk/>
+            <pc:sldMk cId="865096269" sldId="336"/>
+            <ac:spMk id="3" creationId="{C18E66B5-1C4F-670C-FE70-BAA182CEB97F}"/>
+          </ac:spMkLst>
+        </pc:spChg>
+        <pc:spChg chg="add del mod">
+          <ac:chgData name="Ziqing Yu" userId="76dbd0bb75f3aa62" providerId="LiveId" clId="{31473BE9-0D82-4ABB-A311-CB31F9F364DA}" dt="2022-11-28T11:56:30.650" v="91"/>
+          <ac:spMkLst>
+            <pc:docMk/>
+            <pc:sldMk cId="865096269" sldId="336"/>
+            <ac:spMk id="8" creationId="{1EDB8D48-7858-FC8C-C074-799307CACBC3}"/>
+          </ac:spMkLst>
+        </pc:spChg>
+        <pc:picChg chg="del">
+          <ac:chgData name="Ziqing Yu" userId="76dbd0bb75f3aa62" providerId="LiveId" clId="{31473BE9-0D82-4ABB-A311-CB31F9F364DA}" dt="2022-11-28T09:58:45.355" v="9" actId="478"/>
+          <ac:picMkLst>
+            <pc:docMk/>
+            <pc:sldMk cId="865096269" sldId="336"/>
+            <ac:picMk id="6" creationId="{C07E94F7-35C7-609A-926A-8CB008CBA15A}"/>
+          </ac:picMkLst>
+        </pc:picChg>
+        <pc:picChg chg="add del mod">
+          <ac:chgData name="Ziqing Yu" userId="76dbd0bb75f3aa62" providerId="LiveId" clId="{31473BE9-0D82-4ABB-A311-CB31F9F364DA}" dt="2022-11-28T11:56:28.121" v="90" actId="478"/>
+          <ac:picMkLst>
+            <pc:docMk/>
+            <pc:sldMk cId="865096269" sldId="336"/>
+            <ac:picMk id="7" creationId="{AA9D7BDF-1117-1888-581B-8A930EBC82BD}"/>
+          </ac:picMkLst>
+        </pc:picChg>
+        <pc:picChg chg="add mod">
+          <ac:chgData name="Ziqing Yu" userId="76dbd0bb75f3aa62" providerId="LiveId" clId="{31473BE9-0D82-4ABB-A311-CB31F9F364DA}" dt="2022-11-28T11:56:30.650" v="91"/>
+          <ac:picMkLst>
+            <pc:docMk/>
+            <pc:sldMk cId="865096269" sldId="336"/>
+            <ac:picMk id="10" creationId="{5D697B87-8FC5-8F9E-BB87-E28AE0BC0C24}"/>
+          </ac:picMkLst>
+        </pc:picChg>
+      </pc:sldChg>
+      <pc:sldChg chg="addSp delSp modSp mod">
+        <pc:chgData name="Ziqing Yu" userId="76dbd0bb75f3aa62" providerId="LiveId" clId="{31473BE9-0D82-4ABB-A311-CB31F9F364DA}" dt="2022-11-28T12:06:39.792" v="310" actId="404"/>
+        <pc:sldMkLst>
+          <pc:docMk/>
+          <pc:sldMk cId="771101650" sldId="337"/>
+        </pc:sldMkLst>
+        <pc:spChg chg="add del mod">
+          <ac:chgData name="Ziqing Yu" userId="76dbd0bb75f3aa62" providerId="LiveId" clId="{31473BE9-0D82-4ABB-A311-CB31F9F364DA}" dt="2022-11-28T09:59:40.676" v="44"/>
+          <ac:spMkLst>
+            <pc:docMk/>
+            <pc:sldMk cId="771101650" sldId="337"/>
+            <ac:spMk id="3" creationId="{F7129D25-F3D3-AF7C-2980-089BB300F76F}"/>
+          </ac:spMkLst>
+        </pc:spChg>
+        <pc:spChg chg="mod">
+          <ac:chgData name="Ziqing Yu" userId="76dbd0bb75f3aa62" providerId="LiveId" clId="{31473BE9-0D82-4ABB-A311-CB31F9F364DA}" dt="2022-11-28T12:05:07.855" v="282" actId="1076"/>
+          <ac:spMkLst>
+            <pc:docMk/>
+            <pc:sldMk cId="771101650" sldId="337"/>
+            <ac:spMk id="4" creationId="{4A63128B-3CE0-EF46-C06D-78099419E853}"/>
+          </ac:spMkLst>
+        </pc:spChg>
+        <pc:spChg chg="add del mod">
+          <ac:chgData name="Ziqing Yu" userId="76dbd0bb75f3aa62" providerId="LiveId" clId="{31473BE9-0D82-4ABB-A311-CB31F9F364DA}" dt="2022-11-28T11:56:35.715" v="93"/>
+          <ac:spMkLst>
+            <pc:docMk/>
+            <pc:sldMk cId="771101650" sldId="337"/>
+            <ac:spMk id="8" creationId="{CD3316D2-21EF-6924-8346-FB4CAFF1553A}"/>
+          </ac:spMkLst>
+        </pc:spChg>
+        <pc:spChg chg="add mod">
+          <ac:chgData name="Ziqing Yu" userId="76dbd0bb75f3aa62" providerId="LiveId" clId="{31473BE9-0D82-4ABB-A311-CB31F9F364DA}" dt="2022-11-28T12:06:39.792" v="310" actId="404"/>
+          <ac:spMkLst>
+            <pc:docMk/>
+            <pc:sldMk cId="771101650" sldId="337"/>
+            <ac:spMk id="11" creationId="{544BB1EA-0B70-401D-B0F0-6157239155E8}"/>
+          </ac:spMkLst>
+        </pc:spChg>
+        <pc:picChg chg="del">
+          <ac:chgData name="Ziqing Yu" userId="76dbd0bb75f3aa62" providerId="LiveId" clId="{31473BE9-0D82-4ABB-A311-CB31F9F364DA}" dt="2022-11-28T09:58:46.952" v="10" actId="478"/>
+          <ac:picMkLst>
+            <pc:docMk/>
+            <pc:sldMk cId="771101650" sldId="337"/>
+            <ac:picMk id="6" creationId="{E9F17CBF-420C-F7AD-ED80-1D64129048A1}"/>
+          </ac:picMkLst>
+        </pc:picChg>
+        <pc:picChg chg="add del mod">
+          <ac:chgData name="Ziqing Yu" userId="76dbd0bb75f3aa62" providerId="LiveId" clId="{31473BE9-0D82-4ABB-A311-CB31F9F364DA}" dt="2022-11-28T11:56:33.786" v="92" actId="478"/>
+          <ac:picMkLst>
+            <pc:docMk/>
+            <pc:sldMk cId="771101650" sldId="337"/>
+            <ac:picMk id="7" creationId="{9170DBED-59D8-C5B7-3F40-2D99A4562562}"/>
+          </ac:picMkLst>
+        </pc:picChg>
+        <pc:picChg chg="add mod">
+          <ac:chgData name="Ziqing Yu" userId="76dbd0bb75f3aa62" providerId="LiveId" clId="{31473BE9-0D82-4ABB-A311-CB31F9F364DA}" dt="2022-11-28T11:56:35.715" v="93"/>
+          <ac:picMkLst>
+            <pc:docMk/>
+            <pc:sldMk cId="771101650" sldId="337"/>
+            <ac:picMk id="10" creationId="{8E2ED661-6EA3-5136-BC6D-DA55864EF0BB}"/>
+          </ac:picMkLst>
+        </pc:picChg>
+      </pc:sldChg>
+      <pc:sldChg chg="addSp delSp modSp">
+        <pc:chgData name="Ziqing Yu" userId="76dbd0bb75f3aa62" providerId="LiveId" clId="{31473BE9-0D82-4ABB-A311-CB31F9F364DA}" dt="2022-11-28T11:56:40.688" v="95"/>
+        <pc:sldMkLst>
+          <pc:docMk/>
+          <pc:sldMk cId="397777219" sldId="338"/>
+        </pc:sldMkLst>
+        <pc:spChg chg="add del mod">
+          <ac:chgData name="Ziqing Yu" userId="76dbd0bb75f3aa62" providerId="LiveId" clId="{31473BE9-0D82-4ABB-A311-CB31F9F364DA}" dt="2022-11-28T10:02:28.018" v="45"/>
+          <ac:spMkLst>
+            <pc:docMk/>
+            <pc:sldMk cId="397777219" sldId="338"/>
+            <ac:spMk id="3" creationId="{C720AADB-57C5-3F17-5D20-6B0385FC3FF5}"/>
+          </ac:spMkLst>
+        </pc:spChg>
+        <pc:spChg chg="add del mod">
+          <ac:chgData name="Ziqing Yu" userId="76dbd0bb75f3aa62" providerId="LiveId" clId="{31473BE9-0D82-4ABB-A311-CB31F9F364DA}" dt="2022-11-28T11:56:40.688" v="95"/>
+          <ac:spMkLst>
+            <pc:docMk/>
+            <pc:sldMk cId="397777219" sldId="338"/>
+            <ac:spMk id="8" creationId="{7A5BF87F-4567-ED9F-2746-0E9FFB29752C}"/>
+          </ac:spMkLst>
+        </pc:spChg>
+        <pc:picChg chg="del">
+          <ac:chgData name="Ziqing Yu" userId="76dbd0bb75f3aa62" providerId="LiveId" clId="{31473BE9-0D82-4ABB-A311-CB31F9F364DA}" dt="2022-11-28T09:58:48.393" v="11" actId="478"/>
+          <ac:picMkLst>
+            <pc:docMk/>
+            <pc:sldMk cId="397777219" sldId="338"/>
+            <ac:picMk id="6" creationId="{453EA8A3-4C46-4FB1-8BD2-AF4F2E2C3FC3}"/>
+          </ac:picMkLst>
+        </pc:picChg>
+        <pc:picChg chg="add del mod">
+          <ac:chgData name="Ziqing Yu" userId="76dbd0bb75f3aa62" providerId="LiveId" clId="{31473BE9-0D82-4ABB-A311-CB31F9F364DA}" dt="2022-11-28T11:56:37.903" v="94" actId="478"/>
+          <ac:picMkLst>
+            <pc:docMk/>
+            <pc:sldMk cId="397777219" sldId="338"/>
+            <ac:picMk id="7" creationId="{7528C4D8-0E1A-2BCD-42D3-169339ECBB5D}"/>
+          </ac:picMkLst>
+        </pc:picChg>
+        <pc:picChg chg="add mod">
+          <ac:chgData name="Ziqing Yu" userId="76dbd0bb75f3aa62" providerId="LiveId" clId="{31473BE9-0D82-4ABB-A311-CB31F9F364DA}" dt="2022-11-28T11:56:40.688" v="95"/>
+          <ac:picMkLst>
+            <pc:docMk/>
+            <pc:sldMk cId="397777219" sldId="338"/>
+            <ac:picMk id="10" creationId="{250BA0DA-2805-4D2B-AF49-58757653DD4C}"/>
+          </ac:picMkLst>
+        </pc:picChg>
+      </pc:sldChg>
+      <pc:sldChg chg="addSp delSp modSp">
+        <pc:chgData name="Ziqing Yu" userId="76dbd0bb75f3aa62" providerId="LiveId" clId="{31473BE9-0D82-4ABB-A311-CB31F9F364DA}" dt="2022-11-28T12:00:11.527" v="101"/>
+        <pc:sldMkLst>
+          <pc:docMk/>
+          <pc:sldMk cId="3074370798" sldId="339"/>
+        </pc:sldMkLst>
+        <pc:spChg chg="add del mod">
+          <ac:chgData name="Ziqing Yu" userId="76dbd0bb75f3aa62" providerId="LiveId" clId="{31473BE9-0D82-4ABB-A311-CB31F9F364DA}" dt="2022-11-28T10:04:08.656" v="61"/>
+          <ac:spMkLst>
+            <pc:docMk/>
+            <pc:sldMk cId="3074370798" sldId="339"/>
+            <ac:spMk id="3" creationId="{6345BA41-86D6-0701-7D6E-267CD73CC211}"/>
+          </ac:spMkLst>
+        </pc:spChg>
+        <pc:spChg chg="add del mod">
+          <ac:chgData name="Ziqing Yu" userId="76dbd0bb75f3aa62" providerId="LiveId" clId="{31473BE9-0D82-4ABB-A311-CB31F9F364DA}" dt="2022-11-28T12:00:11.527" v="101"/>
+          <ac:spMkLst>
+            <pc:docMk/>
+            <pc:sldMk cId="3074370798" sldId="339"/>
+            <ac:spMk id="8" creationId="{D0361286-C215-AE0A-9EAA-BF1182BC774F}"/>
+          </ac:spMkLst>
+        </pc:spChg>
+        <pc:picChg chg="del">
+          <ac:chgData name="Ziqing Yu" userId="76dbd0bb75f3aa62" providerId="LiveId" clId="{31473BE9-0D82-4ABB-A311-CB31F9F364DA}" dt="2022-11-28T10:02:56.780" v="47" actId="478"/>
+          <ac:picMkLst>
+            <pc:docMk/>
+            <pc:sldMk cId="3074370798" sldId="339"/>
+            <ac:picMk id="6" creationId="{C253CD45-05B4-A617-D859-9311FB91B7B8}"/>
+          </ac:picMkLst>
+        </pc:picChg>
+        <pc:picChg chg="add del mod">
+          <ac:chgData name="Ziqing Yu" userId="76dbd0bb75f3aa62" providerId="LiveId" clId="{31473BE9-0D82-4ABB-A311-CB31F9F364DA}" dt="2022-11-28T12:00:07.016" v="100" actId="478"/>
+          <ac:picMkLst>
+            <pc:docMk/>
+            <pc:sldMk cId="3074370798" sldId="339"/>
+            <ac:picMk id="7" creationId="{214729FB-B7AD-2E17-6514-678E240DF2BA}"/>
+          </ac:picMkLst>
+        </pc:picChg>
+        <pc:picChg chg="add mod">
+          <ac:chgData name="Ziqing Yu" userId="76dbd0bb75f3aa62" providerId="LiveId" clId="{31473BE9-0D82-4ABB-A311-CB31F9F364DA}" dt="2022-11-28T12:00:11.527" v="101"/>
+          <ac:picMkLst>
+            <pc:docMk/>
+            <pc:sldMk cId="3074370798" sldId="339"/>
+            <ac:picMk id="10" creationId="{BFC187BE-1477-7C92-6FDF-928BB5648590}"/>
+          </ac:picMkLst>
+        </pc:picChg>
+      </pc:sldChg>
+      <pc:sldChg chg="addSp delSp modSp">
+        <pc:chgData name="Ziqing Yu" userId="76dbd0bb75f3aa62" providerId="LiveId" clId="{31473BE9-0D82-4ABB-A311-CB31F9F364DA}" dt="2022-11-28T12:00:20.464" v="103"/>
+        <pc:sldMkLst>
+          <pc:docMk/>
+          <pc:sldMk cId="3153467899" sldId="340"/>
+        </pc:sldMkLst>
+        <pc:spChg chg="add del mod">
+          <ac:chgData name="Ziqing Yu" userId="76dbd0bb75f3aa62" providerId="LiveId" clId="{31473BE9-0D82-4ABB-A311-CB31F9F364DA}" dt="2022-11-28T10:04:14.909" v="62"/>
+          <ac:spMkLst>
+            <pc:docMk/>
+            <pc:sldMk cId="3153467899" sldId="340"/>
+            <ac:spMk id="3" creationId="{F351FF12-6C09-4776-099A-A37FA381DF76}"/>
+          </ac:spMkLst>
+        </pc:spChg>
+        <pc:spChg chg="add del mod">
+          <ac:chgData name="Ziqing Yu" userId="76dbd0bb75f3aa62" providerId="LiveId" clId="{31473BE9-0D82-4ABB-A311-CB31F9F364DA}" dt="2022-11-28T12:00:20.464" v="103"/>
+          <ac:spMkLst>
+            <pc:docMk/>
+            <pc:sldMk cId="3153467899" sldId="340"/>
+            <ac:spMk id="8" creationId="{3295EBF3-5D25-7F00-1CBF-9450D9368830}"/>
+          </ac:spMkLst>
+        </pc:spChg>
+        <pc:picChg chg="del">
+          <ac:chgData name="Ziqing Yu" userId="76dbd0bb75f3aa62" providerId="LiveId" clId="{31473BE9-0D82-4ABB-A311-CB31F9F364DA}" dt="2022-11-28T10:02:58.756" v="48" actId="478"/>
+          <ac:picMkLst>
+            <pc:docMk/>
+            <pc:sldMk cId="3153467899" sldId="340"/>
+            <ac:picMk id="6" creationId="{3AD9C9A4-89A7-C8DF-DD57-58AB7596A34E}"/>
+          </ac:picMkLst>
+        </pc:picChg>
+        <pc:picChg chg="add del mod">
+          <ac:chgData name="Ziqing Yu" userId="76dbd0bb75f3aa62" providerId="LiveId" clId="{31473BE9-0D82-4ABB-A311-CB31F9F364DA}" dt="2022-11-28T12:00:16.241" v="102" actId="478"/>
+          <ac:picMkLst>
+            <pc:docMk/>
+            <pc:sldMk cId="3153467899" sldId="340"/>
+            <ac:picMk id="7" creationId="{6B1E1EBC-3181-223F-A37E-E1546793B136}"/>
+          </ac:picMkLst>
+        </pc:picChg>
+        <pc:picChg chg="add mod">
+          <ac:chgData name="Ziqing Yu" userId="76dbd0bb75f3aa62" providerId="LiveId" clId="{31473BE9-0D82-4ABB-A311-CB31F9F364DA}" dt="2022-11-28T12:00:20.464" v="103"/>
+          <ac:picMkLst>
+            <pc:docMk/>
+            <pc:sldMk cId="3153467899" sldId="340"/>
+            <ac:picMk id="10" creationId="{D77F68D8-D2BB-130F-D5E6-C067731112CE}"/>
+          </ac:picMkLst>
+        </pc:picChg>
+      </pc:sldChg>
+      <pc:sldChg chg="addSp delSp modSp">
+        <pc:chgData name="Ziqing Yu" userId="76dbd0bb75f3aa62" providerId="LiveId" clId="{31473BE9-0D82-4ABB-A311-CB31F9F364DA}" dt="2022-11-28T12:00:26.799" v="105"/>
+        <pc:sldMkLst>
+          <pc:docMk/>
+          <pc:sldMk cId="2180464758" sldId="341"/>
+        </pc:sldMkLst>
+        <pc:spChg chg="add del mod">
+          <ac:chgData name="Ziqing Yu" userId="76dbd0bb75f3aa62" providerId="LiveId" clId="{31473BE9-0D82-4ABB-A311-CB31F9F364DA}" dt="2022-11-28T10:04:24.043" v="63"/>
+          <ac:spMkLst>
+            <pc:docMk/>
+            <pc:sldMk cId="2180464758" sldId="341"/>
+            <ac:spMk id="3" creationId="{4288367A-FB5B-14C8-2533-2B6030738B14}"/>
+          </ac:spMkLst>
+        </pc:spChg>
+        <pc:spChg chg="add del mod">
+          <ac:chgData name="Ziqing Yu" userId="76dbd0bb75f3aa62" providerId="LiveId" clId="{31473BE9-0D82-4ABB-A311-CB31F9F364DA}" dt="2022-11-28T12:00:26.799" v="105"/>
+          <ac:spMkLst>
+            <pc:docMk/>
+            <pc:sldMk cId="2180464758" sldId="341"/>
+            <ac:spMk id="8" creationId="{56C88922-C155-67ED-90F3-06B068FA8A8C}"/>
+          </ac:spMkLst>
+        </pc:spChg>
+        <pc:picChg chg="del">
+          <ac:chgData name="Ziqing Yu" userId="76dbd0bb75f3aa62" providerId="LiveId" clId="{31473BE9-0D82-4ABB-A311-CB31F9F364DA}" dt="2022-11-28T10:03:01.307" v="49" actId="478"/>
+          <ac:picMkLst>
+            <pc:docMk/>
+            <pc:sldMk cId="2180464758" sldId="341"/>
+            <ac:picMk id="6" creationId="{A5B0797D-32DD-FC92-018A-84B2D796E9C4}"/>
+          </ac:picMkLst>
+        </pc:picChg>
+        <pc:picChg chg="add del mod">
+          <ac:chgData name="Ziqing Yu" userId="76dbd0bb75f3aa62" providerId="LiveId" clId="{31473BE9-0D82-4ABB-A311-CB31F9F364DA}" dt="2022-11-28T12:00:23.029" v="104" actId="478"/>
+          <ac:picMkLst>
+            <pc:docMk/>
+            <pc:sldMk cId="2180464758" sldId="341"/>
+            <ac:picMk id="7" creationId="{4DBC6355-82C5-6EDD-9249-21E5C1AEEDAD}"/>
+          </ac:picMkLst>
+        </pc:picChg>
+        <pc:picChg chg="add mod">
+          <ac:chgData name="Ziqing Yu" userId="76dbd0bb75f3aa62" providerId="LiveId" clId="{31473BE9-0D82-4ABB-A311-CB31F9F364DA}" dt="2022-11-28T12:00:26.799" v="105"/>
+          <ac:picMkLst>
+            <pc:docMk/>
+            <pc:sldMk cId="2180464758" sldId="341"/>
+            <ac:picMk id="10" creationId="{0E7D6C4D-BD41-2457-B378-6CE5307EDEDF}"/>
+          </ac:picMkLst>
+        </pc:picChg>
+      </pc:sldChg>
+      <pc:sldChg chg="addSp delSp modSp">
+        <pc:chgData name="Ziqing Yu" userId="76dbd0bb75f3aa62" providerId="LiveId" clId="{31473BE9-0D82-4ABB-A311-CB31F9F364DA}" dt="2022-11-28T12:00:33.363" v="107"/>
+        <pc:sldMkLst>
+          <pc:docMk/>
+          <pc:sldMk cId="1946814930" sldId="342"/>
+        </pc:sldMkLst>
+        <pc:spChg chg="add del mod">
+          <ac:chgData name="Ziqing Yu" userId="76dbd0bb75f3aa62" providerId="LiveId" clId="{31473BE9-0D82-4ABB-A311-CB31F9F364DA}" dt="2022-11-28T10:04:28.052" v="64"/>
+          <ac:spMkLst>
+            <pc:docMk/>
+            <pc:sldMk cId="1946814930" sldId="342"/>
+            <ac:spMk id="3" creationId="{701D5FAE-91F8-7708-2501-C5F240803BCE}"/>
+          </ac:spMkLst>
+        </pc:spChg>
+        <pc:spChg chg="add del mod">
+          <ac:chgData name="Ziqing Yu" userId="76dbd0bb75f3aa62" providerId="LiveId" clId="{31473BE9-0D82-4ABB-A311-CB31F9F364DA}" dt="2022-11-28T12:00:33.363" v="107"/>
+          <ac:spMkLst>
+            <pc:docMk/>
+            <pc:sldMk cId="1946814930" sldId="342"/>
+            <ac:spMk id="8" creationId="{2049FB2D-5E4E-7747-2A87-A224C1B4F80F}"/>
+          </ac:spMkLst>
+        </pc:spChg>
+        <pc:picChg chg="del">
+          <ac:chgData name="Ziqing Yu" userId="76dbd0bb75f3aa62" providerId="LiveId" clId="{31473BE9-0D82-4ABB-A311-CB31F9F364DA}" dt="2022-11-28T10:03:02.902" v="50" actId="478"/>
+          <ac:picMkLst>
+            <pc:docMk/>
+            <pc:sldMk cId="1946814930" sldId="342"/>
+            <ac:picMk id="6" creationId="{E0AFB8F3-EDBC-F4C3-BE84-3859F090F6F6}"/>
+          </ac:picMkLst>
+        </pc:picChg>
+        <pc:picChg chg="add del mod">
+          <ac:chgData name="Ziqing Yu" userId="76dbd0bb75f3aa62" providerId="LiveId" clId="{31473BE9-0D82-4ABB-A311-CB31F9F364DA}" dt="2022-11-28T12:00:31.335" v="106" actId="478"/>
+          <ac:picMkLst>
+            <pc:docMk/>
+            <pc:sldMk cId="1946814930" sldId="342"/>
+            <ac:picMk id="7" creationId="{E5C74089-833A-2095-0EB1-961386142761}"/>
+          </ac:picMkLst>
+        </pc:picChg>
+        <pc:picChg chg="add mod">
+          <ac:chgData name="Ziqing Yu" userId="76dbd0bb75f3aa62" providerId="LiveId" clId="{31473BE9-0D82-4ABB-A311-CB31F9F364DA}" dt="2022-11-28T12:00:33.363" v="107"/>
+          <ac:picMkLst>
+            <pc:docMk/>
+            <pc:sldMk cId="1946814930" sldId="342"/>
+            <ac:picMk id="10" creationId="{4617C52E-A695-7082-F459-2AF0CE9E54FC}"/>
+          </ac:picMkLst>
+        </pc:picChg>
+      </pc:sldChg>
+      <pc:sldChg chg="addSp delSp modSp">
+        <pc:chgData name="Ziqing Yu" userId="76dbd0bb75f3aa62" providerId="LiveId" clId="{31473BE9-0D82-4ABB-A311-CB31F9F364DA}" dt="2022-11-28T12:00:38.722" v="109"/>
+        <pc:sldMkLst>
+          <pc:docMk/>
+          <pc:sldMk cId="2997382355" sldId="343"/>
+        </pc:sldMkLst>
+        <pc:spChg chg="add del mod">
+          <ac:chgData name="Ziqing Yu" userId="76dbd0bb75f3aa62" providerId="LiveId" clId="{31473BE9-0D82-4ABB-A311-CB31F9F364DA}" dt="2022-11-28T10:04:32.917" v="65"/>
+          <ac:spMkLst>
+            <pc:docMk/>
+            <pc:sldMk cId="2997382355" sldId="343"/>
+            <ac:spMk id="3" creationId="{33EB6375-DFF8-900D-DB7B-3D2BCF15661E}"/>
+          </ac:spMkLst>
+        </pc:spChg>
+        <pc:spChg chg="add del mod">
+          <ac:chgData name="Ziqing Yu" userId="76dbd0bb75f3aa62" providerId="LiveId" clId="{31473BE9-0D82-4ABB-A311-CB31F9F364DA}" dt="2022-11-28T12:00:38.722" v="109"/>
+          <ac:spMkLst>
+            <pc:docMk/>
+            <pc:sldMk cId="2997382355" sldId="343"/>
+            <ac:spMk id="8" creationId="{F0A68D4A-159C-F1E3-C290-97C73B920A6A}"/>
+          </ac:spMkLst>
+        </pc:spChg>
+        <pc:picChg chg="del">
+          <ac:chgData name="Ziqing Yu" userId="76dbd0bb75f3aa62" providerId="LiveId" clId="{31473BE9-0D82-4ABB-A311-CB31F9F364DA}" dt="2022-11-28T10:03:05.200" v="51" actId="478"/>
+          <ac:picMkLst>
+            <pc:docMk/>
+            <pc:sldMk cId="2997382355" sldId="343"/>
+            <ac:picMk id="6" creationId="{5B71D951-3393-940B-6778-FD80F6EBCADD}"/>
+          </ac:picMkLst>
+        </pc:picChg>
+        <pc:picChg chg="add del mod">
+          <ac:chgData name="Ziqing Yu" userId="76dbd0bb75f3aa62" providerId="LiveId" clId="{31473BE9-0D82-4ABB-A311-CB31F9F364DA}" dt="2022-11-28T12:00:35.511" v="108" actId="478"/>
+          <ac:picMkLst>
+            <pc:docMk/>
+            <pc:sldMk cId="2997382355" sldId="343"/>
+            <ac:picMk id="7" creationId="{A4D42452-DC61-A105-A279-85C5E11D88E2}"/>
+          </ac:picMkLst>
+        </pc:picChg>
+        <pc:picChg chg="add mod">
+          <ac:chgData name="Ziqing Yu" userId="76dbd0bb75f3aa62" providerId="LiveId" clId="{31473BE9-0D82-4ABB-A311-CB31F9F364DA}" dt="2022-11-28T12:00:38.722" v="109"/>
+          <ac:picMkLst>
+            <pc:docMk/>
+            <pc:sldMk cId="2997382355" sldId="343"/>
+            <ac:picMk id="10" creationId="{7FDC660C-A276-E360-8DD3-33A3606A0374}"/>
+          </ac:picMkLst>
+        </pc:picChg>
+      </pc:sldChg>
+      <pc:sldChg chg="addSp delSp modSp">
+        <pc:chgData name="Ziqing Yu" userId="76dbd0bb75f3aa62" providerId="LiveId" clId="{31473BE9-0D82-4ABB-A311-CB31F9F364DA}" dt="2022-11-28T12:00:42.193" v="111"/>
+        <pc:sldMkLst>
+          <pc:docMk/>
+          <pc:sldMk cId="1226457351" sldId="344"/>
+        </pc:sldMkLst>
+        <pc:spChg chg="add del mod">
+          <ac:chgData name="Ziqing Yu" userId="76dbd0bb75f3aa62" providerId="LiveId" clId="{31473BE9-0D82-4ABB-A311-CB31F9F364DA}" dt="2022-11-28T10:04:36.908" v="66"/>
+          <ac:spMkLst>
+            <pc:docMk/>
+            <pc:sldMk cId="1226457351" sldId="344"/>
+            <ac:spMk id="3" creationId="{DD5A3945-9A6F-0EAA-35D2-9A2953DFA767}"/>
+          </ac:spMkLst>
+        </pc:spChg>
+        <pc:spChg chg="add del mod">
+          <ac:chgData name="Ziqing Yu" userId="76dbd0bb75f3aa62" providerId="LiveId" clId="{31473BE9-0D82-4ABB-A311-CB31F9F364DA}" dt="2022-11-28T12:00:42.193" v="111"/>
+          <ac:spMkLst>
+            <pc:docMk/>
+            <pc:sldMk cId="1226457351" sldId="344"/>
+            <ac:spMk id="8" creationId="{C7D2B7BE-47E3-EBD4-C5AB-B3DCD0418D82}"/>
+          </ac:spMkLst>
+        </pc:spChg>
+        <pc:picChg chg="del">
+          <ac:chgData name="Ziqing Yu" userId="76dbd0bb75f3aa62" providerId="LiveId" clId="{31473BE9-0D82-4ABB-A311-CB31F9F364DA}" dt="2022-11-28T10:03:06.504" v="52" actId="478"/>
+          <ac:picMkLst>
+            <pc:docMk/>
+            <pc:sldMk cId="1226457351" sldId="344"/>
+            <ac:picMk id="6" creationId="{B9E4A37B-0551-F2B2-90C9-A960539106B2}"/>
+          </ac:picMkLst>
+        </pc:picChg>
+        <pc:picChg chg="add del mod">
+          <ac:chgData name="Ziqing Yu" userId="76dbd0bb75f3aa62" providerId="LiveId" clId="{31473BE9-0D82-4ABB-A311-CB31F9F364DA}" dt="2022-11-28T12:00:40.573" v="110" actId="478"/>
+          <ac:picMkLst>
+            <pc:docMk/>
+            <pc:sldMk cId="1226457351" sldId="344"/>
+            <ac:picMk id="7" creationId="{37608D7F-65DB-A4B0-83CB-6CF642DD9151}"/>
+          </ac:picMkLst>
+        </pc:picChg>
+        <pc:picChg chg="add mod">
+          <ac:chgData name="Ziqing Yu" userId="76dbd0bb75f3aa62" providerId="LiveId" clId="{31473BE9-0D82-4ABB-A311-CB31F9F364DA}" dt="2022-11-28T12:00:42.193" v="111"/>
+          <ac:picMkLst>
+            <pc:docMk/>
+            <pc:sldMk cId="1226457351" sldId="344"/>
+            <ac:picMk id="10" creationId="{C21653A5-D80D-3A00-ECB8-32D48C85D593}"/>
+          </ac:picMkLst>
+        </pc:picChg>
+      </pc:sldChg>
+      <pc:sldChg chg="addSp delSp modSp ord">
+        <pc:chgData name="Ziqing Yu" userId="76dbd0bb75f3aa62" providerId="LiveId" clId="{31473BE9-0D82-4ABB-A311-CB31F9F364DA}" dt="2022-11-28T11:56:09.271" v="85"/>
+        <pc:sldMkLst>
+          <pc:docMk/>
+          <pc:sldMk cId="2225581001" sldId="345"/>
+        </pc:sldMkLst>
+        <pc:spChg chg="add del mod">
+          <ac:chgData name="Ziqing Yu" userId="76dbd0bb75f3aa62" providerId="LiveId" clId="{31473BE9-0D82-4ABB-A311-CB31F9F364DA}" dt="2022-11-28T10:03:39.081" v="59"/>
+          <ac:spMkLst>
+            <pc:docMk/>
+            <pc:sldMk cId="2225581001" sldId="345"/>
+            <ac:spMk id="3" creationId="{5C1C85D3-1FDD-25EB-1B25-4FD6C3ADD866}"/>
+          </ac:spMkLst>
+        </pc:spChg>
+        <pc:spChg chg="add del mod">
+          <ac:chgData name="Ziqing Yu" userId="76dbd0bb75f3aa62" providerId="LiveId" clId="{31473BE9-0D82-4ABB-A311-CB31F9F364DA}" dt="2022-11-28T11:56:09.271" v="85"/>
+          <ac:spMkLst>
+            <pc:docMk/>
+            <pc:sldMk cId="2225581001" sldId="345"/>
+            <ac:spMk id="8" creationId="{BD3FCFA4-85DB-7282-A4E0-9B1472452A29}"/>
+          </ac:spMkLst>
+        </pc:spChg>
+        <pc:picChg chg="del">
+          <ac:chgData name="Ziqing Yu" userId="76dbd0bb75f3aa62" providerId="LiveId" clId="{31473BE9-0D82-4ABB-A311-CB31F9F364DA}" dt="2022-11-28T10:03:09.056" v="53" actId="478"/>
+          <ac:picMkLst>
+            <pc:docMk/>
+            <pc:sldMk cId="2225581001" sldId="345"/>
+            <ac:picMk id="6" creationId="{2AB0166D-F6D9-120B-2DA9-F05B11DBCF7C}"/>
+          </ac:picMkLst>
+        </pc:picChg>
+        <pc:picChg chg="add del mod">
+          <ac:chgData name="Ziqing Yu" userId="76dbd0bb75f3aa62" providerId="LiveId" clId="{31473BE9-0D82-4ABB-A311-CB31F9F364DA}" dt="2022-11-28T11:56:07.370" v="84" actId="478"/>
+          <ac:picMkLst>
+            <pc:docMk/>
+            <pc:sldMk cId="2225581001" sldId="345"/>
+            <ac:picMk id="7" creationId="{E59B8B2A-AF3A-FEFF-830B-165492BBF970}"/>
+          </ac:picMkLst>
+        </pc:picChg>
+        <pc:picChg chg="add mod">
+          <ac:chgData name="Ziqing Yu" userId="76dbd0bb75f3aa62" providerId="LiveId" clId="{31473BE9-0D82-4ABB-A311-CB31F9F364DA}" dt="2022-11-28T11:56:09.271" v="85"/>
+          <ac:picMkLst>
+            <pc:docMk/>
+            <pc:sldMk cId="2225581001" sldId="345"/>
+            <ac:picMk id="10" creationId="{678F0BEA-01FB-6474-2DE7-2B582F0D008F}"/>
+          </ac:picMkLst>
+        </pc:picChg>
+      </pc:sldChg>
+      <pc:sldChg chg="addSp delSp modSp ord">
+        <pc:chgData name="Ziqing Yu" userId="76dbd0bb75f3aa62" providerId="LiveId" clId="{31473BE9-0D82-4ABB-A311-CB31F9F364DA}" dt="2022-11-28T11:56:15.946" v="87"/>
+        <pc:sldMkLst>
+          <pc:docMk/>
+          <pc:sldMk cId="1589648065" sldId="346"/>
+        </pc:sldMkLst>
+        <pc:spChg chg="add del mod">
+          <ac:chgData name="Ziqing Yu" userId="76dbd0bb75f3aa62" providerId="LiveId" clId="{31473BE9-0D82-4ABB-A311-CB31F9F364DA}" dt="2022-11-28T10:03:46.142" v="60"/>
+          <ac:spMkLst>
+            <pc:docMk/>
+            <pc:sldMk cId="1589648065" sldId="346"/>
+            <ac:spMk id="3" creationId="{7ED57D73-D86E-C35D-83B0-585C4DD33474}"/>
+          </ac:spMkLst>
+        </pc:spChg>
+        <pc:spChg chg="add del mod">
+          <ac:chgData name="Ziqing Yu" userId="76dbd0bb75f3aa62" providerId="LiveId" clId="{31473BE9-0D82-4ABB-A311-CB31F9F364DA}" dt="2022-11-28T11:56:15.946" v="87"/>
+          <ac:spMkLst>
+            <pc:docMk/>
+            <pc:sldMk cId="1589648065" sldId="346"/>
+            <ac:spMk id="8" creationId="{C596F27F-DDAC-4332-B447-E0D759E33499}"/>
+          </ac:spMkLst>
+        </pc:spChg>
+        <pc:picChg chg="del">
+          <ac:chgData name="Ziqing Yu" userId="76dbd0bb75f3aa62" providerId="LiveId" clId="{31473BE9-0D82-4ABB-A311-CB31F9F364DA}" dt="2022-11-28T10:03:10.651" v="54" actId="478"/>
+          <ac:picMkLst>
+            <pc:docMk/>
+            <pc:sldMk cId="1589648065" sldId="346"/>
+            <ac:picMk id="6" creationId="{0D93D7EC-70E6-C79A-704B-BAAE0DA76A85}"/>
+          </ac:picMkLst>
+        </pc:picChg>
+        <pc:picChg chg="add del mod">
+          <ac:chgData name="Ziqing Yu" userId="76dbd0bb75f3aa62" providerId="LiveId" clId="{31473BE9-0D82-4ABB-A311-CB31F9F364DA}" dt="2022-11-28T11:56:13.020" v="86" actId="478"/>
+          <ac:picMkLst>
+            <pc:docMk/>
+            <pc:sldMk cId="1589648065" sldId="346"/>
+            <ac:picMk id="7" creationId="{D0BAAD7A-D93E-1937-D3E7-7074AC8D2BD2}"/>
+          </ac:picMkLst>
+        </pc:picChg>
+        <pc:picChg chg="add mod">
+          <ac:chgData name="Ziqing Yu" userId="76dbd0bb75f3aa62" providerId="LiveId" clId="{31473BE9-0D82-4ABB-A311-CB31F9F364DA}" dt="2022-11-28T11:56:15.946" v="87"/>
+          <ac:picMkLst>
+            <pc:docMk/>
+            <pc:sldMk cId="1589648065" sldId="346"/>
+            <ac:picMk id="10" creationId="{966DAEC7-1C5E-3FBC-23D7-8BCE95F52D48}"/>
+          </ac:picMkLst>
+        </pc:picChg>
+      </pc:sldChg>
+      <pc:sldChg chg="addSp delSp modSp new mod">
+        <pc:chgData name="Ziqing Yu" userId="76dbd0bb75f3aa62" providerId="LiveId" clId="{31473BE9-0D82-4ABB-A311-CB31F9F364DA}" dt="2022-11-28T12:04:43.447" v="266" actId="1076"/>
+        <pc:sldMkLst>
+          <pc:docMk/>
+          <pc:sldMk cId="4073100235" sldId="347"/>
+        </pc:sldMkLst>
+        <pc:spChg chg="mod">
+          <ac:chgData name="Ziqing Yu" userId="76dbd0bb75f3aa62" providerId="LiveId" clId="{31473BE9-0D82-4ABB-A311-CB31F9F364DA}" dt="2022-11-28T09:59:03.753" v="41" actId="20577"/>
+          <ac:spMkLst>
+            <pc:docMk/>
+            <pc:sldMk cId="4073100235" sldId="347"/>
+            <ac:spMk id="2" creationId="{1BD000A3-7086-5618-B3F5-0A3A9A4DADEC}"/>
+          </ac:spMkLst>
+        </pc:spChg>
+        <pc:spChg chg="del">
+          <ac:chgData name="Ziqing Yu" userId="76dbd0bb75f3aa62" providerId="LiveId" clId="{31473BE9-0D82-4ABB-A311-CB31F9F364DA}" dt="2022-11-28T10:02:50.649" v="46"/>
+          <ac:spMkLst>
+            <pc:docMk/>
+            <pc:sldMk cId="4073100235" sldId="347"/>
+            <ac:spMk id="3" creationId="{AADC61EA-1D42-5C1F-2652-4184952D3FD9}"/>
+          </ac:spMkLst>
+        </pc:spChg>
+        <pc:spChg chg="add del mod">
+          <ac:chgData name="Ziqing Yu" userId="76dbd0bb75f3aa62" providerId="LiveId" clId="{31473BE9-0D82-4ABB-A311-CB31F9F364DA}" dt="2022-11-28T11:56:49.233" v="97"/>
+          <ac:spMkLst>
+            <pc:docMk/>
+            <pc:sldMk cId="4073100235" sldId="347"/>
+            <ac:spMk id="7" creationId="{B8AC3339-C9AF-EB3F-EB87-FA9F4EEA42BE}"/>
+          </ac:spMkLst>
+        </pc:spChg>
+        <pc:spChg chg="add del mod">
+          <ac:chgData name="Ziqing Yu" userId="76dbd0bb75f3aa62" providerId="LiveId" clId="{31473BE9-0D82-4ABB-A311-CB31F9F364DA}" dt="2022-11-28T12:00:00.077" v="99"/>
+          <ac:spMkLst>
+            <pc:docMk/>
+            <pc:sldMk cId="4073100235" sldId="347"/>
+            <ac:spMk id="10" creationId="{7B2144B5-0603-3404-C180-58C79E8103A5}"/>
+          </ac:spMkLst>
+        </pc:spChg>
+        <pc:spChg chg="add mod">
+          <ac:chgData name="Ziqing Yu" userId="76dbd0bb75f3aa62" providerId="LiveId" clId="{31473BE9-0D82-4ABB-A311-CB31F9F364DA}" dt="2022-11-28T12:04:43.447" v="266" actId="1076"/>
+          <ac:spMkLst>
+            <pc:docMk/>
+            <pc:sldMk cId="4073100235" sldId="347"/>
+            <ac:spMk id="13" creationId="{27B21752-8558-A219-6EFA-DD9542AF6305}"/>
+          </ac:spMkLst>
+        </pc:spChg>
+        <pc:picChg chg="add del mod">
+          <ac:chgData name="Ziqing Yu" userId="76dbd0bb75f3aa62" providerId="LiveId" clId="{31473BE9-0D82-4ABB-A311-CB31F9F364DA}" dt="2022-11-28T11:56:44.396" v="96" actId="478"/>
+          <ac:picMkLst>
+            <pc:docMk/>
+            <pc:sldMk cId="4073100235" sldId="347"/>
+            <ac:picMk id="6" creationId="{D4390363-3474-316D-C578-75550E4DC60F}"/>
+          </ac:picMkLst>
+        </pc:picChg>
+        <pc:picChg chg="add del mod">
+          <ac:chgData name="Ziqing Yu" userId="76dbd0bb75f3aa62" providerId="LiveId" clId="{31473BE9-0D82-4ABB-A311-CB31F9F364DA}" dt="2022-11-28T11:59:58.136" v="98" actId="478"/>
+          <ac:picMkLst>
+            <pc:docMk/>
+            <pc:sldMk cId="4073100235" sldId="347"/>
+            <ac:picMk id="9" creationId="{DC83E2A2-58B4-1568-653F-255D71D0A571}"/>
+          </ac:picMkLst>
+        </pc:picChg>
+        <pc:picChg chg="add mod">
+          <ac:chgData name="Ziqing Yu" userId="76dbd0bb75f3aa62" providerId="LiveId" clId="{31473BE9-0D82-4ABB-A311-CB31F9F364DA}" dt="2022-11-28T12:00:00.077" v="99"/>
+          <ac:picMkLst>
+            <pc:docMk/>
+            <pc:sldMk cId="4073100235" sldId="347"/>
+            <ac:picMk id="12" creationId="{704F3BC9-331C-66C1-124D-29C57E087D5B}"/>
+          </ac:picMkLst>
+        </pc:picChg>
+      </pc:sldChg>
+      <pc:sldChg chg="addSp delSp modSp new mod">
+        <pc:chgData name="Ziqing Yu" userId="76dbd0bb75f3aa62" providerId="LiveId" clId="{31473BE9-0D82-4ABB-A311-CB31F9F364DA}" dt="2022-11-28T12:17:32.979" v="432" actId="1076"/>
+        <pc:sldMkLst>
+          <pc:docMk/>
+          <pc:sldMk cId="3534031894" sldId="348"/>
+        </pc:sldMkLst>
+        <pc:spChg chg="mod">
+          <ac:chgData name="Ziqing Yu" userId="76dbd0bb75f3aa62" providerId="LiveId" clId="{31473BE9-0D82-4ABB-A311-CB31F9F364DA}" dt="2022-11-28T10:04:50.755" v="73" actId="20577"/>
+          <ac:spMkLst>
+            <pc:docMk/>
+            <pc:sldMk cId="3534031894" sldId="348"/>
+            <ac:spMk id="2" creationId="{0970B95D-1CF7-AF42-D6D7-E925F0D50440}"/>
+          </ac:spMkLst>
+        </pc:spChg>
+        <pc:spChg chg="del">
+          <ac:chgData name="Ziqing Yu" userId="76dbd0bb75f3aa62" providerId="LiveId" clId="{31473BE9-0D82-4ABB-A311-CB31F9F364DA}" dt="2022-11-28T10:04:46.865" v="68"/>
+          <ac:spMkLst>
+            <pc:docMk/>
+            <pc:sldMk cId="3534031894" sldId="348"/>
+            <ac:spMk id="3" creationId="{3DD36312-8746-3776-E895-5CEF0C201449}"/>
+          </ac:spMkLst>
+        </pc:spChg>
+        <pc:spChg chg="add del mod">
+          <ac:chgData name="Ziqing Yu" userId="76dbd0bb75f3aa62" providerId="LiveId" clId="{31473BE9-0D82-4ABB-A311-CB31F9F364DA}" dt="2022-11-28T12:00:47.866" v="113"/>
+          <ac:spMkLst>
+            <pc:docMk/>
+            <pc:sldMk cId="3534031894" sldId="348"/>
+            <ac:spMk id="7" creationId="{FC9FF127-B889-3FC1-E6EF-C034ED1A344D}"/>
+          </ac:spMkLst>
+        </pc:spChg>
+        <pc:picChg chg="add del mod">
+          <ac:chgData name="Ziqing Yu" userId="76dbd0bb75f3aa62" providerId="LiveId" clId="{31473BE9-0D82-4ABB-A311-CB31F9F364DA}" dt="2022-11-28T12:00:46.047" v="112" actId="478"/>
+          <ac:picMkLst>
+            <pc:docMk/>
+            <pc:sldMk cId="3534031894" sldId="348"/>
+            <ac:picMk id="6" creationId="{7EB81906-264F-0C98-9E2C-675813D90127}"/>
+          </ac:picMkLst>
+        </pc:picChg>
+        <pc:picChg chg="add mod">
+          <ac:chgData name="Ziqing Yu" userId="76dbd0bb75f3aa62" providerId="LiveId" clId="{31473BE9-0D82-4ABB-A311-CB31F9F364DA}" dt="2022-11-28T12:17:32.979" v="432" actId="1076"/>
+          <ac:picMkLst>
+            <pc:docMk/>
+            <pc:sldMk cId="3534031894" sldId="348"/>
+            <ac:picMk id="9" creationId="{3047CD55-112C-107A-F2E2-FF10B5420B93}"/>
+          </ac:picMkLst>
+        </pc:picChg>
+      </pc:sldChg>
+      <pc:sldChg chg="modSp new mod">
+        <pc:chgData name="Ziqing Yu" userId="76dbd0bb75f3aa62" providerId="LiveId" clId="{31473BE9-0D82-4ABB-A311-CB31F9F364DA}" dt="2022-11-28T12:09:11.524" v="339" actId="20577"/>
+        <pc:sldMkLst>
+          <pc:docMk/>
+          <pc:sldMk cId="2777479108" sldId="349"/>
+        </pc:sldMkLst>
+        <pc:spChg chg="mod">
+          <ac:chgData name="Ziqing Yu" userId="76dbd0bb75f3aa62" providerId="LiveId" clId="{31473BE9-0D82-4ABB-A311-CB31F9F364DA}" dt="2022-11-28T12:08:53.870" v="334" actId="20577"/>
+          <ac:spMkLst>
+            <pc:docMk/>
+            <pc:sldMk cId="2777479108" sldId="349"/>
+            <ac:spMk id="2" creationId="{D974E570-66E9-08E8-17FD-F7091F2C083D}"/>
+          </ac:spMkLst>
+        </pc:spChg>
+        <pc:spChg chg="mod">
+          <ac:chgData name="Ziqing Yu" userId="76dbd0bb75f3aa62" providerId="LiveId" clId="{31473BE9-0D82-4ABB-A311-CB31F9F364DA}" dt="2022-11-28T12:09:11.524" v="339" actId="20577"/>
+          <ac:spMkLst>
+            <pc:docMk/>
+            <pc:sldMk cId="2777479108" sldId="349"/>
+            <ac:spMk id="3" creationId="{3716E3B6-A8FE-D458-529B-2F41ED6AD166}"/>
+          </ac:spMkLst>
+        </pc:spChg>
+      </pc:sldChg>
+      <pc:sldChg chg="modSp new mod">
+        <pc:chgData name="Ziqing Yu" userId="76dbd0bb75f3aa62" providerId="LiveId" clId="{31473BE9-0D82-4ABB-A311-CB31F9F364DA}" dt="2022-11-28T12:12:37.800" v="383" actId="20577"/>
+        <pc:sldMkLst>
+          <pc:docMk/>
+          <pc:sldMk cId="1431695431" sldId="350"/>
+        </pc:sldMkLst>
+        <pc:spChg chg="mod">
+          <ac:chgData name="Ziqing Yu" userId="76dbd0bb75f3aa62" providerId="LiveId" clId="{31473BE9-0D82-4ABB-A311-CB31F9F364DA}" dt="2022-11-28T12:12:37.800" v="383" actId="20577"/>
+          <ac:spMkLst>
+            <pc:docMk/>
+            <pc:sldMk cId="1431695431" sldId="350"/>
+            <ac:spMk id="2" creationId="{CD725CEB-8496-7B7C-2B9E-B50AC716951E}"/>
+          </ac:spMkLst>
+        </pc:spChg>
+        <pc:spChg chg="mod">
+          <ac:chgData name="Ziqing Yu" userId="76dbd0bb75f3aa62" providerId="LiveId" clId="{31473BE9-0D82-4ABB-A311-CB31F9F364DA}" dt="2022-11-28T12:11:57.550" v="373" actId="20577"/>
+          <ac:spMkLst>
+            <pc:docMk/>
+            <pc:sldMk cId="1431695431" sldId="350"/>
+            <ac:spMk id="3" creationId="{66BD02D9-1310-76BF-1046-C4F630828CF7}"/>
+          </ac:spMkLst>
+        </pc:spChg>
+      </pc:sldChg>
+      <pc:sldChg chg="modSp new mod">
+        <pc:chgData name="Ziqing Yu" userId="76dbd0bb75f3aa62" providerId="LiveId" clId="{31473BE9-0D82-4ABB-A311-CB31F9F364DA}" dt="2022-11-28T12:17:25.820" v="431" actId="20577"/>
+        <pc:sldMkLst>
+          <pc:docMk/>
+          <pc:sldMk cId="3500917354" sldId="351"/>
+        </pc:sldMkLst>
+        <pc:spChg chg="mod">
+          <ac:chgData name="Ziqing Yu" userId="76dbd0bb75f3aa62" providerId="LiveId" clId="{31473BE9-0D82-4ABB-A311-CB31F9F364DA}" dt="2022-11-28T12:12:46.683" v="411" actId="20577"/>
+          <ac:spMkLst>
+            <pc:docMk/>
+            <pc:sldMk cId="3500917354" sldId="351"/>
+            <ac:spMk id="2" creationId="{E262DF64-DF60-3AE2-5CB2-C16B9B913E15}"/>
+          </ac:spMkLst>
+        </pc:spChg>
+        <pc:spChg chg="mod">
+          <ac:chgData name="Ziqing Yu" userId="76dbd0bb75f3aa62" providerId="LiveId" clId="{31473BE9-0D82-4ABB-A311-CB31F9F364DA}" dt="2022-11-28T12:17:25.820" v="431" actId="20577"/>
+          <ac:spMkLst>
+            <pc:docMk/>
+            <pc:sldMk cId="3500917354" sldId="351"/>
+            <ac:spMk id="3" creationId="{52300C93-EBAB-2E27-9035-E8F3E5857265}"/>
+          </ac:spMkLst>
+        </pc:spChg>
+      </pc:sldChg>
+    </pc:docChg>
+  </pc:docChgLst>
+</pc:chgInfo>
 </file>
 
 <file path=ppt/notesMasters/notesMaster1.xml><?xml version="1.0" encoding="utf-8"?>
@@ -536,7 +1526,7 @@
               <a:pPr>
                 <a:defRPr/>
               </a:pPr>
-              <a:t>‹Nr.›</a:t>
+              <a:t>‹#›</a:t>
             </a:fld>
             <a:endParaRPr lang="de-DE" altLang="en-US"/>
           </a:p>
@@ -881,7 +1871,7 @@
               <a:pPr>
                 <a:defRPr/>
               </a:pPr>
-              <a:t>‹Nr.›</a:t>
+              <a:t>‹#›</a:t>
             </a:fld>
             <a:endParaRPr lang="de-DE" altLang="en-US"/>
           </a:p>
@@ -1093,7 +2083,7 @@
               <a:pPr>
                 <a:defRPr/>
               </a:pPr>
-              <a:t>‹Nr.›</a:t>
+              <a:t>‹#›</a:t>
             </a:fld>
             <a:endParaRPr lang="de-DE" altLang="en-US"/>
           </a:p>
@@ -1315,7 +2305,7 @@
               <a:pPr>
                 <a:defRPr/>
               </a:pPr>
-              <a:t>‹Nr.›</a:t>
+              <a:t>‹#›</a:t>
             </a:fld>
             <a:endParaRPr lang="de-DE" altLang="en-US"/>
           </a:p>
@@ -1527,7 +2517,7 @@
               <a:pPr>
                 <a:defRPr/>
               </a:pPr>
-              <a:t>‹Nr.›</a:t>
+              <a:t>‹#›</a:t>
             </a:fld>
             <a:endParaRPr lang="de-DE" altLang="en-US"/>
           </a:p>
@@ -1762,7 +2752,7 @@
               <a:pPr>
                 <a:defRPr/>
               </a:pPr>
-              <a:t>‹Nr.›</a:t>
+              <a:t>‹#›</a:t>
             </a:fld>
             <a:endParaRPr lang="de-DE" altLang="en-US"/>
           </a:p>
@@ -2091,7 +3081,7 @@
               <a:pPr>
                 <a:defRPr/>
               </a:pPr>
-              <a:t>‹Nr.›</a:t>
+              <a:t>‹#›</a:t>
             </a:fld>
             <a:endParaRPr lang="de-DE" altLang="en-US"/>
           </a:p>
@@ -2559,7 +3549,7 @@
               <a:pPr>
                 <a:defRPr/>
               </a:pPr>
-              <a:t>‹Nr.›</a:t>
+              <a:t>‹#›</a:t>
             </a:fld>
             <a:endParaRPr lang="de-DE" altLang="en-US"/>
           </a:p>
@@ -2720,7 +3710,7 @@
               <a:pPr>
                 <a:defRPr/>
               </a:pPr>
-              <a:t>‹Nr.›</a:t>
+              <a:t>‹#›</a:t>
             </a:fld>
             <a:endParaRPr lang="de-DE" altLang="en-US"/>
           </a:p>
@@ -2859,7 +3849,7 @@
               <a:pPr>
                 <a:defRPr/>
               </a:pPr>
-              <a:t>‹Nr.›</a:t>
+              <a:t>‹#›</a:t>
             </a:fld>
             <a:endParaRPr lang="de-DE" altLang="en-US"/>
           </a:p>
@@ -3178,7 +4168,7 @@
               <a:pPr>
                 <a:defRPr/>
               </a:pPr>
-              <a:t>‹Nr.›</a:t>
+              <a:t>‹#›</a:t>
             </a:fld>
             <a:endParaRPr lang="de-DE" altLang="en-US"/>
           </a:p>
@@ -3475,7 +4465,7 @@
               <a:pPr>
                 <a:defRPr/>
               </a:pPr>
-              <a:t>‹Nr.›</a:t>
+              <a:t>‹#›</a:t>
             </a:fld>
             <a:endParaRPr lang="de-DE" altLang="en-US"/>
           </a:p>
@@ -3849,7 +4839,7 @@
               <a:pPr>
                 <a:defRPr/>
               </a:pPr>
-              <a:t>‹Nr.›</a:t>
+              <a:t>‹#›</a:t>
             </a:fld>
             <a:endParaRPr lang="de-DE" altLang="en-US"/>
           </a:p>
@@ -5114,7 +6104,7 @@
           <p:cNvPr id="2" name="Titel 1">
             <a:extLst>
               <a:ext uri="{FF2B5EF4-FFF2-40B4-BE49-F238E27FC236}">
-                <a16:creationId xmlns:a16="http://schemas.microsoft.com/office/drawing/2014/main" id="{7846096C-E771-8A03-C820-7772D957124F}"/>
+                <a16:creationId xmlns:a16="http://schemas.microsoft.com/office/drawing/2014/main" id="{5CA019BB-7583-3CFB-B393-958D4364026A}"/>
               </a:ext>
             </a:extLst>
           </p:cNvPr>
@@ -5132,51 +6122,17 @@
           <a:p>
             <a:r>
               <a:rPr lang="de-DE" dirty="0"/>
-              <a:t>SWARM-A</a:t>
-            </a:r>
-          </a:p>
-        </p:txBody>
-      </p:sp>
-      <p:pic>
-        <p:nvPicPr>
-          <p:cNvPr id="6" name="Inhaltsplatzhalter 5">
-            <a:extLst>
-              <a:ext uri="{FF2B5EF4-FFF2-40B4-BE49-F238E27FC236}">
-                <a16:creationId xmlns:a16="http://schemas.microsoft.com/office/drawing/2014/main" id="{C253CD45-05B4-A617-D859-9311FB91B7B8}"/>
-              </a:ext>
-            </a:extLst>
-          </p:cNvPr>
-          <p:cNvPicPr>
-            <a:picLocks noGrp="1" noChangeAspect="1"/>
-          </p:cNvPicPr>
-          <p:nvPr>
-            <p:ph idx="1"/>
-          </p:nvPr>
-        </p:nvPicPr>
-        <p:blipFill rotWithShape="1">
-          <a:blip r:embed="rId2">
-            <a:extLst>
-              <a:ext uri="{28A0092B-C50C-407E-A947-70E740481C1C}">
-                <a14:useLocalDpi xmlns:a14="http://schemas.microsoft.com/office/drawing/2010/main" val="0"/>
-              </a:ext>
-            </a:extLst>
-          </a:blip>
-          <a:srcRect l="6935" r="8402"/>
-          <a:stretch/>
-        </p:blipFill>
-        <p:spPr>
-          <a:xfrm>
-            <a:off x="467544" y="1088739"/>
-            <a:ext cx="8568952" cy="4802101"/>
-          </a:xfrm>
-        </p:spPr>
-      </p:pic>
+              <a:t>Sentinel-3A</a:t>
+            </a:r>
+          </a:p>
+        </p:txBody>
+      </p:sp>
       <p:sp>
         <p:nvSpPr>
           <p:cNvPr id="4" name="Foliennummernplatzhalter 3">
             <a:extLst>
               <a:ext uri="{FF2B5EF4-FFF2-40B4-BE49-F238E27FC236}">
-                <a16:creationId xmlns:a16="http://schemas.microsoft.com/office/drawing/2014/main" id="{3BF73134-EEC7-3D1B-0CE0-A70E1EBBFBA5}"/>
+                <a16:creationId xmlns:a16="http://schemas.microsoft.com/office/drawing/2014/main" id="{4F22250B-89DB-319D-BF70-FEAD59C2DCBE}"/>
               </a:ext>
             </a:extLst>
           </p:cNvPr>
@@ -5206,10 +6162,45 @@
           </a:p>
         </p:txBody>
       </p:sp>
+      <p:pic>
+        <p:nvPicPr>
+          <p:cNvPr id="10" name="内容占位符 9">
+            <a:extLst>
+              <a:ext uri="{FF2B5EF4-FFF2-40B4-BE49-F238E27FC236}">
+                <a16:creationId xmlns:a16="http://schemas.microsoft.com/office/drawing/2014/main" id="{5D697B87-8FC5-8F9E-BB87-E28AE0BC0C24}"/>
+              </a:ext>
+            </a:extLst>
+          </p:cNvPr>
+          <p:cNvPicPr>
+            <a:picLocks noGrp="1" noChangeAspect="1"/>
+          </p:cNvPicPr>
+          <p:nvPr>
+            <p:ph idx="1"/>
+          </p:nvPr>
+        </p:nvPicPr>
+        <p:blipFill>
+          <a:blip r:embed="rId2">
+            <a:extLst>
+              <a:ext uri="{28A0092B-C50C-407E-A947-70E740481C1C}">
+                <a14:useLocalDpi xmlns:a14="http://schemas.microsoft.com/office/drawing/2010/main" val="0"/>
+              </a:ext>
+            </a:extLst>
+          </a:blip>
+          <a:stretch>
+            <a:fillRect/>
+          </a:stretch>
+        </p:blipFill>
+        <p:spPr>
+          <a:xfrm>
+            <a:off x="685800" y="1564247"/>
+            <a:ext cx="7772400" cy="3958106"/>
+          </a:xfrm>
+        </p:spPr>
+      </p:pic>
     </p:spTree>
     <p:extLst>
       <p:ext uri="{BB962C8B-B14F-4D97-AF65-F5344CB8AC3E}">
-        <p14:creationId xmlns:p14="http://schemas.microsoft.com/office/powerpoint/2010/main" val="3074370798"/>
+        <p14:creationId xmlns:p14="http://schemas.microsoft.com/office/powerpoint/2010/main" val="865096269"/>
       </p:ext>
     </p:extLst>
   </p:cSld>
@@ -5241,7 +6232,7 @@
           <p:cNvPr id="2" name="Titel 1">
             <a:extLst>
               <a:ext uri="{FF2B5EF4-FFF2-40B4-BE49-F238E27FC236}">
-                <a16:creationId xmlns:a16="http://schemas.microsoft.com/office/drawing/2014/main" id="{F4E9F332-C5BD-827A-F8AB-B37AEE9EACE3}"/>
+                <a16:creationId xmlns:a16="http://schemas.microsoft.com/office/drawing/2014/main" id="{20F90156-54BF-BB0C-FF71-DD7F79D412BD}"/>
               </a:ext>
             </a:extLst>
           </p:cNvPr>
@@ -5259,62 +6250,33 @@
           <a:p>
             <a:r>
               <a:rPr lang="de-DE" dirty="0"/>
-              <a:t>SWARM-A</a:t>
-            </a:r>
-          </a:p>
-        </p:txBody>
-      </p:sp>
-      <p:pic>
-        <p:nvPicPr>
-          <p:cNvPr id="6" name="Inhaltsplatzhalter 5">
-            <a:extLst>
-              <a:ext uri="{FF2B5EF4-FFF2-40B4-BE49-F238E27FC236}">
-                <a16:creationId xmlns:a16="http://schemas.microsoft.com/office/drawing/2014/main" id="{3AD9C9A4-89A7-C8DF-DD57-58AB7596A34E}"/>
-              </a:ext>
-            </a:extLst>
-          </p:cNvPr>
-          <p:cNvPicPr>
-            <a:picLocks noGrp="1" noChangeAspect="1"/>
-          </p:cNvPicPr>
-          <p:nvPr>
-            <p:ph idx="1"/>
-          </p:nvPr>
-        </p:nvPicPr>
-        <p:blipFill rotWithShape="1">
-          <a:blip r:embed="rId2">
-            <a:extLst>
-              <a:ext uri="{28A0092B-C50C-407E-A947-70E740481C1C}">
-                <a14:useLocalDpi xmlns:a14="http://schemas.microsoft.com/office/drawing/2010/main" val="0"/>
-              </a:ext>
-            </a:extLst>
-          </a:blip>
-          <a:srcRect l="7668" r="8025"/>
-          <a:stretch/>
-        </p:blipFill>
+              <a:t>Sentinel-3B</a:t>
+            </a:r>
+          </a:p>
+        </p:txBody>
+      </p:sp>
+      <p:sp>
+        <p:nvSpPr>
+          <p:cNvPr id="4" name="Foliennummernplatzhalter 3">
+            <a:extLst>
+              <a:ext uri="{FF2B5EF4-FFF2-40B4-BE49-F238E27FC236}">
+                <a16:creationId xmlns:a16="http://schemas.microsoft.com/office/drawing/2014/main" id="{4A63128B-3CE0-EF46-C06D-78099419E853}"/>
+              </a:ext>
+            </a:extLst>
+          </p:cNvPr>
+          <p:cNvSpPr>
+            <a:spLocks noGrp="1"/>
+          </p:cNvSpPr>
+          <p:nvPr>
+            <p:ph type="sldNum" sz="quarter" idx="12"/>
+          </p:nvPr>
+        </p:nvSpPr>
         <p:spPr>
           <a:xfrm>
-            <a:off x="539552" y="1088739"/>
-            <a:ext cx="8424936" cy="4741833"/>
+            <a:off x="6583905" y="6237312"/>
+            <a:ext cx="1905000" cy="457200"/>
           </a:xfrm>
         </p:spPr>
-      </p:pic>
-      <p:sp>
-        <p:nvSpPr>
-          <p:cNvPr id="4" name="Foliennummernplatzhalter 3">
-            <a:extLst>
-              <a:ext uri="{FF2B5EF4-FFF2-40B4-BE49-F238E27FC236}">
-                <a16:creationId xmlns:a16="http://schemas.microsoft.com/office/drawing/2014/main" id="{3FEECEFD-EC67-65BB-1C95-63D1BBC36C43}"/>
-              </a:ext>
-            </a:extLst>
-          </p:cNvPr>
-          <p:cNvSpPr>
-            <a:spLocks noGrp="1"/>
-          </p:cNvSpPr>
-          <p:nvPr>
-            <p:ph type="sldNum" sz="quarter" idx="12"/>
-          </p:nvPr>
-        </p:nvSpPr>
-        <p:spPr/>
         <p:txBody>
           <a:bodyPr/>
           <a:lstStyle/>
@@ -5333,10 +6295,111 @@
           </a:p>
         </p:txBody>
       </p:sp>
+      <p:pic>
+        <p:nvPicPr>
+          <p:cNvPr id="10" name="内容占位符 9">
+            <a:extLst>
+              <a:ext uri="{FF2B5EF4-FFF2-40B4-BE49-F238E27FC236}">
+                <a16:creationId xmlns:a16="http://schemas.microsoft.com/office/drawing/2014/main" id="{8E2ED661-6EA3-5136-BC6D-DA55864EF0BB}"/>
+              </a:ext>
+            </a:extLst>
+          </p:cNvPr>
+          <p:cNvPicPr>
+            <a:picLocks noGrp="1" noChangeAspect="1"/>
+          </p:cNvPicPr>
+          <p:nvPr>
+            <p:ph idx="1"/>
+          </p:nvPr>
+        </p:nvPicPr>
+        <p:blipFill>
+          <a:blip r:embed="rId2">
+            <a:extLst>
+              <a:ext uri="{28A0092B-C50C-407E-A947-70E740481C1C}">
+                <a14:useLocalDpi xmlns:a14="http://schemas.microsoft.com/office/drawing/2010/main" val="0"/>
+              </a:ext>
+            </a:extLst>
+          </a:blip>
+          <a:stretch>
+            <a:fillRect/>
+          </a:stretch>
+        </p:blipFill>
+        <p:spPr>
+          <a:xfrm>
+            <a:off x="685800" y="1564247"/>
+            <a:ext cx="7772400" cy="3958106"/>
+          </a:xfrm>
+        </p:spPr>
+      </p:pic>
+      <p:sp>
+        <p:nvSpPr>
+          <p:cNvPr id="11" name="文本框 10">
+            <a:extLst>
+              <a:ext uri="{FF2B5EF4-FFF2-40B4-BE49-F238E27FC236}">
+                <a16:creationId xmlns:a16="http://schemas.microsoft.com/office/drawing/2014/main" id="{544BB1EA-0B70-401D-B0F0-6157239155E8}"/>
+              </a:ext>
+            </a:extLst>
+          </p:cNvPr>
+          <p:cNvSpPr txBox="1"/>
+          <p:nvPr/>
+        </p:nvSpPr>
+        <p:spPr>
+          <a:xfrm>
+            <a:off x="885542" y="5306365"/>
+            <a:ext cx="7603363" cy="1384995"/>
+          </a:xfrm>
+          <a:prstGeom prst="rect">
+            <a:avLst/>
+          </a:prstGeom>
+          <a:noFill/>
+        </p:spPr>
+        <p:txBody>
+          <a:bodyPr wrap="none" rtlCol="0">
+            <a:spAutoFit/>
+          </a:bodyPr>
+          <a:lstStyle/>
+          <a:p>
+            <a:r>
+              <a:rPr lang="en-US" altLang="zh-CN" sz="1800" dirty="0"/>
+              <a:t>1. Commissioning phase</a:t>
+            </a:r>
+          </a:p>
+          <a:p>
+            <a:r>
+              <a:rPr lang="en-US" altLang="zh-CN" sz="1800" dirty="0"/>
+              <a:t>2. Move Sentinel-3B to its expected nominal orbital position 140 degree in front</a:t>
+            </a:r>
+          </a:p>
+          <a:p>
+            <a:r>
+              <a:rPr lang="en-US" altLang="zh-CN" sz="1800" dirty="0"/>
+              <a:t>    of Sentinel-3A</a:t>
+            </a:r>
+          </a:p>
+          <a:p>
+            <a:r>
+              <a:rPr lang="en-US" altLang="zh-CN" sz="1800" dirty="0"/>
+              <a:t>3. Releasing data</a:t>
+            </a:r>
+          </a:p>
+          <a:p>
+            <a:r>
+              <a:rPr lang="en-US" altLang="zh-CN" sz="1200" dirty="0"/>
+              <a:t>Source: </a:t>
+            </a:r>
+            <a:r>
+              <a:rPr lang="en-US" altLang="zh-CN" sz="1200" dirty="0">
+                <a:hlinkClick r:id="rId3"/>
+              </a:rPr>
+              <a:t>https://sentinel.esa.int/documents/247904/3358207/Sentinel-3-Mission-Status-Report-20-November-2018</a:t>
+            </a:r>
+            <a:endParaRPr lang="zh-CN" altLang="en-US" sz="1200" dirty="0"/>
+          </a:p>
+        </p:txBody>
+      </p:sp>
     </p:spTree>
     <p:extLst>
       <p:ext uri="{BB962C8B-B14F-4D97-AF65-F5344CB8AC3E}">
-        <p14:creationId xmlns:p14="http://schemas.microsoft.com/office/powerpoint/2010/main" val="3153467899"/>
+        <p14:creationId xmlns:p14="http://schemas.microsoft.com/office/powerpoint/2010/main" val="771101650"/>
       </p:ext>
     </p:extLst>
   </p:cSld>
@@ -5368,7 +6431,7 @@
           <p:cNvPr id="2" name="Titel 1">
             <a:extLst>
               <a:ext uri="{FF2B5EF4-FFF2-40B4-BE49-F238E27FC236}">
-                <a16:creationId xmlns:a16="http://schemas.microsoft.com/office/drawing/2014/main" id="{D4BC085E-BEE5-8D7C-1D53-1CF21506C362}"/>
+                <a16:creationId xmlns:a16="http://schemas.microsoft.com/office/drawing/2014/main" id="{778D0E75-AB74-790E-DED2-303872C58716}"/>
               </a:ext>
             </a:extLst>
           </p:cNvPr>
@@ -5386,51 +6449,17 @@
           <a:p>
             <a:r>
               <a:rPr lang="de-DE" dirty="0"/>
-              <a:t>SWARM-B</a:t>
-            </a:r>
-          </a:p>
-        </p:txBody>
-      </p:sp>
-      <p:pic>
-        <p:nvPicPr>
-          <p:cNvPr id="6" name="Inhaltsplatzhalter 5">
-            <a:extLst>
-              <a:ext uri="{FF2B5EF4-FFF2-40B4-BE49-F238E27FC236}">
-                <a16:creationId xmlns:a16="http://schemas.microsoft.com/office/drawing/2014/main" id="{A5B0797D-32DD-FC92-018A-84B2D796E9C4}"/>
-              </a:ext>
-            </a:extLst>
-          </p:cNvPr>
-          <p:cNvPicPr>
-            <a:picLocks noGrp="1" noChangeAspect="1"/>
-          </p:cNvPicPr>
-          <p:nvPr>
-            <p:ph idx="1"/>
-          </p:nvPr>
-        </p:nvPicPr>
-        <p:blipFill rotWithShape="1">
-          <a:blip r:embed="rId2">
-            <a:extLst>
-              <a:ext uri="{28A0092B-C50C-407E-A947-70E740481C1C}">
-                <a14:useLocalDpi xmlns:a14="http://schemas.microsoft.com/office/drawing/2010/main" val="0"/>
-              </a:ext>
-            </a:extLst>
-          </a:blip>
-          <a:srcRect l="6858" r="8475"/>
-          <a:stretch/>
-        </p:blipFill>
-        <p:spPr>
-          <a:xfrm>
-            <a:off x="539552" y="1196752"/>
-            <a:ext cx="8480492" cy="4752528"/>
-          </a:xfrm>
-        </p:spPr>
-      </p:pic>
+              <a:t>Sentinel-3B</a:t>
+            </a:r>
+          </a:p>
+        </p:txBody>
+      </p:sp>
       <p:sp>
         <p:nvSpPr>
           <p:cNvPr id="4" name="Foliennummernplatzhalter 3">
             <a:extLst>
               <a:ext uri="{FF2B5EF4-FFF2-40B4-BE49-F238E27FC236}">
-                <a16:creationId xmlns:a16="http://schemas.microsoft.com/office/drawing/2014/main" id="{A30E9353-ADCC-9F84-B76D-23DB09C1336F}"/>
+                <a16:creationId xmlns:a16="http://schemas.microsoft.com/office/drawing/2014/main" id="{6B0E33E2-95A5-03C7-D026-C9991FB9F558}"/>
               </a:ext>
             </a:extLst>
           </p:cNvPr>
@@ -5460,10 +6489,45 @@
           </a:p>
         </p:txBody>
       </p:sp>
+      <p:pic>
+        <p:nvPicPr>
+          <p:cNvPr id="10" name="内容占位符 9">
+            <a:extLst>
+              <a:ext uri="{FF2B5EF4-FFF2-40B4-BE49-F238E27FC236}">
+                <a16:creationId xmlns:a16="http://schemas.microsoft.com/office/drawing/2014/main" id="{250BA0DA-2805-4D2B-AF49-58757653DD4C}"/>
+              </a:ext>
+            </a:extLst>
+          </p:cNvPr>
+          <p:cNvPicPr>
+            <a:picLocks noGrp="1" noChangeAspect="1"/>
+          </p:cNvPicPr>
+          <p:nvPr>
+            <p:ph idx="1"/>
+          </p:nvPr>
+        </p:nvPicPr>
+        <p:blipFill>
+          <a:blip r:embed="rId2">
+            <a:extLst>
+              <a:ext uri="{28A0092B-C50C-407E-A947-70E740481C1C}">
+                <a14:useLocalDpi xmlns:a14="http://schemas.microsoft.com/office/drawing/2010/main" val="0"/>
+              </a:ext>
+            </a:extLst>
+          </a:blip>
+          <a:stretch>
+            <a:fillRect/>
+          </a:stretch>
+        </p:blipFill>
+        <p:spPr>
+          <a:xfrm>
+            <a:off x="685800" y="1564247"/>
+            <a:ext cx="7772400" cy="3958106"/>
+          </a:xfrm>
+        </p:spPr>
+      </p:pic>
     </p:spTree>
     <p:extLst>
       <p:ext uri="{BB962C8B-B14F-4D97-AF65-F5344CB8AC3E}">
-        <p14:creationId xmlns:p14="http://schemas.microsoft.com/office/powerpoint/2010/main" val="2180464758"/>
+        <p14:creationId xmlns:p14="http://schemas.microsoft.com/office/powerpoint/2010/main" val="397777219"/>
       </p:ext>
     </p:extLst>
   </p:cSld>
@@ -5492,10 +6556,10 @@
       </p:grpSpPr>
       <p:sp>
         <p:nvSpPr>
-          <p:cNvPr id="2" name="Titel 1">
-            <a:extLst>
-              <a:ext uri="{FF2B5EF4-FFF2-40B4-BE49-F238E27FC236}">
-                <a16:creationId xmlns:a16="http://schemas.microsoft.com/office/drawing/2014/main" id="{376BA754-BB2F-E06B-37FC-260F079ACD7E}"/>
+          <p:cNvPr id="2" name="标题 1">
+            <a:extLst>
+              <a:ext uri="{FF2B5EF4-FFF2-40B4-BE49-F238E27FC236}">
+                <a16:creationId xmlns:a16="http://schemas.microsoft.com/office/drawing/2014/main" id="{1BD000A3-7086-5618-B3F5-0A3A9A4DADEC}"/>
               </a:ext>
             </a:extLst>
           </p:cNvPr>
@@ -5512,52 +6576,23 @@
           <a:lstStyle/>
           <a:p>
             <a:r>
-              <a:rPr lang="de-DE" dirty="0"/>
-              <a:t>SWARM-B</a:t>
-            </a:r>
-          </a:p>
-        </p:txBody>
-      </p:sp>
-      <p:pic>
-        <p:nvPicPr>
-          <p:cNvPr id="6" name="Inhaltsplatzhalter 5">
-            <a:extLst>
-              <a:ext uri="{FF2B5EF4-FFF2-40B4-BE49-F238E27FC236}">
-                <a16:creationId xmlns:a16="http://schemas.microsoft.com/office/drawing/2014/main" id="{E0AFB8F3-EDBC-F4C3-BE84-3859F090F6F6}"/>
-              </a:ext>
-            </a:extLst>
-          </p:cNvPr>
-          <p:cNvPicPr>
-            <a:picLocks noGrp="1" noChangeAspect="1"/>
-          </p:cNvPicPr>
-          <p:nvPr>
-            <p:ph idx="1"/>
-          </p:nvPr>
-        </p:nvPicPr>
-        <p:blipFill rotWithShape="1">
-          <a:blip r:embed="rId2">
-            <a:extLst>
-              <a:ext uri="{28A0092B-C50C-407E-A947-70E740481C1C}">
-                <a14:useLocalDpi xmlns:a14="http://schemas.microsoft.com/office/drawing/2010/main" val="0"/>
-              </a:ext>
-            </a:extLst>
-          </a:blip>
-          <a:srcRect l="7416" r="7331"/>
-          <a:stretch/>
-        </p:blipFill>
-        <p:spPr>
-          <a:xfrm>
-            <a:off x="539552" y="1052736"/>
-            <a:ext cx="8538750" cy="4752528"/>
-          </a:xfrm>
-        </p:spPr>
-      </p:pic>
-      <p:sp>
-        <p:nvSpPr>
-          <p:cNvPr id="4" name="Foliennummernplatzhalter 3">
-            <a:extLst>
-              <a:ext uri="{FF2B5EF4-FFF2-40B4-BE49-F238E27FC236}">
-                <a16:creationId xmlns:a16="http://schemas.microsoft.com/office/drawing/2014/main" id="{214B2CC2-6FB2-DCE7-39C7-6C49D6DBEA17}"/>
+              <a:rPr lang="en-US" altLang="zh-CN" dirty="0"/>
+              <a:t>Sentinel-3 </a:t>
+            </a:r>
+            <a:r>
+              <a:rPr lang="en-US" altLang="zh-CN" dirty="0" err="1"/>
+              <a:t>Vergleich</a:t>
+            </a:r>
+            <a:endParaRPr lang="zh-CN" altLang="en-US" dirty="0"/>
+          </a:p>
+        </p:txBody>
+      </p:sp>
+      <p:sp>
+        <p:nvSpPr>
+          <p:cNvPr id="4" name="灯片编号占位符 3">
+            <a:extLst>
+              <a:ext uri="{FF2B5EF4-FFF2-40B4-BE49-F238E27FC236}">
+                <a16:creationId xmlns:a16="http://schemas.microsoft.com/office/drawing/2014/main" id="{ACFEDDFA-0C81-8970-67EF-63B3D880AE0D}"/>
               </a:ext>
             </a:extLst>
           </p:cNvPr>
@@ -5587,10 +6622,81 @@
           </a:p>
         </p:txBody>
       </p:sp>
+      <p:pic>
+        <p:nvPicPr>
+          <p:cNvPr id="12" name="内容占位符 11">
+            <a:extLst>
+              <a:ext uri="{FF2B5EF4-FFF2-40B4-BE49-F238E27FC236}">
+                <a16:creationId xmlns:a16="http://schemas.microsoft.com/office/drawing/2014/main" id="{704F3BC9-331C-66C1-124D-29C57E087D5B}"/>
+              </a:ext>
+            </a:extLst>
+          </p:cNvPr>
+          <p:cNvPicPr>
+            <a:picLocks noGrp="1" noChangeAspect="1"/>
+          </p:cNvPicPr>
+          <p:nvPr>
+            <p:ph idx="1"/>
+          </p:nvPr>
+        </p:nvPicPr>
+        <p:blipFill>
+          <a:blip r:embed="rId2">
+            <a:extLst>
+              <a:ext uri="{28A0092B-C50C-407E-A947-70E740481C1C}">
+                <a14:useLocalDpi xmlns:a14="http://schemas.microsoft.com/office/drawing/2010/main" val="0"/>
+              </a:ext>
+            </a:extLst>
+          </a:blip>
+          <a:stretch>
+            <a:fillRect/>
+          </a:stretch>
+        </p:blipFill>
+        <p:spPr>
+          <a:xfrm>
+            <a:off x="685800" y="1564247"/>
+            <a:ext cx="7772400" cy="3958106"/>
+          </a:xfrm>
+        </p:spPr>
+      </p:pic>
+      <p:sp>
+        <p:nvSpPr>
+          <p:cNvPr id="13" name="文本框 12">
+            <a:extLst>
+              <a:ext uri="{FF2B5EF4-FFF2-40B4-BE49-F238E27FC236}">
+                <a16:creationId xmlns:a16="http://schemas.microsoft.com/office/drawing/2014/main" id="{27B21752-8558-A219-6EFA-DD9542AF6305}"/>
+              </a:ext>
+            </a:extLst>
+          </p:cNvPr>
+          <p:cNvSpPr txBox="1"/>
+          <p:nvPr/>
+        </p:nvSpPr>
+        <p:spPr>
+          <a:xfrm>
+            <a:off x="1187624" y="5722877"/>
+            <a:ext cx="6077305" cy="400110"/>
+          </a:xfrm>
+          <a:prstGeom prst="rect">
+            <a:avLst/>
+          </a:prstGeom>
+          <a:noFill/>
+        </p:spPr>
+        <p:txBody>
+          <a:bodyPr wrap="none" rtlCol="0">
+            <a:spAutoFit/>
+          </a:bodyPr>
+          <a:lstStyle/>
+          <a:p>
+            <a:r>
+              <a:rPr lang="en-US" altLang="zh-CN" sz="2000" dirty="0"/>
+              <a:t>*The commissioning phase of both satellites are removed</a:t>
+            </a:r>
+            <a:endParaRPr lang="zh-CN" altLang="en-US" sz="2000" dirty="0"/>
+          </a:p>
+        </p:txBody>
+      </p:sp>
     </p:spTree>
     <p:extLst>
       <p:ext uri="{BB962C8B-B14F-4D97-AF65-F5344CB8AC3E}">
-        <p14:creationId xmlns:p14="http://schemas.microsoft.com/office/powerpoint/2010/main" val="1946814930"/>
+        <p14:creationId xmlns:p14="http://schemas.microsoft.com/office/powerpoint/2010/main" val="4073100235"/>
       </p:ext>
     </p:extLst>
   </p:cSld>
@@ -5622,7 +6728,7 @@
           <p:cNvPr id="2" name="Titel 1">
             <a:extLst>
               <a:ext uri="{FF2B5EF4-FFF2-40B4-BE49-F238E27FC236}">
-                <a16:creationId xmlns:a16="http://schemas.microsoft.com/office/drawing/2014/main" id="{C933B435-8D0A-821B-C3A0-34DAFC511CEC}"/>
+                <a16:creationId xmlns:a16="http://schemas.microsoft.com/office/drawing/2014/main" id="{7846096C-E771-8A03-C820-7772D957124F}"/>
               </a:ext>
             </a:extLst>
           </p:cNvPr>
@@ -5640,51 +6746,17 @@
           <a:p>
             <a:r>
               <a:rPr lang="de-DE" dirty="0"/>
-              <a:t>SWARM-C</a:t>
-            </a:r>
-          </a:p>
-        </p:txBody>
-      </p:sp>
-      <p:pic>
-        <p:nvPicPr>
-          <p:cNvPr id="6" name="Inhaltsplatzhalter 5">
-            <a:extLst>
-              <a:ext uri="{FF2B5EF4-FFF2-40B4-BE49-F238E27FC236}">
-                <a16:creationId xmlns:a16="http://schemas.microsoft.com/office/drawing/2014/main" id="{5B71D951-3393-940B-6778-FD80F6EBCADD}"/>
-              </a:ext>
-            </a:extLst>
-          </p:cNvPr>
-          <p:cNvPicPr>
-            <a:picLocks noGrp="1" noChangeAspect="1"/>
-          </p:cNvPicPr>
-          <p:nvPr>
-            <p:ph idx="1"/>
-          </p:nvPr>
-        </p:nvPicPr>
-        <p:blipFill rotWithShape="1">
-          <a:blip r:embed="rId2">
-            <a:extLst>
-              <a:ext uri="{28A0092B-C50C-407E-A947-70E740481C1C}">
-                <a14:useLocalDpi xmlns:a14="http://schemas.microsoft.com/office/drawing/2010/main" val="0"/>
-              </a:ext>
-            </a:extLst>
-          </a:blip>
-          <a:srcRect l="7364" r="8086"/>
-          <a:stretch/>
-        </p:blipFill>
-        <p:spPr>
-          <a:xfrm>
-            <a:off x="467543" y="1105692"/>
-            <a:ext cx="8630995" cy="4843588"/>
-          </a:xfrm>
-        </p:spPr>
-      </p:pic>
+              <a:t>SWARM-A</a:t>
+            </a:r>
+          </a:p>
+        </p:txBody>
+      </p:sp>
       <p:sp>
         <p:nvSpPr>
           <p:cNvPr id="4" name="Foliennummernplatzhalter 3">
             <a:extLst>
               <a:ext uri="{FF2B5EF4-FFF2-40B4-BE49-F238E27FC236}">
-                <a16:creationId xmlns:a16="http://schemas.microsoft.com/office/drawing/2014/main" id="{BCCD6CD7-F664-3CA7-92AB-DBACD32F5168}"/>
+                <a16:creationId xmlns:a16="http://schemas.microsoft.com/office/drawing/2014/main" id="{3BF73134-EEC7-3D1B-0CE0-A70E1EBBFBA5}"/>
               </a:ext>
             </a:extLst>
           </p:cNvPr>
@@ -5714,10 +6786,45 @@
           </a:p>
         </p:txBody>
       </p:sp>
+      <p:pic>
+        <p:nvPicPr>
+          <p:cNvPr id="10" name="内容占位符 9">
+            <a:extLst>
+              <a:ext uri="{FF2B5EF4-FFF2-40B4-BE49-F238E27FC236}">
+                <a16:creationId xmlns:a16="http://schemas.microsoft.com/office/drawing/2014/main" id="{BFC187BE-1477-7C92-6FDF-928BB5648590}"/>
+              </a:ext>
+            </a:extLst>
+          </p:cNvPr>
+          <p:cNvPicPr>
+            <a:picLocks noGrp="1" noChangeAspect="1"/>
+          </p:cNvPicPr>
+          <p:nvPr>
+            <p:ph idx="1"/>
+          </p:nvPr>
+        </p:nvPicPr>
+        <p:blipFill>
+          <a:blip r:embed="rId2">
+            <a:extLst>
+              <a:ext uri="{28A0092B-C50C-407E-A947-70E740481C1C}">
+                <a14:useLocalDpi xmlns:a14="http://schemas.microsoft.com/office/drawing/2010/main" val="0"/>
+              </a:ext>
+            </a:extLst>
+          </a:blip>
+          <a:stretch>
+            <a:fillRect/>
+          </a:stretch>
+        </p:blipFill>
+        <p:spPr>
+          <a:xfrm>
+            <a:off x="685800" y="1564247"/>
+            <a:ext cx="7772400" cy="3958106"/>
+          </a:xfrm>
+        </p:spPr>
+      </p:pic>
     </p:spTree>
     <p:extLst>
       <p:ext uri="{BB962C8B-B14F-4D97-AF65-F5344CB8AC3E}">
-        <p14:creationId xmlns:p14="http://schemas.microsoft.com/office/powerpoint/2010/main" val="2997382355"/>
+        <p14:creationId xmlns:p14="http://schemas.microsoft.com/office/powerpoint/2010/main" val="3074370798"/>
       </p:ext>
     </p:extLst>
   </p:cSld>
@@ -5749,7 +6856,7 @@
           <p:cNvPr id="2" name="Titel 1">
             <a:extLst>
               <a:ext uri="{FF2B5EF4-FFF2-40B4-BE49-F238E27FC236}">
-                <a16:creationId xmlns:a16="http://schemas.microsoft.com/office/drawing/2014/main" id="{85D9BDFF-2028-A888-81D9-CD778B264873}"/>
+                <a16:creationId xmlns:a16="http://schemas.microsoft.com/office/drawing/2014/main" id="{F4E9F332-C5BD-827A-F8AB-B37AEE9EACE3}"/>
               </a:ext>
             </a:extLst>
           </p:cNvPr>
@@ -5767,51 +6874,17 @@
           <a:p>
             <a:r>
               <a:rPr lang="de-DE" dirty="0"/>
-              <a:t>SWARM-C</a:t>
-            </a:r>
-          </a:p>
-        </p:txBody>
-      </p:sp>
-      <p:pic>
-        <p:nvPicPr>
-          <p:cNvPr id="6" name="Inhaltsplatzhalter 5">
-            <a:extLst>
-              <a:ext uri="{FF2B5EF4-FFF2-40B4-BE49-F238E27FC236}">
-                <a16:creationId xmlns:a16="http://schemas.microsoft.com/office/drawing/2014/main" id="{B9E4A37B-0551-F2B2-90C9-A960539106B2}"/>
-              </a:ext>
-            </a:extLst>
-          </p:cNvPr>
-          <p:cNvPicPr>
-            <a:picLocks noGrp="1" noChangeAspect="1"/>
-          </p:cNvPicPr>
-          <p:nvPr>
-            <p:ph idx="1"/>
-          </p:nvPr>
-        </p:nvPicPr>
-        <p:blipFill rotWithShape="1">
-          <a:blip r:embed="rId2">
-            <a:extLst>
-              <a:ext uri="{28A0092B-C50C-407E-A947-70E740481C1C}">
-                <a14:useLocalDpi xmlns:a14="http://schemas.microsoft.com/office/drawing/2010/main" val="0"/>
-              </a:ext>
-            </a:extLst>
-          </a:blip>
-          <a:srcRect l="6608" r="7353"/>
-          <a:stretch/>
-        </p:blipFill>
-        <p:spPr>
-          <a:xfrm>
-            <a:off x="467543" y="1196752"/>
-            <a:ext cx="8617779" cy="4752528"/>
-          </a:xfrm>
-        </p:spPr>
-      </p:pic>
+              <a:t>SWARM-A</a:t>
+            </a:r>
+          </a:p>
+        </p:txBody>
+      </p:sp>
       <p:sp>
         <p:nvSpPr>
           <p:cNvPr id="4" name="Foliennummernplatzhalter 3">
             <a:extLst>
               <a:ext uri="{FF2B5EF4-FFF2-40B4-BE49-F238E27FC236}">
-                <a16:creationId xmlns:a16="http://schemas.microsoft.com/office/drawing/2014/main" id="{A212BBA1-CFCB-504E-0B7C-B72C32D4827A}"/>
+                <a16:creationId xmlns:a16="http://schemas.microsoft.com/office/drawing/2014/main" id="{3FEECEFD-EC67-65BB-1C95-63D1BBC36C43}"/>
               </a:ext>
             </a:extLst>
           </p:cNvPr>
@@ -5841,10 +6914,45 @@
           </a:p>
         </p:txBody>
       </p:sp>
+      <p:pic>
+        <p:nvPicPr>
+          <p:cNvPr id="10" name="内容占位符 9">
+            <a:extLst>
+              <a:ext uri="{FF2B5EF4-FFF2-40B4-BE49-F238E27FC236}">
+                <a16:creationId xmlns:a16="http://schemas.microsoft.com/office/drawing/2014/main" id="{D77F68D8-D2BB-130F-D5E6-C067731112CE}"/>
+              </a:ext>
+            </a:extLst>
+          </p:cNvPr>
+          <p:cNvPicPr>
+            <a:picLocks noGrp="1" noChangeAspect="1"/>
+          </p:cNvPicPr>
+          <p:nvPr>
+            <p:ph idx="1"/>
+          </p:nvPr>
+        </p:nvPicPr>
+        <p:blipFill>
+          <a:blip r:embed="rId2">
+            <a:extLst>
+              <a:ext uri="{28A0092B-C50C-407E-A947-70E740481C1C}">
+                <a14:useLocalDpi xmlns:a14="http://schemas.microsoft.com/office/drawing/2010/main" val="0"/>
+              </a:ext>
+            </a:extLst>
+          </a:blip>
+          <a:stretch>
+            <a:fillRect/>
+          </a:stretch>
+        </p:blipFill>
+        <p:spPr>
+          <a:xfrm>
+            <a:off x="685800" y="1564247"/>
+            <a:ext cx="7772400" cy="3958106"/>
+          </a:xfrm>
+        </p:spPr>
+      </p:pic>
     </p:spTree>
     <p:extLst>
       <p:ext uri="{BB962C8B-B14F-4D97-AF65-F5344CB8AC3E}">
-        <p14:creationId xmlns:p14="http://schemas.microsoft.com/office/powerpoint/2010/main" val="1226457351"/>
+        <p14:creationId xmlns:p14="http://schemas.microsoft.com/office/powerpoint/2010/main" val="3153467899"/>
       </p:ext>
     </p:extLst>
   </p:cSld>
@@ -5876,7 +6984,7 @@
           <p:cNvPr id="2" name="Titel 1">
             <a:extLst>
               <a:ext uri="{FF2B5EF4-FFF2-40B4-BE49-F238E27FC236}">
-                <a16:creationId xmlns:a16="http://schemas.microsoft.com/office/drawing/2014/main" id="{790ECF3C-106D-8B7B-4B92-10B4706D70C6}"/>
+                <a16:creationId xmlns:a16="http://schemas.microsoft.com/office/drawing/2014/main" id="{D4BC085E-BEE5-8D7C-1D53-1CF21506C362}"/>
               </a:ext>
             </a:extLst>
           </p:cNvPr>
@@ -5894,51 +7002,17 @@
           <a:p>
             <a:r>
               <a:rPr lang="de-DE" dirty="0"/>
-              <a:t>CHAMP</a:t>
-            </a:r>
-          </a:p>
-        </p:txBody>
-      </p:sp>
-      <p:pic>
-        <p:nvPicPr>
-          <p:cNvPr id="6" name="Inhaltsplatzhalter 5">
-            <a:extLst>
-              <a:ext uri="{FF2B5EF4-FFF2-40B4-BE49-F238E27FC236}">
-                <a16:creationId xmlns:a16="http://schemas.microsoft.com/office/drawing/2014/main" id="{2AB0166D-F6D9-120B-2DA9-F05B11DBCF7C}"/>
-              </a:ext>
-            </a:extLst>
-          </p:cNvPr>
-          <p:cNvPicPr>
-            <a:picLocks noGrp="1" noChangeAspect="1"/>
-          </p:cNvPicPr>
-          <p:nvPr>
-            <p:ph idx="1"/>
-          </p:nvPr>
-        </p:nvPicPr>
-        <p:blipFill rotWithShape="1">
-          <a:blip r:embed="rId2">
-            <a:extLst>
-              <a:ext uri="{28A0092B-C50C-407E-A947-70E740481C1C}">
-                <a14:useLocalDpi xmlns:a14="http://schemas.microsoft.com/office/drawing/2010/main" val="0"/>
-              </a:ext>
-            </a:extLst>
-          </a:blip>
-          <a:srcRect l="6849" r="8348"/>
-          <a:stretch/>
-        </p:blipFill>
-        <p:spPr>
-          <a:xfrm>
-            <a:off x="467544" y="1196752"/>
-            <a:ext cx="8622876" cy="4824536"/>
-          </a:xfrm>
-        </p:spPr>
-      </p:pic>
+              <a:t>SWARM-B</a:t>
+            </a:r>
+          </a:p>
+        </p:txBody>
+      </p:sp>
       <p:sp>
         <p:nvSpPr>
           <p:cNvPr id="4" name="Foliennummernplatzhalter 3">
             <a:extLst>
               <a:ext uri="{FF2B5EF4-FFF2-40B4-BE49-F238E27FC236}">
-                <a16:creationId xmlns:a16="http://schemas.microsoft.com/office/drawing/2014/main" id="{4AF6BEE8-C90D-8961-CE5C-F4AC8AE66F6D}"/>
+                <a16:creationId xmlns:a16="http://schemas.microsoft.com/office/drawing/2014/main" id="{A30E9353-ADCC-9F84-B76D-23DB09C1336F}"/>
               </a:ext>
             </a:extLst>
           </p:cNvPr>
@@ -5968,10 +7042,45 @@
           </a:p>
         </p:txBody>
       </p:sp>
+      <p:pic>
+        <p:nvPicPr>
+          <p:cNvPr id="10" name="内容占位符 9">
+            <a:extLst>
+              <a:ext uri="{FF2B5EF4-FFF2-40B4-BE49-F238E27FC236}">
+                <a16:creationId xmlns:a16="http://schemas.microsoft.com/office/drawing/2014/main" id="{0E7D6C4D-BD41-2457-B378-6CE5307EDEDF}"/>
+              </a:ext>
+            </a:extLst>
+          </p:cNvPr>
+          <p:cNvPicPr>
+            <a:picLocks noGrp="1" noChangeAspect="1"/>
+          </p:cNvPicPr>
+          <p:nvPr>
+            <p:ph idx="1"/>
+          </p:nvPr>
+        </p:nvPicPr>
+        <p:blipFill>
+          <a:blip r:embed="rId2">
+            <a:extLst>
+              <a:ext uri="{28A0092B-C50C-407E-A947-70E740481C1C}">
+                <a14:useLocalDpi xmlns:a14="http://schemas.microsoft.com/office/drawing/2010/main" val="0"/>
+              </a:ext>
+            </a:extLst>
+          </a:blip>
+          <a:stretch>
+            <a:fillRect/>
+          </a:stretch>
+        </p:blipFill>
+        <p:spPr>
+          <a:xfrm>
+            <a:off x="685800" y="1564247"/>
+            <a:ext cx="7772400" cy="3958106"/>
+          </a:xfrm>
+        </p:spPr>
+      </p:pic>
     </p:spTree>
     <p:extLst>
       <p:ext uri="{BB962C8B-B14F-4D97-AF65-F5344CB8AC3E}">
-        <p14:creationId xmlns:p14="http://schemas.microsoft.com/office/powerpoint/2010/main" val="2225581001"/>
+        <p14:creationId xmlns:p14="http://schemas.microsoft.com/office/powerpoint/2010/main" val="2180464758"/>
       </p:ext>
     </p:extLst>
   </p:cSld>
@@ -6003,7 +7112,7 @@
           <p:cNvPr id="2" name="Titel 1">
             <a:extLst>
               <a:ext uri="{FF2B5EF4-FFF2-40B4-BE49-F238E27FC236}">
-                <a16:creationId xmlns:a16="http://schemas.microsoft.com/office/drawing/2014/main" id="{28E73965-B3F5-E9F3-B767-6C1D71D43A2A}"/>
+                <a16:creationId xmlns:a16="http://schemas.microsoft.com/office/drawing/2014/main" id="{376BA754-BB2F-E06B-37FC-260F079ACD7E}"/>
               </a:ext>
             </a:extLst>
           </p:cNvPr>
@@ -6021,51 +7130,17 @@
           <a:p>
             <a:r>
               <a:rPr lang="de-DE" dirty="0"/>
-              <a:t>CHAMP</a:t>
-            </a:r>
-          </a:p>
-        </p:txBody>
-      </p:sp>
-      <p:pic>
-        <p:nvPicPr>
-          <p:cNvPr id="6" name="Inhaltsplatzhalter 5">
-            <a:extLst>
-              <a:ext uri="{FF2B5EF4-FFF2-40B4-BE49-F238E27FC236}">
-                <a16:creationId xmlns:a16="http://schemas.microsoft.com/office/drawing/2014/main" id="{0D93D7EC-70E6-C79A-704B-BAAE0DA76A85}"/>
-              </a:ext>
-            </a:extLst>
-          </p:cNvPr>
-          <p:cNvPicPr>
-            <a:picLocks noGrp="1" noChangeAspect="1"/>
-          </p:cNvPicPr>
-          <p:nvPr>
-            <p:ph idx="1"/>
-          </p:nvPr>
-        </p:nvPicPr>
-        <p:blipFill rotWithShape="1">
-          <a:blip r:embed="rId2">
-            <a:extLst>
-              <a:ext uri="{28A0092B-C50C-407E-A947-70E740481C1C}">
-                <a14:useLocalDpi xmlns:a14="http://schemas.microsoft.com/office/drawing/2010/main" val="0"/>
-              </a:ext>
-            </a:extLst>
-          </a:blip>
-          <a:srcRect l="8422" r="8190"/>
-          <a:stretch/>
-        </p:blipFill>
-        <p:spPr>
-          <a:xfrm>
-            <a:off x="467543" y="1052736"/>
-            <a:ext cx="8496945" cy="4835006"/>
-          </a:xfrm>
-        </p:spPr>
-      </p:pic>
+              <a:t>SWARM-B</a:t>
+            </a:r>
+          </a:p>
+        </p:txBody>
+      </p:sp>
       <p:sp>
         <p:nvSpPr>
           <p:cNvPr id="4" name="Foliennummernplatzhalter 3">
             <a:extLst>
               <a:ext uri="{FF2B5EF4-FFF2-40B4-BE49-F238E27FC236}">
-                <a16:creationId xmlns:a16="http://schemas.microsoft.com/office/drawing/2014/main" id="{A7D3FC25-9BBB-D10D-DB13-EDA6025CA98F}"/>
+                <a16:creationId xmlns:a16="http://schemas.microsoft.com/office/drawing/2014/main" id="{214B2CC2-6FB2-DCE7-39C7-6C49D6DBEA17}"/>
               </a:ext>
             </a:extLst>
           </p:cNvPr>
@@ -6095,10 +7170,45 @@
           </a:p>
         </p:txBody>
       </p:sp>
+      <p:pic>
+        <p:nvPicPr>
+          <p:cNvPr id="10" name="内容占位符 9">
+            <a:extLst>
+              <a:ext uri="{FF2B5EF4-FFF2-40B4-BE49-F238E27FC236}">
+                <a16:creationId xmlns:a16="http://schemas.microsoft.com/office/drawing/2014/main" id="{4617C52E-A695-7082-F459-2AF0CE9E54FC}"/>
+              </a:ext>
+            </a:extLst>
+          </p:cNvPr>
+          <p:cNvPicPr>
+            <a:picLocks noGrp="1" noChangeAspect="1"/>
+          </p:cNvPicPr>
+          <p:nvPr>
+            <p:ph idx="1"/>
+          </p:nvPr>
+        </p:nvPicPr>
+        <p:blipFill>
+          <a:blip r:embed="rId2">
+            <a:extLst>
+              <a:ext uri="{28A0092B-C50C-407E-A947-70E740481C1C}">
+                <a14:useLocalDpi xmlns:a14="http://schemas.microsoft.com/office/drawing/2010/main" val="0"/>
+              </a:ext>
+            </a:extLst>
+          </a:blip>
+          <a:stretch>
+            <a:fillRect/>
+          </a:stretch>
+        </p:blipFill>
+        <p:spPr>
+          <a:xfrm>
+            <a:off x="685800" y="1564247"/>
+            <a:ext cx="7772400" cy="3958106"/>
+          </a:xfrm>
+        </p:spPr>
+      </p:pic>
     </p:spTree>
     <p:extLst>
       <p:ext uri="{BB962C8B-B14F-4D97-AF65-F5344CB8AC3E}">
-        <p14:creationId xmlns:p14="http://schemas.microsoft.com/office/powerpoint/2010/main" val="1589648065"/>
+        <p14:creationId xmlns:p14="http://schemas.microsoft.com/office/powerpoint/2010/main" val="1946814930"/>
       </p:ext>
     </p:extLst>
   </p:cSld>
@@ -6109,6 +7219,941 @@
 </file>
 
 <file path=ppt/slides/slide18.xml><?xml version="1.0" encoding="utf-8"?>
+<p:sld xmlns:a="http://schemas.openxmlformats.org/drawingml/2006/main" xmlns:r="http://schemas.openxmlformats.org/officeDocument/2006/relationships" xmlns:p="http://schemas.openxmlformats.org/presentationml/2006/main">
+  <p:cSld>
+    <p:spTree>
+      <p:nvGrpSpPr>
+        <p:cNvPr id="1" name=""/>
+        <p:cNvGrpSpPr/>
+        <p:nvPr/>
+      </p:nvGrpSpPr>
+      <p:grpSpPr>
+        <a:xfrm>
+          <a:off x="0" y="0"/>
+          <a:ext cx="0" cy="0"/>
+          <a:chOff x="0" y="0"/>
+          <a:chExt cx="0" cy="0"/>
+        </a:xfrm>
+      </p:grpSpPr>
+      <p:sp>
+        <p:nvSpPr>
+          <p:cNvPr id="2" name="Titel 1">
+            <a:extLst>
+              <a:ext uri="{FF2B5EF4-FFF2-40B4-BE49-F238E27FC236}">
+                <a16:creationId xmlns:a16="http://schemas.microsoft.com/office/drawing/2014/main" id="{C933B435-8D0A-821B-C3A0-34DAFC511CEC}"/>
+              </a:ext>
+            </a:extLst>
+          </p:cNvPr>
+          <p:cNvSpPr>
+            <a:spLocks noGrp="1"/>
+          </p:cNvSpPr>
+          <p:nvPr>
+            <p:ph type="title"/>
+          </p:nvPr>
+        </p:nvSpPr>
+        <p:spPr/>
+        <p:txBody>
+          <a:bodyPr/>
+          <a:lstStyle/>
+          <a:p>
+            <a:r>
+              <a:rPr lang="de-DE" dirty="0"/>
+              <a:t>SWARM-C</a:t>
+            </a:r>
+          </a:p>
+        </p:txBody>
+      </p:sp>
+      <p:sp>
+        <p:nvSpPr>
+          <p:cNvPr id="4" name="Foliennummernplatzhalter 3">
+            <a:extLst>
+              <a:ext uri="{FF2B5EF4-FFF2-40B4-BE49-F238E27FC236}">
+                <a16:creationId xmlns:a16="http://schemas.microsoft.com/office/drawing/2014/main" id="{BCCD6CD7-F664-3CA7-92AB-DBACD32F5168}"/>
+              </a:ext>
+            </a:extLst>
+          </p:cNvPr>
+          <p:cNvSpPr>
+            <a:spLocks noGrp="1"/>
+          </p:cNvSpPr>
+          <p:nvPr>
+            <p:ph type="sldNum" sz="quarter" idx="12"/>
+          </p:nvPr>
+        </p:nvSpPr>
+        <p:spPr/>
+        <p:txBody>
+          <a:bodyPr/>
+          <a:lstStyle/>
+          <a:p>
+            <a:pPr>
+              <a:defRPr/>
+            </a:pPr>
+            <a:fld id="{A26A0649-E50C-4844-BD05-C05B747519B9}" type="slidenum">
+              <a:rPr lang="de-DE" altLang="en-US" smtClean="0"/>
+              <a:pPr>
+                <a:defRPr/>
+              </a:pPr>
+              <a:t>18</a:t>
+            </a:fld>
+            <a:endParaRPr lang="de-DE" altLang="en-US"/>
+          </a:p>
+        </p:txBody>
+      </p:sp>
+      <p:pic>
+        <p:nvPicPr>
+          <p:cNvPr id="10" name="内容占位符 9">
+            <a:extLst>
+              <a:ext uri="{FF2B5EF4-FFF2-40B4-BE49-F238E27FC236}">
+                <a16:creationId xmlns:a16="http://schemas.microsoft.com/office/drawing/2014/main" id="{7FDC660C-A276-E360-8DD3-33A3606A0374}"/>
+              </a:ext>
+            </a:extLst>
+          </p:cNvPr>
+          <p:cNvPicPr>
+            <a:picLocks noGrp="1" noChangeAspect="1"/>
+          </p:cNvPicPr>
+          <p:nvPr>
+            <p:ph idx="1"/>
+          </p:nvPr>
+        </p:nvPicPr>
+        <p:blipFill>
+          <a:blip r:embed="rId2">
+            <a:extLst>
+              <a:ext uri="{28A0092B-C50C-407E-A947-70E740481C1C}">
+                <a14:useLocalDpi xmlns:a14="http://schemas.microsoft.com/office/drawing/2010/main" val="0"/>
+              </a:ext>
+            </a:extLst>
+          </a:blip>
+          <a:stretch>
+            <a:fillRect/>
+          </a:stretch>
+        </p:blipFill>
+        <p:spPr>
+          <a:xfrm>
+            <a:off x="685800" y="1564247"/>
+            <a:ext cx="7772400" cy="3958106"/>
+          </a:xfrm>
+        </p:spPr>
+      </p:pic>
+    </p:spTree>
+    <p:extLst>
+      <p:ext uri="{BB962C8B-B14F-4D97-AF65-F5344CB8AC3E}">
+        <p14:creationId xmlns:p14="http://schemas.microsoft.com/office/powerpoint/2010/main" val="2997382355"/>
+      </p:ext>
+    </p:extLst>
+  </p:cSld>
+  <p:clrMapOvr>
+    <a:masterClrMapping/>
+  </p:clrMapOvr>
+</p:sld>
+</file>
+
+<file path=ppt/slides/slide19.xml><?xml version="1.0" encoding="utf-8"?>
+<p:sld xmlns:a="http://schemas.openxmlformats.org/drawingml/2006/main" xmlns:r="http://schemas.openxmlformats.org/officeDocument/2006/relationships" xmlns:p="http://schemas.openxmlformats.org/presentationml/2006/main">
+  <p:cSld>
+    <p:spTree>
+      <p:nvGrpSpPr>
+        <p:cNvPr id="1" name=""/>
+        <p:cNvGrpSpPr/>
+        <p:nvPr/>
+      </p:nvGrpSpPr>
+      <p:grpSpPr>
+        <a:xfrm>
+          <a:off x="0" y="0"/>
+          <a:ext cx="0" cy="0"/>
+          <a:chOff x="0" y="0"/>
+          <a:chExt cx="0" cy="0"/>
+        </a:xfrm>
+      </p:grpSpPr>
+      <p:sp>
+        <p:nvSpPr>
+          <p:cNvPr id="2" name="Titel 1">
+            <a:extLst>
+              <a:ext uri="{FF2B5EF4-FFF2-40B4-BE49-F238E27FC236}">
+                <a16:creationId xmlns:a16="http://schemas.microsoft.com/office/drawing/2014/main" id="{85D9BDFF-2028-A888-81D9-CD778B264873}"/>
+              </a:ext>
+            </a:extLst>
+          </p:cNvPr>
+          <p:cNvSpPr>
+            <a:spLocks noGrp="1"/>
+          </p:cNvSpPr>
+          <p:nvPr>
+            <p:ph type="title"/>
+          </p:nvPr>
+        </p:nvSpPr>
+        <p:spPr/>
+        <p:txBody>
+          <a:bodyPr/>
+          <a:lstStyle/>
+          <a:p>
+            <a:r>
+              <a:rPr lang="de-DE" dirty="0"/>
+              <a:t>SWARM-C</a:t>
+            </a:r>
+          </a:p>
+        </p:txBody>
+      </p:sp>
+      <p:sp>
+        <p:nvSpPr>
+          <p:cNvPr id="4" name="Foliennummernplatzhalter 3">
+            <a:extLst>
+              <a:ext uri="{FF2B5EF4-FFF2-40B4-BE49-F238E27FC236}">
+                <a16:creationId xmlns:a16="http://schemas.microsoft.com/office/drawing/2014/main" id="{A212BBA1-CFCB-504E-0B7C-B72C32D4827A}"/>
+              </a:ext>
+            </a:extLst>
+          </p:cNvPr>
+          <p:cNvSpPr>
+            <a:spLocks noGrp="1"/>
+          </p:cNvSpPr>
+          <p:nvPr>
+            <p:ph type="sldNum" sz="quarter" idx="12"/>
+          </p:nvPr>
+        </p:nvSpPr>
+        <p:spPr/>
+        <p:txBody>
+          <a:bodyPr/>
+          <a:lstStyle/>
+          <a:p>
+            <a:pPr>
+              <a:defRPr/>
+            </a:pPr>
+            <a:fld id="{A26A0649-E50C-4844-BD05-C05B747519B9}" type="slidenum">
+              <a:rPr lang="de-DE" altLang="en-US" smtClean="0"/>
+              <a:pPr>
+                <a:defRPr/>
+              </a:pPr>
+              <a:t>19</a:t>
+            </a:fld>
+            <a:endParaRPr lang="de-DE" altLang="en-US"/>
+          </a:p>
+        </p:txBody>
+      </p:sp>
+      <p:pic>
+        <p:nvPicPr>
+          <p:cNvPr id="10" name="内容占位符 9">
+            <a:extLst>
+              <a:ext uri="{FF2B5EF4-FFF2-40B4-BE49-F238E27FC236}">
+                <a16:creationId xmlns:a16="http://schemas.microsoft.com/office/drawing/2014/main" id="{C21653A5-D80D-3A00-ECB8-32D48C85D593}"/>
+              </a:ext>
+            </a:extLst>
+          </p:cNvPr>
+          <p:cNvPicPr>
+            <a:picLocks noGrp="1" noChangeAspect="1"/>
+          </p:cNvPicPr>
+          <p:nvPr>
+            <p:ph idx="1"/>
+          </p:nvPr>
+        </p:nvPicPr>
+        <p:blipFill>
+          <a:blip r:embed="rId2">
+            <a:extLst>
+              <a:ext uri="{28A0092B-C50C-407E-A947-70E740481C1C}">
+                <a14:useLocalDpi xmlns:a14="http://schemas.microsoft.com/office/drawing/2010/main" val="0"/>
+              </a:ext>
+            </a:extLst>
+          </a:blip>
+          <a:stretch>
+            <a:fillRect/>
+          </a:stretch>
+        </p:blipFill>
+        <p:spPr>
+          <a:xfrm>
+            <a:off x="685800" y="1564247"/>
+            <a:ext cx="7772400" cy="3958106"/>
+          </a:xfrm>
+        </p:spPr>
+      </p:pic>
+    </p:spTree>
+    <p:extLst>
+      <p:ext uri="{BB962C8B-B14F-4D97-AF65-F5344CB8AC3E}">
+        <p14:creationId xmlns:p14="http://schemas.microsoft.com/office/powerpoint/2010/main" val="1226457351"/>
+      </p:ext>
+    </p:extLst>
+  </p:cSld>
+  <p:clrMapOvr>
+    <a:masterClrMapping/>
+  </p:clrMapOvr>
+</p:sld>
+</file>
+
+<file path=ppt/slides/slide2.xml><?xml version="1.0" encoding="utf-8"?>
+<p:sld xmlns:a="http://schemas.openxmlformats.org/drawingml/2006/main" xmlns:r="http://schemas.openxmlformats.org/officeDocument/2006/relationships" xmlns:p="http://schemas.openxmlformats.org/presentationml/2006/main">
+  <p:cSld>
+    <p:spTree>
+      <p:nvGrpSpPr>
+        <p:cNvPr id="1" name=""/>
+        <p:cNvGrpSpPr/>
+        <p:nvPr/>
+      </p:nvGrpSpPr>
+      <p:grpSpPr>
+        <a:xfrm>
+          <a:off x="0" y="0"/>
+          <a:ext cx="0" cy="0"/>
+          <a:chOff x="0" y="0"/>
+          <a:chExt cx="0" cy="0"/>
+        </a:xfrm>
+      </p:grpSpPr>
+      <p:sp>
+        <p:nvSpPr>
+          <p:cNvPr id="2" name="标题 1">
+            <a:extLst>
+              <a:ext uri="{FF2B5EF4-FFF2-40B4-BE49-F238E27FC236}">
+                <a16:creationId xmlns:a16="http://schemas.microsoft.com/office/drawing/2014/main" id="{D974E570-66E9-08E8-17FD-F7091F2C083D}"/>
+              </a:ext>
+            </a:extLst>
+          </p:cNvPr>
+          <p:cNvSpPr>
+            <a:spLocks noGrp="1"/>
+          </p:cNvSpPr>
+          <p:nvPr>
+            <p:ph type="title"/>
+          </p:nvPr>
+        </p:nvSpPr>
+        <p:spPr/>
+        <p:txBody>
+          <a:bodyPr/>
+          <a:lstStyle/>
+          <a:p>
+            <a:r>
+              <a:rPr lang="en-US" altLang="zh-CN" dirty="0"/>
+              <a:t>Data Source</a:t>
+            </a:r>
+            <a:endParaRPr lang="zh-CN" altLang="en-US" dirty="0"/>
+          </a:p>
+        </p:txBody>
+      </p:sp>
+      <p:sp>
+        <p:nvSpPr>
+          <p:cNvPr id="3" name="内容占位符 2">
+            <a:extLst>
+              <a:ext uri="{FF2B5EF4-FFF2-40B4-BE49-F238E27FC236}">
+                <a16:creationId xmlns:a16="http://schemas.microsoft.com/office/drawing/2014/main" id="{3716E3B6-A8FE-D458-529B-2F41ED6AD166}"/>
+              </a:ext>
+            </a:extLst>
+          </p:cNvPr>
+          <p:cNvSpPr>
+            <a:spLocks noGrp="1"/>
+          </p:cNvSpPr>
+          <p:nvPr>
+            <p:ph idx="1"/>
+          </p:nvPr>
+        </p:nvSpPr>
+        <p:spPr/>
+        <p:txBody>
+          <a:bodyPr/>
+          <a:lstStyle/>
+          <a:p>
+            <a:r>
+              <a:rPr lang="en-US" altLang="zh-CN" b="1" dirty="0">
+                <a:solidFill>
+                  <a:schemeClr val="tx1"/>
+                </a:solidFill>
+                <a:effectLst/>
+                <a:latin typeface="Consolas" panose="020B0609020204030204" pitchFamily="49" charset="0"/>
+              </a:rPr>
+              <a:t>TLE documentation: </a:t>
+            </a:r>
+            <a:r>
+              <a:rPr lang="en-US" altLang="zh-CN" b="1" dirty="0">
+                <a:solidFill>
+                  <a:schemeClr val="tx1"/>
+                </a:solidFill>
+                <a:effectLst/>
+                <a:latin typeface="Consolas" panose="020B0609020204030204" pitchFamily="49" charset="0"/>
+                <a:hlinkClick r:id="rId2"/>
+              </a:rPr>
+              <a:t>https://www.space-track.org/documentation#/tle </a:t>
+            </a:r>
+            <a:endParaRPr lang="en-US" altLang="zh-CN" b="1" dirty="0">
+              <a:solidFill>
+                <a:schemeClr val="tx1"/>
+              </a:solidFill>
+              <a:effectLst/>
+              <a:latin typeface="Consolas" panose="020B0609020204030204" pitchFamily="49" charset="0"/>
+            </a:endParaRPr>
+          </a:p>
+          <a:p>
+            <a:endParaRPr lang="en-US" altLang="zh-CN" b="1" dirty="0">
+              <a:solidFill>
+                <a:schemeClr val="tx1"/>
+              </a:solidFill>
+              <a:latin typeface="Consolas" panose="020B0609020204030204" pitchFamily="49" charset="0"/>
+            </a:endParaRPr>
+          </a:p>
+          <a:p>
+            <a:r>
+              <a:rPr lang="en-US" altLang="zh-CN" b="1" dirty="0">
+                <a:solidFill>
+                  <a:schemeClr val="tx1"/>
+                </a:solidFill>
+                <a:effectLst/>
+                <a:latin typeface="Consolas" panose="020B0609020204030204" pitchFamily="49" charset="0"/>
+              </a:rPr>
+              <a:t>TLE data download from: </a:t>
+            </a:r>
+            <a:r>
+              <a:rPr lang="en-US" altLang="zh-CN" b="1" dirty="0">
+                <a:solidFill>
+                  <a:schemeClr val="tx1"/>
+                </a:solidFill>
+                <a:effectLst/>
+                <a:latin typeface="Consolas" panose="020B0609020204030204" pitchFamily="49" charset="0"/>
+                <a:hlinkClick r:id="rId3"/>
+              </a:rPr>
+              <a:t>https://www.space-track.org/#/gp </a:t>
+            </a:r>
+            <a:endParaRPr lang="en-US" altLang="zh-CN" b="1" dirty="0">
+              <a:solidFill>
+                <a:schemeClr val="tx1"/>
+              </a:solidFill>
+              <a:effectLst/>
+              <a:latin typeface="Consolas" panose="020B0609020204030204" pitchFamily="49" charset="0"/>
+            </a:endParaRPr>
+          </a:p>
+          <a:p>
+            <a:endParaRPr lang="zh-CN" altLang="en-US" dirty="0"/>
+          </a:p>
+        </p:txBody>
+      </p:sp>
+      <p:sp>
+        <p:nvSpPr>
+          <p:cNvPr id="4" name="灯片编号占位符 3">
+            <a:extLst>
+              <a:ext uri="{FF2B5EF4-FFF2-40B4-BE49-F238E27FC236}">
+                <a16:creationId xmlns:a16="http://schemas.microsoft.com/office/drawing/2014/main" id="{4A9C0F10-47DF-71E9-2A1E-117F6E57235B}"/>
+              </a:ext>
+            </a:extLst>
+          </p:cNvPr>
+          <p:cNvSpPr>
+            <a:spLocks noGrp="1"/>
+          </p:cNvSpPr>
+          <p:nvPr>
+            <p:ph type="sldNum" sz="quarter" idx="12"/>
+          </p:nvPr>
+        </p:nvSpPr>
+        <p:spPr/>
+        <p:txBody>
+          <a:bodyPr/>
+          <a:lstStyle/>
+          <a:p>
+            <a:pPr>
+              <a:defRPr/>
+            </a:pPr>
+            <a:fld id="{A26A0649-E50C-4844-BD05-C05B747519B9}" type="slidenum">
+              <a:rPr lang="de-DE" altLang="en-US" smtClean="0"/>
+              <a:pPr>
+                <a:defRPr/>
+              </a:pPr>
+              <a:t>2</a:t>
+            </a:fld>
+            <a:endParaRPr lang="de-DE" altLang="en-US"/>
+          </a:p>
+        </p:txBody>
+      </p:sp>
+    </p:spTree>
+    <p:extLst>
+      <p:ext uri="{BB962C8B-B14F-4D97-AF65-F5344CB8AC3E}">
+        <p14:creationId xmlns:p14="http://schemas.microsoft.com/office/powerpoint/2010/main" val="2777479108"/>
+      </p:ext>
+    </p:extLst>
+  </p:cSld>
+  <p:clrMapOvr>
+    <a:masterClrMapping/>
+  </p:clrMapOvr>
+</p:sld>
+</file>
+
+<file path=ppt/slides/slide20.xml><?xml version="1.0" encoding="utf-8"?>
+<p:sld xmlns:a="http://schemas.openxmlformats.org/drawingml/2006/main" xmlns:r="http://schemas.openxmlformats.org/officeDocument/2006/relationships" xmlns:p="http://schemas.openxmlformats.org/presentationml/2006/main">
+  <p:cSld>
+    <p:spTree>
+      <p:nvGrpSpPr>
+        <p:cNvPr id="1" name=""/>
+        <p:cNvGrpSpPr/>
+        <p:nvPr/>
+      </p:nvGrpSpPr>
+      <p:grpSpPr>
+        <a:xfrm>
+          <a:off x="0" y="0"/>
+          <a:ext cx="0" cy="0"/>
+          <a:chOff x="0" y="0"/>
+          <a:chExt cx="0" cy="0"/>
+        </a:xfrm>
+      </p:grpSpPr>
+      <p:sp>
+        <p:nvSpPr>
+          <p:cNvPr id="2" name="标题 1">
+            <a:extLst>
+              <a:ext uri="{FF2B5EF4-FFF2-40B4-BE49-F238E27FC236}">
+                <a16:creationId xmlns:a16="http://schemas.microsoft.com/office/drawing/2014/main" id="{CD725CEB-8496-7B7C-2B9E-B50AC716951E}"/>
+              </a:ext>
+            </a:extLst>
+          </p:cNvPr>
+          <p:cNvSpPr>
+            <a:spLocks noGrp="1"/>
+          </p:cNvSpPr>
+          <p:nvPr>
+            <p:ph type="title"/>
+          </p:nvPr>
+        </p:nvSpPr>
+        <p:spPr/>
+        <p:txBody>
+          <a:bodyPr/>
+          <a:lstStyle/>
+          <a:p>
+            <a:r>
+              <a:rPr lang="en-US" altLang="zh-CN" dirty="0"/>
+              <a:t>SWARM Mission</a:t>
+            </a:r>
+            <a:endParaRPr lang="zh-CN" altLang="en-US" dirty="0"/>
+          </a:p>
+        </p:txBody>
+      </p:sp>
+      <p:sp>
+        <p:nvSpPr>
+          <p:cNvPr id="3" name="内容占位符 2">
+            <a:extLst>
+              <a:ext uri="{FF2B5EF4-FFF2-40B4-BE49-F238E27FC236}">
+                <a16:creationId xmlns:a16="http://schemas.microsoft.com/office/drawing/2014/main" id="{66BD02D9-1310-76BF-1046-C4F630828CF7}"/>
+              </a:ext>
+            </a:extLst>
+          </p:cNvPr>
+          <p:cNvSpPr>
+            <a:spLocks noGrp="1"/>
+          </p:cNvSpPr>
+          <p:nvPr>
+            <p:ph idx="1"/>
+          </p:nvPr>
+        </p:nvSpPr>
+        <p:spPr/>
+        <p:txBody>
+          <a:bodyPr/>
+          <a:lstStyle/>
+          <a:p>
+            <a:r>
+              <a:rPr lang="en-US" altLang="zh-CN" b="0" i="0" dirty="0">
+                <a:solidFill>
+                  <a:srgbClr val="000000"/>
+                </a:solidFill>
+                <a:effectLst/>
+                <a:latin typeface="NotesEsa"/>
+              </a:rPr>
+              <a:t>Swarm A and C form the lower pair of satellites flying side-by-side (1.4° separation in longitude at the equator) at an altitude of 462 km (initial altitude) and at 87.35° inclination angle, whereas Swarm B is cruising at a higher orbit of 511 km (initial altitude) and at 87.75° inclination angle.</a:t>
+            </a:r>
+          </a:p>
+          <a:p>
+            <a:endParaRPr lang="en-US" altLang="zh-CN" dirty="0">
+              <a:solidFill>
+                <a:srgbClr val="000000"/>
+              </a:solidFill>
+              <a:latin typeface="NotesEsa"/>
+            </a:endParaRPr>
+          </a:p>
+          <a:p>
+            <a:pPr marL="0" indent="0">
+              <a:buNone/>
+            </a:pPr>
+            <a:r>
+              <a:rPr lang="en-US" altLang="zh-CN" dirty="0">
+                <a:solidFill>
+                  <a:srgbClr val="000000"/>
+                </a:solidFill>
+                <a:latin typeface="NotesEsa"/>
+              </a:rPr>
+              <a:t>Source: </a:t>
+            </a:r>
+            <a:r>
+              <a:rPr lang="en-US" altLang="zh-CN" dirty="0">
+                <a:solidFill>
+                  <a:srgbClr val="000000"/>
+                </a:solidFill>
+                <a:latin typeface="NotesEsa"/>
+                <a:hlinkClick r:id="rId2"/>
+              </a:rPr>
+              <a:t>https://earth.esa.int/eogateway/missions/swarm/description</a:t>
+            </a:r>
+            <a:endParaRPr lang="zh-CN" altLang="en-US" dirty="0"/>
+          </a:p>
+        </p:txBody>
+      </p:sp>
+      <p:sp>
+        <p:nvSpPr>
+          <p:cNvPr id="4" name="灯片编号占位符 3">
+            <a:extLst>
+              <a:ext uri="{FF2B5EF4-FFF2-40B4-BE49-F238E27FC236}">
+                <a16:creationId xmlns:a16="http://schemas.microsoft.com/office/drawing/2014/main" id="{B2C129B2-6C6E-13A0-F641-600FDF0DF6B6}"/>
+              </a:ext>
+            </a:extLst>
+          </p:cNvPr>
+          <p:cNvSpPr>
+            <a:spLocks noGrp="1"/>
+          </p:cNvSpPr>
+          <p:nvPr>
+            <p:ph type="sldNum" sz="quarter" idx="12"/>
+          </p:nvPr>
+        </p:nvSpPr>
+        <p:spPr/>
+        <p:txBody>
+          <a:bodyPr/>
+          <a:lstStyle/>
+          <a:p>
+            <a:pPr>
+              <a:defRPr/>
+            </a:pPr>
+            <a:fld id="{A26A0649-E50C-4844-BD05-C05B747519B9}" type="slidenum">
+              <a:rPr lang="de-DE" altLang="en-US" smtClean="0"/>
+              <a:pPr>
+                <a:defRPr/>
+              </a:pPr>
+              <a:t>20</a:t>
+            </a:fld>
+            <a:endParaRPr lang="de-DE" altLang="en-US"/>
+          </a:p>
+        </p:txBody>
+      </p:sp>
+    </p:spTree>
+    <p:extLst>
+      <p:ext uri="{BB962C8B-B14F-4D97-AF65-F5344CB8AC3E}">
+        <p14:creationId xmlns:p14="http://schemas.microsoft.com/office/powerpoint/2010/main" val="1431695431"/>
+      </p:ext>
+    </p:extLst>
+  </p:cSld>
+  <p:clrMapOvr>
+    <a:masterClrMapping/>
+  </p:clrMapOvr>
+</p:sld>
+</file>
+
+<file path=ppt/slides/slide21.xml><?xml version="1.0" encoding="utf-8"?>
+<p:sld xmlns:a="http://schemas.openxmlformats.org/drawingml/2006/main" xmlns:r="http://schemas.openxmlformats.org/officeDocument/2006/relationships" xmlns:p="http://schemas.openxmlformats.org/presentationml/2006/main">
+  <p:cSld>
+    <p:spTree>
+      <p:nvGrpSpPr>
+        <p:cNvPr id="1" name=""/>
+        <p:cNvGrpSpPr/>
+        <p:nvPr/>
+      </p:nvGrpSpPr>
+      <p:grpSpPr>
+        <a:xfrm>
+          <a:off x="0" y="0"/>
+          <a:ext cx="0" cy="0"/>
+          <a:chOff x="0" y="0"/>
+          <a:chExt cx="0" cy="0"/>
+        </a:xfrm>
+      </p:grpSpPr>
+      <p:sp>
+        <p:nvSpPr>
+          <p:cNvPr id="2" name="标题 1">
+            <a:extLst>
+              <a:ext uri="{FF2B5EF4-FFF2-40B4-BE49-F238E27FC236}">
+                <a16:creationId xmlns:a16="http://schemas.microsoft.com/office/drawing/2014/main" id="{E262DF64-DF60-3AE2-5CB2-C16B9B913E15}"/>
+              </a:ext>
+            </a:extLst>
+          </p:cNvPr>
+          <p:cNvSpPr>
+            <a:spLocks noGrp="1"/>
+          </p:cNvSpPr>
+          <p:nvPr>
+            <p:ph type="title"/>
+          </p:nvPr>
+        </p:nvSpPr>
+        <p:spPr/>
+        <p:txBody>
+          <a:bodyPr/>
+          <a:lstStyle/>
+          <a:p>
+            <a:r>
+              <a:rPr lang="en-US" altLang="zh-CN" dirty="0"/>
+              <a:t>Raising the orbit</a:t>
+            </a:r>
+            <a:endParaRPr lang="zh-CN" altLang="en-US" dirty="0"/>
+          </a:p>
+        </p:txBody>
+      </p:sp>
+      <p:sp>
+        <p:nvSpPr>
+          <p:cNvPr id="3" name="内容占位符 2">
+            <a:extLst>
+              <a:ext uri="{FF2B5EF4-FFF2-40B4-BE49-F238E27FC236}">
+                <a16:creationId xmlns:a16="http://schemas.microsoft.com/office/drawing/2014/main" id="{52300C93-EBAB-2E27-9035-E8F3E5857265}"/>
+              </a:ext>
+            </a:extLst>
+          </p:cNvPr>
+          <p:cNvSpPr>
+            <a:spLocks noGrp="1"/>
+          </p:cNvSpPr>
+          <p:nvPr>
+            <p:ph idx="1"/>
+          </p:nvPr>
+        </p:nvSpPr>
+        <p:spPr/>
+        <p:txBody>
+          <a:bodyPr/>
+          <a:lstStyle/>
+          <a:p>
+            <a:r>
+              <a:rPr lang="en-US" altLang="zh-CN" b="0" i="0" dirty="0">
+                <a:solidFill>
+                  <a:srgbClr val="000000"/>
+                </a:solidFill>
+                <a:effectLst/>
+                <a:latin typeface="NotesEsa"/>
+              </a:rPr>
+              <a:t>With the increasing solar activity of solar cycle 25, the Earth’s atmosphere is expanding leading to higher density and stronger decay of the orbits. Without an orbit raise of Swarm A and C they would re-enter in 2024, so a first sequence of </a:t>
+            </a:r>
+            <a:r>
+              <a:rPr lang="en-US" altLang="zh-CN" b="0" i="0" dirty="0" err="1">
+                <a:solidFill>
+                  <a:srgbClr val="000000"/>
+                </a:solidFill>
+                <a:effectLst/>
+                <a:latin typeface="NotesEsa"/>
+              </a:rPr>
+              <a:t>manoeuvres</a:t>
+            </a:r>
+            <a:r>
+              <a:rPr lang="en-US" altLang="zh-CN" b="0" i="0" dirty="0">
+                <a:solidFill>
+                  <a:srgbClr val="000000"/>
+                </a:solidFill>
+                <a:effectLst/>
+                <a:latin typeface="NotesEsa"/>
+              </a:rPr>
+              <a:t> is planned between 3rd May and 8th July 2022, raising their altitude by about 45 km.</a:t>
+            </a:r>
+          </a:p>
+          <a:p>
+            <a:r>
+              <a:rPr lang="en-US" altLang="zh-CN" b="0" i="0" dirty="0">
+                <a:solidFill>
+                  <a:srgbClr val="000000"/>
+                </a:solidFill>
+                <a:effectLst/>
+                <a:latin typeface="NotesEsa"/>
+              </a:rPr>
+              <a:t>If not adjusted the orbital plane of Swarm B will be coplanar with A and C, which is undesirable for mapping the lithosphere. To avoid this it is necessary to reduce or increase the relative rotation after they are perpendicular</a:t>
+            </a:r>
+            <a:endParaRPr lang="en-US" altLang="zh-CN" dirty="0">
+              <a:solidFill>
+                <a:srgbClr val="000000"/>
+              </a:solidFill>
+              <a:latin typeface="NotesEsa"/>
+            </a:endParaRPr>
+          </a:p>
+          <a:p>
+            <a:pPr marL="0" indent="0">
+              <a:buNone/>
+            </a:pPr>
+            <a:endParaRPr lang="en-US" altLang="zh-CN" sz="1800" dirty="0">
+              <a:solidFill>
+                <a:srgbClr val="000000"/>
+              </a:solidFill>
+              <a:latin typeface="NotesEsa"/>
+            </a:endParaRPr>
+          </a:p>
+          <a:p>
+            <a:pPr marL="0" indent="0">
+              <a:buNone/>
+            </a:pPr>
+            <a:r>
+              <a:rPr lang="en-US" altLang="zh-CN" sz="1800" dirty="0">
+                <a:solidFill>
+                  <a:srgbClr val="000000"/>
+                </a:solidFill>
+                <a:latin typeface="NotesEsa"/>
+              </a:rPr>
+              <a:t>Source: </a:t>
+            </a:r>
+            <a:r>
+              <a:rPr lang="en-US" altLang="zh-CN" sz="1800" dirty="0">
+                <a:solidFill>
+                  <a:srgbClr val="000000"/>
+                </a:solidFill>
+                <a:latin typeface="NotesEsa"/>
+                <a:hlinkClick r:id="rId2"/>
+              </a:rPr>
+              <a:t>https://earth.esa.int/eogateway/eogateway/missions/swarm/constellation-and-orbit-evolution</a:t>
+            </a:r>
+            <a:endParaRPr lang="zh-CN" altLang="en-US" sz="1800" dirty="0"/>
+          </a:p>
+        </p:txBody>
+      </p:sp>
+      <p:sp>
+        <p:nvSpPr>
+          <p:cNvPr id="4" name="灯片编号占位符 3">
+            <a:extLst>
+              <a:ext uri="{FF2B5EF4-FFF2-40B4-BE49-F238E27FC236}">
+                <a16:creationId xmlns:a16="http://schemas.microsoft.com/office/drawing/2014/main" id="{A5CA1140-26E9-466F-344D-264F31CA42CE}"/>
+              </a:ext>
+            </a:extLst>
+          </p:cNvPr>
+          <p:cNvSpPr>
+            <a:spLocks noGrp="1"/>
+          </p:cNvSpPr>
+          <p:nvPr>
+            <p:ph type="sldNum" sz="quarter" idx="12"/>
+          </p:nvPr>
+        </p:nvSpPr>
+        <p:spPr/>
+        <p:txBody>
+          <a:bodyPr/>
+          <a:lstStyle/>
+          <a:p>
+            <a:pPr>
+              <a:defRPr/>
+            </a:pPr>
+            <a:fld id="{A26A0649-E50C-4844-BD05-C05B747519B9}" type="slidenum">
+              <a:rPr lang="de-DE" altLang="en-US" smtClean="0"/>
+              <a:pPr>
+                <a:defRPr/>
+              </a:pPr>
+              <a:t>21</a:t>
+            </a:fld>
+            <a:endParaRPr lang="de-DE" altLang="en-US"/>
+          </a:p>
+        </p:txBody>
+      </p:sp>
+    </p:spTree>
+    <p:extLst>
+      <p:ext uri="{BB962C8B-B14F-4D97-AF65-F5344CB8AC3E}">
+        <p14:creationId xmlns:p14="http://schemas.microsoft.com/office/powerpoint/2010/main" val="3500917354"/>
+      </p:ext>
+    </p:extLst>
+  </p:cSld>
+  <p:clrMapOvr>
+    <a:masterClrMapping/>
+  </p:clrMapOvr>
+</p:sld>
+</file>
+
+<file path=ppt/slides/slide22.xml><?xml version="1.0" encoding="utf-8"?>
+<p:sld xmlns:a="http://schemas.openxmlformats.org/drawingml/2006/main" xmlns:r="http://schemas.openxmlformats.org/officeDocument/2006/relationships" xmlns:p="http://schemas.openxmlformats.org/presentationml/2006/main">
+  <p:cSld>
+    <p:spTree>
+      <p:nvGrpSpPr>
+        <p:cNvPr id="1" name=""/>
+        <p:cNvGrpSpPr/>
+        <p:nvPr/>
+      </p:nvGrpSpPr>
+      <p:grpSpPr>
+        <a:xfrm>
+          <a:off x="0" y="0"/>
+          <a:ext cx="0" cy="0"/>
+          <a:chOff x="0" y="0"/>
+          <a:chExt cx="0" cy="0"/>
+        </a:xfrm>
+      </p:grpSpPr>
+      <p:sp>
+        <p:nvSpPr>
+          <p:cNvPr id="2" name="标题 1">
+            <a:extLst>
+              <a:ext uri="{FF2B5EF4-FFF2-40B4-BE49-F238E27FC236}">
+                <a16:creationId xmlns:a16="http://schemas.microsoft.com/office/drawing/2014/main" id="{0970B95D-1CF7-AF42-D6D7-E925F0D50440}"/>
+              </a:ext>
+            </a:extLst>
+          </p:cNvPr>
+          <p:cNvSpPr>
+            <a:spLocks noGrp="1"/>
+          </p:cNvSpPr>
+          <p:nvPr>
+            <p:ph type="title"/>
+          </p:nvPr>
+        </p:nvSpPr>
+        <p:spPr/>
+        <p:txBody>
+          <a:bodyPr/>
+          <a:lstStyle/>
+          <a:p>
+            <a:r>
+              <a:rPr lang="en-US" altLang="zh-CN" dirty="0"/>
+              <a:t>SWARM</a:t>
+            </a:r>
+            <a:endParaRPr lang="zh-CN" altLang="en-US" dirty="0"/>
+          </a:p>
+        </p:txBody>
+      </p:sp>
+      <p:sp>
+        <p:nvSpPr>
+          <p:cNvPr id="4" name="灯片编号占位符 3">
+            <a:extLst>
+              <a:ext uri="{FF2B5EF4-FFF2-40B4-BE49-F238E27FC236}">
+                <a16:creationId xmlns:a16="http://schemas.microsoft.com/office/drawing/2014/main" id="{A616A7E4-1E29-EB63-DAC7-FEE0CE4F576A}"/>
+              </a:ext>
+            </a:extLst>
+          </p:cNvPr>
+          <p:cNvSpPr>
+            <a:spLocks noGrp="1"/>
+          </p:cNvSpPr>
+          <p:nvPr>
+            <p:ph type="sldNum" sz="quarter" idx="12"/>
+          </p:nvPr>
+        </p:nvSpPr>
+        <p:spPr/>
+        <p:txBody>
+          <a:bodyPr/>
+          <a:lstStyle/>
+          <a:p>
+            <a:pPr>
+              <a:defRPr/>
+            </a:pPr>
+            <a:fld id="{A26A0649-E50C-4844-BD05-C05B747519B9}" type="slidenum">
+              <a:rPr lang="de-DE" altLang="en-US" smtClean="0"/>
+              <a:pPr>
+                <a:defRPr/>
+              </a:pPr>
+              <a:t>22</a:t>
+            </a:fld>
+            <a:endParaRPr lang="de-DE" altLang="en-US"/>
+          </a:p>
+        </p:txBody>
+      </p:sp>
+      <p:pic>
+        <p:nvPicPr>
+          <p:cNvPr id="9" name="内容占位符 8">
+            <a:extLst>
+              <a:ext uri="{FF2B5EF4-FFF2-40B4-BE49-F238E27FC236}">
+                <a16:creationId xmlns:a16="http://schemas.microsoft.com/office/drawing/2014/main" id="{3047CD55-112C-107A-F2E2-FF10B5420B93}"/>
+              </a:ext>
+            </a:extLst>
+          </p:cNvPr>
+          <p:cNvPicPr>
+            <a:picLocks noGrp="1" noChangeAspect="1"/>
+          </p:cNvPicPr>
+          <p:nvPr>
+            <p:ph idx="1"/>
+          </p:nvPr>
+        </p:nvPicPr>
+        <p:blipFill>
+          <a:blip r:embed="rId2">
+            <a:extLst>
+              <a:ext uri="{28A0092B-C50C-407E-A947-70E740481C1C}">
+                <a14:useLocalDpi xmlns:a14="http://schemas.microsoft.com/office/drawing/2010/main" val="0"/>
+              </a:ext>
+            </a:extLst>
+          </a:blip>
+          <a:stretch>
+            <a:fillRect/>
+          </a:stretch>
+        </p:blipFill>
+        <p:spPr>
+          <a:xfrm>
+            <a:off x="755576" y="1449947"/>
+            <a:ext cx="7772400" cy="3958106"/>
+          </a:xfrm>
+        </p:spPr>
+      </p:pic>
+    </p:spTree>
+    <p:extLst>
+      <p:ext uri="{BB962C8B-B14F-4D97-AF65-F5344CB8AC3E}">
+        <p14:creationId xmlns:p14="http://schemas.microsoft.com/office/powerpoint/2010/main" val="3534031894"/>
+      </p:ext>
+    </p:extLst>
+  </p:cSld>
+  <p:clrMapOvr>
+    <a:masterClrMapping/>
+  </p:clrMapOvr>
+</p:sld>
+</file>
+
+<file path=ppt/slides/slide23.xml><?xml version="1.0" encoding="utf-8"?>
 <p:sld xmlns:a="http://schemas.openxmlformats.org/drawingml/2006/main" xmlns:r="http://schemas.openxmlformats.org/officeDocument/2006/relationships" xmlns:p="http://schemas.openxmlformats.org/presentationml/2006/main">
   <p:cSld>
     <p:spTree>
@@ -6315,7 +8360,7 @@
                 <a:latin typeface="Univers" panose="020B0503020202020204" pitchFamily="34" charset="0"/>
               </a:rPr>
               <a:pPr/>
-              <a:t>18</a:t>
+              <a:t>23</a:t>
             </a:fld>
             <a:endParaRPr lang="de-DE" altLang="en-US" sz="1400">
               <a:solidFill>
@@ -6327,133 +8372,6 @@
         </p:txBody>
       </p:sp>
     </p:spTree>
-  </p:cSld>
-  <p:clrMapOvr>
-    <a:masterClrMapping/>
-  </p:clrMapOvr>
-</p:sld>
-</file>
-
-<file path=ppt/slides/slide2.xml><?xml version="1.0" encoding="utf-8"?>
-<p:sld xmlns:a="http://schemas.openxmlformats.org/drawingml/2006/main" xmlns:r="http://schemas.openxmlformats.org/officeDocument/2006/relationships" xmlns:p="http://schemas.openxmlformats.org/presentationml/2006/main">
-  <p:cSld>
-    <p:spTree>
-      <p:nvGrpSpPr>
-        <p:cNvPr id="1" name=""/>
-        <p:cNvGrpSpPr/>
-        <p:nvPr/>
-      </p:nvGrpSpPr>
-      <p:grpSpPr>
-        <a:xfrm>
-          <a:off x="0" y="0"/>
-          <a:ext cx="0" cy="0"/>
-          <a:chOff x="0" y="0"/>
-          <a:chExt cx="0" cy="0"/>
-        </a:xfrm>
-      </p:grpSpPr>
-      <p:pic>
-        <p:nvPicPr>
-          <p:cNvPr id="6" name="Inhaltsplatzhalter 5">
-            <a:extLst>
-              <a:ext uri="{FF2B5EF4-FFF2-40B4-BE49-F238E27FC236}">
-                <a16:creationId xmlns:a16="http://schemas.microsoft.com/office/drawing/2014/main" id="{E36797CF-0C87-94B1-0BF1-1A5EC4A521EA}"/>
-              </a:ext>
-            </a:extLst>
-          </p:cNvPr>
-          <p:cNvPicPr>
-            <a:picLocks noGrp="1" noChangeAspect="1"/>
-          </p:cNvPicPr>
-          <p:nvPr>
-            <p:ph idx="1"/>
-          </p:nvPr>
-        </p:nvPicPr>
-        <p:blipFill rotWithShape="1">
-          <a:blip r:embed="rId2">
-            <a:extLst>
-              <a:ext uri="{28A0092B-C50C-407E-A947-70E740481C1C}">
-                <a14:useLocalDpi xmlns:a14="http://schemas.microsoft.com/office/drawing/2010/main" val="0"/>
-              </a:ext>
-            </a:extLst>
-          </a:blip>
-          <a:srcRect l="7183" r="7565"/>
-          <a:stretch/>
-        </p:blipFill>
-        <p:spPr>
-          <a:xfrm>
-            <a:off x="467544" y="1090836"/>
-            <a:ext cx="8600019" cy="4786436"/>
-          </a:xfrm>
-        </p:spPr>
-      </p:pic>
-      <p:sp>
-        <p:nvSpPr>
-          <p:cNvPr id="2" name="Titel 1">
-            <a:extLst>
-              <a:ext uri="{FF2B5EF4-FFF2-40B4-BE49-F238E27FC236}">
-                <a16:creationId xmlns:a16="http://schemas.microsoft.com/office/drawing/2014/main" id="{9DE0E614-C58F-EBE6-7DDC-4BF8C502A79E}"/>
-              </a:ext>
-            </a:extLst>
-          </p:cNvPr>
-          <p:cNvSpPr>
-            <a:spLocks noGrp="1"/>
-          </p:cNvSpPr>
-          <p:nvPr>
-            <p:ph type="title"/>
-          </p:nvPr>
-        </p:nvSpPr>
-        <p:spPr/>
-        <p:txBody>
-          <a:bodyPr/>
-          <a:lstStyle/>
-          <a:p>
-            <a:r>
-              <a:rPr lang="de-DE" dirty="0"/>
-              <a:t>GOCE</a:t>
-            </a:r>
-          </a:p>
-        </p:txBody>
-      </p:sp>
-      <p:sp>
-        <p:nvSpPr>
-          <p:cNvPr id="4" name="Foliennummernplatzhalter 3">
-            <a:extLst>
-              <a:ext uri="{FF2B5EF4-FFF2-40B4-BE49-F238E27FC236}">
-                <a16:creationId xmlns:a16="http://schemas.microsoft.com/office/drawing/2014/main" id="{C4A0AF71-F247-9FA6-FEDE-27CF39D11871}"/>
-              </a:ext>
-            </a:extLst>
-          </p:cNvPr>
-          <p:cNvSpPr>
-            <a:spLocks noGrp="1"/>
-          </p:cNvSpPr>
-          <p:nvPr>
-            <p:ph type="sldNum" sz="quarter" idx="12"/>
-          </p:nvPr>
-        </p:nvSpPr>
-        <p:spPr/>
-        <p:txBody>
-          <a:bodyPr/>
-          <a:lstStyle/>
-          <a:p>
-            <a:pPr>
-              <a:defRPr/>
-            </a:pPr>
-            <a:fld id="{A26A0649-E50C-4844-BD05-C05B747519B9}" type="slidenum">
-              <a:rPr lang="de-DE" altLang="en-US" smtClean="0"/>
-              <a:pPr>
-                <a:defRPr/>
-              </a:pPr>
-              <a:t>2</a:t>
-            </a:fld>
-            <a:endParaRPr lang="de-DE" altLang="en-US"/>
-          </a:p>
-        </p:txBody>
-      </p:sp>
-    </p:spTree>
-    <p:extLst>
-      <p:ext uri="{BB962C8B-B14F-4D97-AF65-F5344CB8AC3E}">
-        <p14:creationId xmlns:p14="http://schemas.microsoft.com/office/powerpoint/2010/main" val="1143448818"/>
-      </p:ext>
-    </p:extLst>
   </p:cSld>
   <p:clrMapOvr>
     <a:masterClrMapping/>
@@ -6483,7 +8401,7 @@
           <p:cNvPr id="2" name="Titel 1">
             <a:extLst>
               <a:ext uri="{FF2B5EF4-FFF2-40B4-BE49-F238E27FC236}">
-                <a16:creationId xmlns:a16="http://schemas.microsoft.com/office/drawing/2014/main" id="{97AF870B-3D21-09F4-E802-74E97FDDBA3B}"/>
+                <a16:creationId xmlns:a16="http://schemas.microsoft.com/office/drawing/2014/main" id="{9DE0E614-C58F-EBE6-7DDC-4BF8C502A79E}"/>
               </a:ext>
             </a:extLst>
           </p:cNvPr>
@@ -6506,46 +8424,12 @@
           </a:p>
         </p:txBody>
       </p:sp>
-      <p:pic>
-        <p:nvPicPr>
-          <p:cNvPr id="6" name="Inhaltsplatzhalter 5">
-            <a:extLst>
-              <a:ext uri="{FF2B5EF4-FFF2-40B4-BE49-F238E27FC236}">
-                <a16:creationId xmlns:a16="http://schemas.microsoft.com/office/drawing/2014/main" id="{AB2452CF-75E4-9C1B-2B8E-6A18725F7890}"/>
-              </a:ext>
-            </a:extLst>
-          </p:cNvPr>
-          <p:cNvPicPr>
-            <a:picLocks noGrp="1" noChangeAspect="1"/>
-          </p:cNvPicPr>
-          <p:nvPr>
-            <p:ph idx="1"/>
-          </p:nvPr>
-        </p:nvPicPr>
-        <p:blipFill rotWithShape="1">
-          <a:blip r:embed="rId2">
-            <a:extLst>
-              <a:ext uri="{28A0092B-C50C-407E-A947-70E740481C1C}">
-                <a14:useLocalDpi xmlns:a14="http://schemas.microsoft.com/office/drawing/2010/main" val="0"/>
-              </a:ext>
-            </a:extLst>
-          </a:blip>
-          <a:srcRect l="7304" r="8030"/>
-          <a:stretch/>
-        </p:blipFill>
-        <p:spPr>
-          <a:xfrm>
-            <a:off x="467544" y="1124744"/>
-            <a:ext cx="8608985" cy="4824536"/>
-          </a:xfrm>
-        </p:spPr>
-      </p:pic>
       <p:sp>
         <p:nvSpPr>
           <p:cNvPr id="4" name="Foliennummernplatzhalter 3">
             <a:extLst>
               <a:ext uri="{FF2B5EF4-FFF2-40B4-BE49-F238E27FC236}">
-                <a16:creationId xmlns:a16="http://schemas.microsoft.com/office/drawing/2014/main" id="{06B2F70F-2E1E-EC92-D487-7DB6033041DE}"/>
+                <a16:creationId xmlns:a16="http://schemas.microsoft.com/office/drawing/2014/main" id="{C4A0AF71-F247-9FA6-FEDE-27CF39D11871}"/>
               </a:ext>
             </a:extLst>
           </p:cNvPr>
@@ -6575,10 +8459,45 @@
           </a:p>
         </p:txBody>
       </p:sp>
+      <p:pic>
+        <p:nvPicPr>
+          <p:cNvPr id="10" name="内容占位符 9">
+            <a:extLst>
+              <a:ext uri="{FF2B5EF4-FFF2-40B4-BE49-F238E27FC236}">
+                <a16:creationId xmlns:a16="http://schemas.microsoft.com/office/drawing/2014/main" id="{895C56A5-4D66-140E-04CC-200CEC6B33BD}"/>
+              </a:ext>
+            </a:extLst>
+          </p:cNvPr>
+          <p:cNvPicPr>
+            <a:picLocks noGrp="1" noChangeAspect="1"/>
+          </p:cNvPicPr>
+          <p:nvPr>
+            <p:ph idx="1"/>
+          </p:nvPr>
+        </p:nvPicPr>
+        <p:blipFill>
+          <a:blip r:embed="rId2">
+            <a:extLst>
+              <a:ext uri="{28A0092B-C50C-407E-A947-70E740481C1C}">
+                <a14:useLocalDpi xmlns:a14="http://schemas.microsoft.com/office/drawing/2010/main" val="0"/>
+              </a:ext>
+            </a:extLst>
+          </a:blip>
+          <a:stretch>
+            <a:fillRect/>
+          </a:stretch>
+        </p:blipFill>
+        <p:spPr>
+          <a:xfrm>
+            <a:off x="685800" y="1564247"/>
+            <a:ext cx="7772400" cy="3958106"/>
+          </a:xfrm>
+        </p:spPr>
+      </p:pic>
     </p:spTree>
     <p:extLst>
       <p:ext uri="{BB962C8B-B14F-4D97-AF65-F5344CB8AC3E}">
-        <p14:creationId xmlns:p14="http://schemas.microsoft.com/office/powerpoint/2010/main" val="2308039067"/>
+        <p14:creationId xmlns:p14="http://schemas.microsoft.com/office/powerpoint/2010/main" val="1143448818"/>
       </p:ext>
     </p:extLst>
   </p:cSld>
@@ -6610,7 +8529,7 @@
           <p:cNvPr id="2" name="Titel 1">
             <a:extLst>
               <a:ext uri="{FF2B5EF4-FFF2-40B4-BE49-F238E27FC236}">
-                <a16:creationId xmlns:a16="http://schemas.microsoft.com/office/drawing/2014/main" id="{FA1FD002-0A68-20BD-950D-550334BF9222}"/>
+                <a16:creationId xmlns:a16="http://schemas.microsoft.com/office/drawing/2014/main" id="{97AF870B-3D21-09F4-E802-74E97FDDBA3B}"/>
               </a:ext>
             </a:extLst>
           </p:cNvPr>
@@ -6628,51 +8547,17 @@
           <a:p>
             <a:r>
               <a:rPr lang="de-DE" dirty="0"/>
-              <a:t>GRACE-1</a:t>
-            </a:r>
-          </a:p>
-        </p:txBody>
-      </p:sp>
-      <p:pic>
-        <p:nvPicPr>
-          <p:cNvPr id="6" name="Inhaltsplatzhalter 5">
-            <a:extLst>
-              <a:ext uri="{FF2B5EF4-FFF2-40B4-BE49-F238E27FC236}">
-                <a16:creationId xmlns:a16="http://schemas.microsoft.com/office/drawing/2014/main" id="{9A07E448-944D-8A1D-9D89-BD88E38243EC}"/>
-              </a:ext>
-            </a:extLst>
-          </p:cNvPr>
-          <p:cNvPicPr>
-            <a:picLocks noGrp="1" noChangeAspect="1"/>
-          </p:cNvPicPr>
-          <p:nvPr>
-            <p:ph idx="1"/>
-          </p:nvPr>
-        </p:nvPicPr>
-        <p:blipFill rotWithShape="1">
-          <a:blip r:embed="rId2">
-            <a:extLst>
-              <a:ext uri="{28A0092B-C50C-407E-A947-70E740481C1C}">
-                <a14:useLocalDpi xmlns:a14="http://schemas.microsoft.com/office/drawing/2010/main" val="0"/>
-              </a:ext>
-            </a:extLst>
-          </a:blip>
-          <a:srcRect l="7855" r="8935"/>
-          <a:stretch/>
-        </p:blipFill>
-        <p:spPr>
-          <a:xfrm>
-            <a:off x="467544" y="1035816"/>
-            <a:ext cx="8586621" cy="4896544"/>
-          </a:xfrm>
-        </p:spPr>
-      </p:pic>
+              <a:t>GOCE</a:t>
+            </a:r>
+          </a:p>
+        </p:txBody>
+      </p:sp>
       <p:sp>
         <p:nvSpPr>
           <p:cNvPr id="4" name="Foliennummernplatzhalter 3">
             <a:extLst>
               <a:ext uri="{FF2B5EF4-FFF2-40B4-BE49-F238E27FC236}">
-                <a16:creationId xmlns:a16="http://schemas.microsoft.com/office/drawing/2014/main" id="{7C89ABC8-14C6-CF3B-7C42-769A66BE6202}"/>
+                <a16:creationId xmlns:a16="http://schemas.microsoft.com/office/drawing/2014/main" id="{06B2F70F-2E1E-EC92-D487-7DB6033041DE}"/>
               </a:ext>
             </a:extLst>
           </p:cNvPr>
@@ -6702,10 +8587,45 @@
           </a:p>
         </p:txBody>
       </p:sp>
+      <p:pic>
+        <p:nvPicPr>
+          <p:cNvPr id="13" name="内容占位符 12">
+            <a:extLst>
+              <a:ext uri="{FF2B5EF4-FFF2-40B4-BE49-F238E27FC236}">
+                <a16:creationId xmlns:a16="http://schemas.microsoft.com/office/drawing/2014/main" id="{1EA2E59E-5B82-B801-EA18-95455E7569D4}"/>
+              </a:ext>
+            </a:extLst>
+          </p:cNvPr>
+          <p:cNvPicPr>
+            <a:picLocks noGrp="1" noChangeAspect="1"/>
+          </p:cNvPicPr>
+          <p:nvPr>
+            <p:ph idx="1"/>
+          </p:nvPr>
+        </p:nvPicPr>
+        <p:blipFill>
+          <a:blip r:embed="rId2">
+            <a:extLst>
+              <a:ext uri="{28A0092B-C50C-407E-A947-70E740481C1C}">
+                <a14:useLocalDpi xmlns:a14="http://schemas.microsoft.com/office/drawing/2010/main" val="0"/>
+              </a:ext>
+            </a:extLst>
+          </a:blip>
+          <a:stretch>
+            <a:fillRect/>
+          </a:stretch>
+        </p:blipFill>
+        <p:spPr>
+          <a:xfrm>
+            <a:off x="685800" y="1564247"/>
+            <a:ext cx="7772400" cy="3958106"/>
+          </a:xfrm>
+        </p:spPr>
+      </p:pic>
     </p:spTree>
     <p:extLst>
       <p:ext uri="{BB962C8B-B14F-4D97-AF65-F5344CB8AC3E}">
-        <p14:creationId xmlns:p14="http://schemas.microsoft.com/office/powerpoint/2010/main" val="3235998305"/>
+        <p14:creationId xmlns:p14="http://schemas.microsoft.com/office/powerpoint/2010/main" val="2308039067"/>
       </p:ext>
     </p:extLst>
   </p:cSld>
@@ -6737,7 +8657,7 @@
           <p:cNvPr id="2" name="Titel 1">
             <a:extLst>
               <a:ext uri="{FF2B5EF4-FFF2-40B4-BE49-F238E27FC236}">
-                <a16:creationId xmlns:a16="http://schemas.microsoft.com/office/drawing/2014/main" id="{E8C381A6-3C5E-9E11-DB10-3B0227CBFBDC}"/>
+                <a16:creationId xmlns:a16="http://schemas.microsoft.com/office/drawing/2014/main" id="{FA1FD002-0A68-20BD-950D-550334BF9222}"/>
               </a:ext>
             </a:extLst>
           </p:cNvPr>
@@ -6760,46 +8680,12 @@
           </a:p>
         </p:txBody>
       </p:sp>
-      <p:pic>
-        <p:nvPicPr>
-          <p:cNvPr id="6" name="Inhaltsplatzhalter 5">
-            <a:extLst>
-              <a:ext uri="{FF2B5EF4-FFF2-40B4-BE49-F238E27FC236}">
-                <a16:creationId xmlns:a16="http://schemas.microsoft.com/office/drawing/2014/main" id="{A73D9CFB-70AB-C648-7CA2-87A2A4B9BDDF}"/>
-              </a:ext>
-            </a:extLst>
-          </p:cNvPr>
-          <p:cNvPicPr>
-            <a:picLocks noGrp="1" noChangeAspect="1"/>
-          </p:cNvPicPr>
-          <p:nvPr>
-            <p:ph idx="1"/>
-          </p:nvPr>
-        </p:nvPicPr>
-        <p:blipFill rotWithShape="1">
-          <a:blip r:embed="rId2">
-            <a:extLst>
-              <a:ext uri="{28A0092B-C50C-407E-A947-70E740481C1C}">
-                <a14:useLocalDpi xmlns:a14="http://schemas.microsoft.com/office/drawing/2010/main" val="0"/>
-              </a:ext>
-            </a:extLst>
-          </a:blip>
-          <a:srcRect l="6943" r="7735"/>
-          <a:stretch/>
-        </p:blipFill>
-        <p:spPr>
-          <a:xfrm>
-            <a:off x="539552" y="1126840"/>
-            <a:ext cx="8416452" cy="4680520"/>
-          </a:xfrm>
-        </p:spPr>
-      </p:pic>
       <p:sp>
         <p:nvSpPr>
           <p:cNvPr id="4" name="Foliennummernplatzhalter 3">
             <a:extLst>
               <a:ext uri="{FF2B5EF4-FFF2-40B4-BE49-F238E27FC236}">
-                <a16:creationId xmlns:a16="http://schemas.microsoft.com/office/drawing/2014/main" id="{33C86B76-E848-ADC3-CE0F-7EDF58B56D57}"/>
+                <a16:creationId xmlns:a16="http://schemas.microsoft.com/office/drawing/2014/main" id="{7C89ABC8-14C6-CF3B-7C42-769A66BE6202}"/>
               </a:ext>
             </a:extLst>
           </p:cNvPr>
@@ -6829,10 +8715,45 @@
           </a:p>
         </p:txBody>
       </p:sp>
+      <p:pic>
+        <p:nvPicPr>
+          <p:cNvPr id="10" name="内容占位符 9">
+            <a:extLst>
+              <a:ext uri="{FF2B5EF4-FFF2-40B4-BE49-F238E27FC236}">
+                <a16:creationId xmlns:a16="http://schemas.microsoft.com/office/drawing/2014/main" id="{589D8906-6CC5-AE18-D501-1F906DBA2E59}"/>
+              </a:ext>
+            </a:extLst>
+          </p:cNvPr>
+          <p:cNvPicPr>
+            <a:picLocks noGrp="1" noChangeAspect="1"/>
+          </p:cNvPicPr>
+          <p:nvPr>
+            <p:ph idx="1"/>
+          </p:nvPr>
+        </p:nvPicPr>
+        <p:blipFill>
+          <a:blip r:embed="rId2">
+            <a:extLst>
+              <a:ext uri="{28A0092B-C50C-407E-A947-70E740481C1C}">
+                <a14:useLocalDpi xmlns:a14="http://schemas.microsoft.com/office/drawing/2010/main" val="0"/>
+              </a:ext>
+            </a:extLst>
+          </a:blip>
+          <a:stretch>
+            <a:fillRect/>
+          </a:stretch>
+        </p:blipFill>
+        <p:spPr>
+          <a:xfrm>
+            <a:off x="685800" y="1564247"/>
+            <a:ext cx="7772400" cy="3958106"/>
+          </a:xfrm>
+        </p:spPr>
+      </p:pic>
     </p:spTree>
     <p:extLst>
       <p:ext uri="{BB962C8B-B14F-4D97-AF65-F5344CB8AC3E}">
-        <p14:creationId xmlns:p14="http://schemas.microsoft.com/office/powerpoint/2010/main" val="2542230651"/>
+        <p14:creationId xmlns:p14="http://schemas.microsoft.com/office/powerpoint/2010/main" val="3235998305"/>
       </p:ext>
     </p:extLst>
   </p:cSld>
@@ -6864,7 +8785,7 @@
           <p:cNvPr id="2" name="Titel 1">
             <a:extLst>
               <a:ext uri="{FF2B5EF4-FFF2-40B4-BE49-F238E27FC236}">
-                <a16:creationId xmlns:a16="http://schemas.microsoft.com/office/drawing/2014/main" id="{CDF01CFE-D790-A54A-3E60-3D3075DC5CE9}"/>
+                <a16:creationId xmlns:a16="http://schemas.microsoft.com/office/drawing/2014/main" id="{E8C381A6-3C5E-9E11-DB10-3B0227CBFBDC}"/>
               </a:ext>
             </a:extLst>
           </p:cNvPr>
@@ -6882,51 +8803,17 @@
           <a:p>
             <a:r>
               <a:rPr lang="de-DE" dirty="0"/>
-              <a:t>Sentinel-3A</a:t>
-            </a:r>
-          </a:p>
-        </p:txBody>
-      </p:sp>
-      <p:pic>
-        <p:nvPicPr>
-          <p:cNvPr id="6" name="Inhaltsplatzhalter 5">
-            <a:extLst>
-              <a:ext uri="{FF2B5EF4-FFF2-40B4-BE49-F238E27FC236}">
-                <a16:creationId xmlns:a16="http://schemas.microsoft.com/office/drawing/2014/main" id="{4B7C3BBC-773F-7FD6-3F75-7E7CD4050D96}"/>
-              </a:ext>
-            </a:extLst>
-          </p:cNvPr>
-          <p:cNvPicPr>
-            <a:picLocks noGrp="1" noChangeAspect="1"/>
-          </p:cNvPicPr>
-          <p:nvPr>
-            <p:ph idx="1"/>
-          </p:nvPr>
-        </p:nvPicPr>
-        <p:blipFill rotWithShape="1">
-          <a:blip r:embed="rId2">
-            <a:extLst>
-              <a:ext uri="{28A0092B-C50C-407E-A947-70E740481C1C}">
-                <a14:useLocalDpi xmlns:a14="http://schemas.microsoft.com/office/drawing/2010/main" val="0"/>
-              </a:ext>
-            </a:extLst>
-          </a:blip>
-          <a:srcRect l="6000" r="8603"/>
-          <a:stretch/>
-        </p:blipFill>
-        <p:spPr>
-          <a:xfrm>
-            <a:off x="467544" y="1088739"/>
-            <a:ext cx="8568952" cy="4761058"/>
-          </a:xfrm>
-        </p:spPr>
-      </p:pic>
+              <a:t>GRACE-1</a:t>
+            </a:r>
+          </a:p>
+        </p:txBody>
+      </p:sp>
       <p:sp>
         <p:nvSpPr>
           <p:cNvPr id="4" name="Foliennummernplatzhalter 3">
             <a:extLst>
               <a:ext uri="{FF2B5EF4-FFF2-40B4-BE49-F238E27FC236}">
-                <a16:creationId xmlns:a16="http://schemas.microsoft.com/office/drawing/2014/main" id="{10EC01FC-B548-41AA-8BC5-E0209237D242}"/>
+                <a16:creationId xmlns:a16="http://schemas.microsoft.com/office/drawing/2014/main" id="{33C86B76-E848-ADC3-CE0F-7EDF58B56D57}"/>
               </a:ext>
             </a:extLst>
           </p:cNvPr>
@@ -6956,10 +8843,45 @@
           </a:p>
         </p:txBody>
       </p:sp>
+      <p:pic>
+        <p:nvPicPr>
+          <p:cNvPr id="10" name="内容占位符 9">
+            <a:extLst>
+              <a:ext uri="{FF2B5EF4-FFF2-40B4-BE49-F238E27FC236}">
+                <a16:creationId xmlns:a16="http://schemas.microsoft.com/office/drawing/2014/main" id="{266AC3CF-29CF-D1E1-1506-31C5C5A70E15}"/>
+              </a:ext>
+            </a:extLst>
+          </p:cNvPr>
+          <p:cNvPicPr>
+            <a:picLocks noGrp="1" noChangeAspect="1"/>
+          </p:cNvPicPr>
+          <p:nvPr>
+            <p:ph idx="1"/>
+          </p:nvPr>
+        </p:nvPicPr>
+        <p:blipFill>
+          <a:blip r:embed="rId2">
+            <a:extLst>
+              <a:ext uri="{28A0092B-C50C-407E-A947-70E740481C1C}">
+                <a14:useLocalDpi xmlns:a14="http://schemas.microsoft.com/office/drawing/2010/main" val="0"/>
+              </a:ext>
+            </a:extLst>
+          </a:blip>
+          <a:stretch>
+            <a:fillRect/>
+          </a:stretch>
+        </p:blipFill>
+        <p:spPr>
+          <a:xfrm>
+            <a:off x="685800" y="1564247"/>
+            <a:ext cx="7772400" cy="3958106"/>
+          </a:xfrm>
+        </p:spPr>
+      </p:pic>
     </p:spTree>
     <p:extLst>
       <p:ext uri="{BB962C8B-B14F-4D97-AF65-F5344CB8AC3E}">
-        <p14:creationId xmlns:p14="http://schemas.microsoft.com/office/powerpoint/2010/main" val="1093912996"/>
+        <p14:creationId xmlns:p14="http://schemas.microsoft.com/office/powerpoint/2010/main" val="2542230651"/>
       </p:ext>
     </p:extLst>
   </p:cSld>
@@ -6991,7 +8913,7 @@
           <p:cNvPr id="2" name="Titel 1">
             <a:extLst>
               <a:ext uri="{FF2B5EF4-FFF2-40B4-BE49-F238E27FC236}">
-                <a16:creationId xmlns:a16="http://schemas.microsoft.com/office/drawing/2014/main" id="{5CA019BB-7583-3CFB-B393-958D4364026A}"/>
+                <a16:creationId xmlns:a16="http://schemas.microsoft.com/office/drawing/2014/main" id="{790ECF3C-106D-8B7B-4B92-10B4706D70C6}"/>
               </a:ext>
             </a:extLst>
           </p:cNvPr>
@@ -7009,51 +8931,17 @@
           <a:p>
             <a:r>
               <a:rPr lang="de-DE" dirty="0"/>
-              <a:t>Sentinel-3A</a:t>
-            </a:r>
-          </a:p>
-        </p:txBody>
-      </p:sp>
-      <p:pic>
-        <p:nvPicPr>
-          <p:cNvPr id="6" name="Inhaltsplatzhalter 5">
-            <a:extLst>
-              <a:ext uri="{FF2B5EF4-FFF2-40B4-BE49-F238E27FC236}">
-                <a16:creationId xmlns:a16="http://schemas.microsoft.com/office/drawing/2014/main" id="{C07E94F7-35C7-609A-926A-8CB008CBA15A}"/>
-              </a:ext>
-            </a:extLst>
-          </p:cNvPr>
-          <p:cNvPicPr>
-            <a:picLocks noGrp="1" noChangeAspect="1"/>
-          </p:cNvPicPr>
-          <p:nvPr>
-            <p:ph idx="1"/>
-          </p:nvPr>
-        </p:nvPicPr>
-        <p:blipFill rotWithShape="1">
-          <a:blip r:embed="rId2">
-            <a:extLst>
-              <a:ext uri="{28A0092B-C50C-407E-A947-70E740481C1C}">
-                <a14:useLocalDpi xmlns:a14="http://schemas.microsoft.com/office/drawing/2010/main" val="0"/>
-              </a:ext>
-            </a:extLst>
-          </a:blip>
-          <a:srcRect l="7416" r="7701"/>
-          <a:stretch/>
-        </p:blipFill>
-        <p:spPr>
-          <a:xfrm>
-            <a:off x="539552" y="1090836"/>
-            <a:ext cx="8501625" cy="4752528"/>
-          </a:xfrm>
-        </p:spPr>
-      </p:pic>
+              <a:t>CHAMP</a:t>
+            </a:r>
+          </a:p>
+        </p:txBody>
+      </p:sp>
       <p:sp>
         <p:nvSpPr>
           <p:cNvPr id="4" name="Foliennummernplatzhalter 3">
             <a:extLst>
               <a:ext uri="{FF2B5EF4-FFF2-40B4-BE49-F238E27FC236}">
-                <a16:creationId xmlns:a16="http://schemas.microsoft.com/office/drawing/2014/main" id="{4F22250B-89DB-319D-BF70-FEAD59C2DCBE}"/>
+                <a16:creationId xmlns:a16="http://schemas.microsoft.com/office/drawing/2014/main" id="{4AF6BEE8-C90D-8961-CE5C-F4AC8AE66F6D}"/>
               </a:ext>
             </a:extLst>
           </p:cNvPr>
@@ -7083,10 +8971,45 @@
           </a:p>
         </p:txBody>
       </p:sp>
+      <p:pic>
+        <p:nvPicPr>
+          <p:cNvPr id="10" name="内容占位符 9">
+            <a:extLst>
+              <a:ext uri="{FF2B5EF4-FFF2-40B4-BE49-F238E27FC236}">
+                <a16:creationId xmlns:a16="http://schemas.microsoft.com/office/drawing/2014/main" id="{678F0BEA-01FB-6474-2DE7-2B582F0D008F}"/>
+              </a:ext>
+            </a:extLst>
+          </p:cNvPr>
+          <p:cNvPicPr>
+            <a:picLocks noGrp="1" noChangeAspect="1"/>
+          </p:cNvPicPr>
+          <p:nvPr>
+            <p:ph idx="1"/>
+          </p:nvPr>
+        </p:nvPicPr>
+        <p:blipFill>
+          <a:blip r:embed="rId2">
+            <a:extLst>
+              <a:ext uri="{28A0092B-C50C-407E-A947-70E740481C1C}">
+                <a14:useLocalDpi xmlns:a14="http://schemas.microsoft.com/office/drawing/2010/main" val="0"/>
+              </a:ext>
+            </a:extLst>
+          </a:blip>
+          <a:stretch>
+            <a:fillRect/>
+          </a:stretch>
+        </p:blipFill>
+        <p:spPr>
+          <a:xfrm>
+            <a:off x="685800" y="1564247"/>
+            <a:ext cx="7772400" cy="3958106"/>
+          </a:xfrm>
+        </p:spPr>
+      </p:pic>
     </p:spTree>
     <p:extLst>
       <p:ext uri="{BB962C8B-B14F-4D97-AF65-F5344CB8AC3E}">
-        <p14:creationId xmlns:p14="http://schemas.microsoft.com/office/powerpoint/2010/main" val="865096269"/>
+        <p14:creationId xmlns:p14="http://schemas.microsoft.com/office/powerpoint/2010/main" val="2225581001"/>
       </p:ext>
     </p:extLst>
   </p:cSld>
@@ -7118,7 +9041,7 @@
           <p:cNvPr id="2" name="Titel 1">
             <a:extLst>
               <a:ext uri="{FF2B5EF4-FFF2-40B4-BE49-F238E27FC236}">
-                <a16:creationId xmlns:a16="http://schemas.microsoft.com/office/drawing/2014/main" id="{20F90156-54BF-BB0C-FF71-DD7F79D412BD}"/>
+                <a16:creationId xmlns:a16="http://schemas.microsoft.com/office/drawing/2014/main" id="{28E73965-B3F5-E9F3-B767-6C1D71D43A2A}"/>
               </a:ext>
             </a:extLst>
           </p:cNvPr>
@@ -7136,51 +9059,17 @@
           <a:p>
             <a:r>
               <a:rPr lang="de-DE" dirty="0"/>
-              <a:t>Sentinel-3B</a:t>
-            </a:r>
-          </a:p>
-        </p:txBody>
-      </p:sp>
-      <p:pic>
-        <p:nvPicPr>
-          <p:cNvPr id="6" name="Inhaltsplatzhalter 5">
-            <a:extLst>
-              <a:ext uri="{FF2B5EF4-FFF2-40B4-BE49-F238E27FC236}">
-                <a16:creationId xmlns:a16="http://schemas.microsoft.com/office/drawing/2014/main" id="{E9F17CBF-420C-F7AD-ED80-1D64129048A1}"/>
-              </a:ext>
-            </a:extLst>
-          </p:cNvPr>
-          <p:cNvPicPr>
-            <a:picLocks noGrp="1" noChangeAspect="1"/>
-          </p:cNvPicPr>
-          <p:nvPr>
-            <p:ph idx="1"/>
-          </p:nvPr>
-        </p:nvPicPr>
-        <p:blipFill rotWithShape="1">
-          <a:blip r:embed="rId2">
-            <a:extLst>
-              <a:ext uri="{28A0092B-C50C-407E-A947-70E740481C1C}">
-                <a14:useLocalDpi xmlns:a14="http://schemas.microsoft.com/office/drawing/2010/main" val="0"/>
-              </a:ext>
-            </a:extLst>
-          </a:blip>
-          <a:srcRect l="7336" r="8560"/>
-          <a:stretch/>
-        </p:blipFill>
-        <p:spPr>
-          <a:xfrm>
-            <a:off x="467544" y="1196752"/>
-            <a:ext cx="8568953" cy="4834305"/>
-          </a:xfrm>
-        </p:spPr>
-      </p:pic>
+              <a:t>CHAMP</a:t>
+            </a:r>
+          </a:p>
+        </p:txBody>
+      </p:sp>
       <p:sp>
         <p:nvSpPr>
           <p:cNvPr id="4" name="Foliennummernplatzhalter 3">
             <a:extLst>
               <a:ext uri="{FF2B5EF4-FFF2-40B4-BE49-F238E27FC236}">
-                <a16:creationId xmlns:a16="http://schemas.microsoft.com/office/drawing/2014/main" id="{4A63128B-3CE0-EF46-C06D-78099419E853}"/>
+                <a16:creationId xmlns:a16="http://schemas.microsoft.com/office/drawing/2014/main" id="{A7D3FC25-9BBB-D10D-DB13-EDA6025CA98F}"/>
               </a:ext>
             </a:extLst>
           </p:cNvPr>
@@ -7210,10 +9099,45 @@
           </a:p>
         </p:txBody>
       </p:sp>
+      <p:pic>
+        <p:nvPicPr>
+          <p:cNvPr id="10" name="内容占位符 9">
+            <a:extLst>
+              <a:ext uri="{FF2B5EF4-FFF2-40B4-BE49-F238E27FC236}">
+                <a16:creationId xmlns:a16="http://schemas.microsoft.com/office/drawing/2014/main" id="{966DAEC7-1C5E-3FBC-23D7-8BCE95F52D48}"/>
+              </a:ext>
+            </a:extLst>
+          </p:cNvPr>
+          <p:cNvPicPr>
+            <a:picLocks noGrp="1" noChangeAspect="1"/>
+          </p:cNvPicPr>
+          <p:nvPr>
+            <p:ph idx="1"/>
+          </p:nvPr>
+        </p:nvPicPr>
+        <p:blipFill>
+          <a:blip r:embed="rId2">
+            <a:extLst>
+              <a:ext uri="{28A0092B-C50C-407E-A947-70E740481C1C}">
+                <a14:useLocalDpi xmlns:a14="http://schemas.microsoft.com/office/drawing/2010/main" val="0"/>
+              </a:ext>
+            </a:extLst>
+          </a:blip>
+          <a:stretch>
+            <a:fillRect/>
+          </a:stretch>
+        </p:blipFill>
+        <p:spPr>
+          <a:xfrm>
+            <a:off x="685800" y="1564247"/>
+            <a:ext cx="7772400" cy="3958106"/>
+          </a:xfrm>
+        </p:spPr>
+      </p:pic>
     </p:spTree>
     <p:extLst>
       <p:ext uri="{BB962C8B-B14F-4D97-AF65-F5344CB8AC3E}">
-        <p14:creationId xmlns:p14="http://schemas.microsoft.com/office/powerpoint/2010/main" val="771101650"/>
+        <p14:creationId xmlns:p14="http://schemas.microsoft.com/office/powerpoint/2010/main" val="1589648065"/>
       </p:ext>
     </p:extLst>
   </p:cSld>
@@ -7245,7 +9169,7 @@
           <p:cNvPr id="2" name="Titel 1">
             <a:extLst>
               <a:ext uri="{FF2B5EF4-FFF2-40B4-BE49-F238E27FC236}">
-                <a16:creationId xmlns:a16="http://schemas.microsoft.com/office/drawing/2014/main" id="{778D0E75-AB74-790E-DED2-303872C58716}"/>
+                <a16:creationId xmlns:a16="http://schemas.microsoft.com/office/drawing/2014/main" id="{CDF01CFE-D790-A54A-3E60-3D3075DC5CE9}"/>
               </a:ext>
             </a:extLst>
           </p:cNvPr>
@@ -7263,51 +9187,17 @@
           <a:p>
             <a:r>
               <a:rPr lang="de-DE" dirty="0"/>
-              <a:t>Sentinel-3B</a:t>
-            </a:r>
-          </a:p>
-        </p:txBody>
-      </p:sp>
-      <p:pic>
-        <p:nvPicPr>
-          <p:cNvPr id="6" name="Inhaltsplatzhalter 5">
-            <a:extLst>
-              <a:ext uri="{FF2B5EF4-FFF2-40B4-BE49-F238E27FC236}">
-                <a16:creationId xmlns:a16="http://schemas.microsoft.com/office/drawing/2014/main" id="{453EA8A3-4C46-4FB1-8BD2-AF4F2E2C3FC3}"/>
-              </a:ext>
-            </a:extLst>
-          </p:cNvPr>
-          <p:cNvPicPr>
-            <a:picLocks noGrp="1" noChangeAspect="1"/>
-          </p:cNvPicPr>
-          <p:nvPr>
-            <p:ph idx="1"/>
-          </p:nvPr>
-        </p:nvPicPr>
-        <p:blipFill rotWithShape="1">
-          <a:blip r:embed="rId2">
-            <a:extLst>
-              <a:ext uri="{28A0092B-C50C-407E-A947-70E740481C1C}">
-                <a14:useLocalDpi xmlns:a14="http://schemas.microsoft.com/office/drawing/2010/main" val="0"/>
-              </a:ext>
-            </a:extLst>
-          </a:blip>
-          <a:srcRect l="7085" r="8249"/>
-          <a:stretch/>
-        </p:blipFill>
-        <p:spPr>
-          <a:xfrm>
-            <a:off x="539552" y="1052736"/>
-            <a:ext cx="8480492" cy="4752528"/>
-          </a:xfrm>
-        </p:spPr>
-      </p:pic>
+              <a:t>Sentinel-3A</a:t>
+            </a:r>
+          </a:p>
+        </p:txBody>
+      </p:sp>
       <p:sp>
         <p:nvSpPr>
           <p:cNvPr id="4" name="Foliennummernplatzhalter 3">
             <a:extLst>
               <a:ext uri="{FF2B5EF4-FFF2-40B4-BE49-F238E27FC236}">
-                <a16:creationId xmlns:a16="http://schemas.microsoft.com/office/drawing/2014/main" id="{6B0E33E2-95A5-03C7-D026-C9991FB9F558}"/>
+                <a16:creationId xmlns:a16="http://schemas.microsoft.com/office/drawing/2014/main" id="{10EC01FC-B548-41AA-8BC5-E0209237D242}"/>
               </a:ext>
             </a:extLst>
           </p:cNvPr>
@@ -7337,10 +9227,45 @@
           </a:p>
         </p:txBody>
       </p:sp>
+      <p:pic>
+        <p:nvPicPr>
+          <p:cNvPr id="10" name="内容占位符 9">
+            <a:extLst>
+              <a:ext uri="{FF2B5EF4-FFF2-40B4-BE49-F238E27FC236}">
+                <a16:creationId xmlns:a16="http://schemas.microsoft.com/office/drawing/2014/main" id="{5448A35C-BA44-B9B2-6467-EE82AF3578F6}"/>
+              </a:ext>
+            </a:extLst>
+          </p:cNvPr>
+          <p:cNvPicPr>
+            <a:picLocks noGrp="1" noChangeAspect="1"/>
+          </p:cNvPicPr>
+          <p:nvPr>
+            <p:ph idx="1"/>
+          </p:nvPr>
+        </p:nvPicPr>
+        <p:blipFill>
+          <a:blip r:embed="rId2">
+            <a:extLst>
+              <a:ext uri="{28A0092B-C50C-407E-A947-70E740481C1C}">
+                <a14:useLocalDpi xmlns:a14="http://schemas.microsoft.com/office/drawing/2010/main" val="0"/>
+              </a:ext>
+            </a:extLst>
+          </a:blip>
+          <a:stretch>
+            <a:fillRect/>
+          </a:stretch>
+        </p:blipFill>
+        <p:spPr>
+          <a:xfrm>
+            <a:off x="685800" y="1564247"/>
+            <a:ext cx="7772400" cy="3958106"/>
+          </a:xfrm>
+        </p:spPr>
+      </p:pic>
     </p:spTree>
     <p:extLst>
       <p:ext uri="{BB962C8B-B14F-4D97-AF65-F5344CB8AC3E}">
-        <p14:creationId xmlns:p14="http://schemas.microsoft.com/office/powerpoint/2010/main" val="397777219"/>
+        <p14:creationId xmlns:p14="http://schemas.microsoft.com/office/powerpoint/2010/main" val="1093912996"/>
       </p:ext>
     </p:extLst>
   </p:cSld>

--- a/Presentation/frozen_orbit1.pptx
+++ b/Presentation/frozen_orbit1.pptx
@@ -182,6 +182,7 @@
 <p1510:revInfo xmlns:a="http://schemas.openxmlformats.org/drawingml/2006/main" xmlns:r="http://schemas.openxmlformats.org/officeDocument/2006/relationships" xmlns:p1510="http://schemas.microsoft.com/office/powerpoint/2015/10/main">
   <p1510:revLst>
     <p1510:client id="{31473BE9-0D82-4ABB-A311-CB31F9F364DA}" v="83" dt="2022-11-28T12:17:32.979"/>
+    <p1510:client id="{D35B35E3-E0DF-441C-8EAA-AE91011677CB}" v="29" dt="2022-11-28T17:04:45.591"/>
   </p1510:revLst>
 </p1510:revInfo>
 </file>
@@ -1165,6 +1166,294 @@
             <ac:spMk id="3" creationId="{52300C93-EBAB-2E27-9035-E8F3E5857265}"/>
           </ac:spMkLst>
         </pc:spChg>
+      </pc:sldChg>
+    </pc:docChg>
+  </pc:docChgLst>
+  <pc:docChgLst>
+    <pc:chgData name="Ziqing Yu" userId="76dbd0bb75f3aa62" providerId="LiveId" clId="{D35B35E3-E0DF-441C-8EAA-AE91011677CB}"/>
+    <pc:docChg chg="modSld">
+      <pc:chgData name="Ziqing Yu" userId="76dbd0bb75f3aa62" providerId="LiveId" clId="{D35B35E3-E0DF-441C-8EAA-AE91011677CB}" dt="2022-11-28T17:04:45.591" v="32" actId="962"/>
+      <pc:docMkLst>
+        <pc:docMk/>
+      </pc:docMkLst>
+      <pc:sldChg chg="addSp delSp modSp mod">
+        <pc:chgData name="Ziqing Yu" userId="76dbd0bb75f3aa62" providerId="LiveId" clId="{D35B35E3-E0DF-441C-8EAA-AE91011677CB}" dt="2022-11-28T17:03:25.311" v="2" actId="27614"/>
+        <pc:sldMkLst>
+          <pc:docMk/>
+          <pc:sldMk cId="1143448818" sldId="331"/>
+        </pc:sldMkLst>
+        <pc:spChg chg="add del mod">
+          <ac:chgData name="Ziqing Yu" userId="76dbd0bb75f3aa62" providerId="LiveId" clId="{D35B35E3-E0DF-441C-8EAA-AE91011677CB}" dt="2022-11-28T17:03:23.323" v="1"/>
+          <ac:spMkLst>
+            <pc:docMk/>
+            <pc:sldMk cId="1143448818" sldId="331"/>
+            <ac:spMk id="3" creationId="{3D317416-33F9-BD9B-C754-B71E66A3C707}"/>
+          </ac:spMkLst>
+        </pc:spChg>
+        <pc:picChg chg="add mod">
+          <ac:chgData name="Ziqing Yu" userId="76dbd0bb75f3aa62" providerId="LiveId" clId="{D35B35E3-E0DF-441C-8EAA-AE91011677CB}" dt="2022-11-28T17:03:25.311" v="2" actId="27614"/>
+          <ac:picMkLst>
+            <pc:docMk/>
+            <pc:sldMk cId="1143448818" sldId="331"/>
+            <ac:picMk id="6" creationId="{8452E53C-1F88-64CE-3D2B-F70BADC429B0}"/>
+          </ac:picMkLst>
+        </pc:picChg>
+        <pc:picChg chg="del">
+          <ac:chgData name="Ziqing Yu" userId="76dbd0bb75f3aa62" providerId="LiveId" clId="{D35B35E3-E0DF-441C-8EAA-AE91011677CB}" dt="2022-11-28T17:03:22.286" v="0" actId="478"/>
+          <ac:picMkLst>
+            <pc:docMk/>
+            <pc:sldMk cId="1143448818" sldId="331"/>
+            <ac:picMk id="10" creationId="{895C56A5-4D66-140E-04CC-200CEC6B33BD}"/>
+          </ac:picMkLst>
+        </pc:picChg>
+      </pc:sldChg>
+      <pc:sldChg chg="addSp delSp modSp">
+        <pc:chgData name="Ziqing Yu" userId="76dbd0bb75f3aa62" providerId="LiveId" clId="{D35B35E3-E0DF-441C-8EAA-AE91011677CB}" dt="2022-11-28T17:03:33.389" v="6" actId="962"/>
+        <pc:sldMkLst>
+          <pc:docMk/>
+          <pc:sldMk cId="3235998305" sldId="333"/>
+        </pc:sldMkLst>
+        <pc:spChg chg="add del mod">
+          <ac:chgData name="Ziqing Yu" userId="76dbd0bb75f3aa62" providerId="LiveId" clId="{D35B35E3-E0DF-441C-8EAA-AE91011677CB}" dt="2022-11-28T17:03:31.835" v="4"/>
+          <ac:spMkLst>
+            <pc:docMk/>
+            <pc:sldMk cId="3235998305" sldId="333"/>
+            <ac:spMk id="3" creationId="{ECECDAB3-4ACE-B19B-222C-40B6E0ADE24A}"/>
+          </ac:spMkLst>
+        </pc:spChg>
+        <pc:picChg chg="add mod">
+          <ac:chgData name="Ziqing Yu" userId="76dbd0bb75f3aa62" providerId="LiveId" clId="{D35B35E3-E0DF-441C-8EAA-AE91011677CB}" dt="2022-11-28T17:03:33.389" v="6" actId="962"/>
+          <ac:picMkLst>
+            <pc:docMk/>
+            <pc:sldMk cId="3235998305" sldId="333"/>
+            <ac:picMk id="6" creationId="{5DD3F7FA-AFBF-44FB-E8E1-019705E524A9}"/>
+          </ac:picMkLst>
+        </pc:picChg>
+        <pc:picChg chg="del">
+          <ac:chgData name="Ziqing Yu" userId="76dbd0bb75f3aa62" providerId="LiveId" clId="{D35B35E3-E0DF-441C-8EAA-AE91011677CB}" dt="2022-11-28T17:03:29.090" v="3" actId="478"/>
+          <ac:picMkLst>
+            <pc:docMk/>
+            <pc:sldMk cId="3235998305" sldId="333"/>
+            <ac:picMk id="10" creationId="{589D8906-6CC5-AE18-D501-1F906DBA2E59}"/>
+          </ac:picMkLst>
+        </pc:picChg>
+      </pc:sldChg>
+      <pc:sldChg chg="addSp delSp modSp">
+        <pc:chgData name="Ziqing Yu" userId="76dbd0bb75f3aa62" providerId="LiveId" clId="{D35B35E3-E0DF-441C-8EAA-AE91011677CB}" dt="2022-11-28T17:03:46.560" v="13" actId="962"/>
+        <pc:sldMkLst>
+          <pc:docMk/>
+          <pc:sldMk cId="1093912996" sldId="335"/>
+        </pc:sldMkLst>
+        <pc:spChg chg="add del mod">
+          <ac:chgData name="Ziqing Yu" userId="76dbd0bb75f3aa62" providerId="LiveId" clId="{D35B35E3-E0DF-441C-8EAA-AE91011677CB}" dt="2022-11-28T17:03:45.066" v="11"/>
+          <ac:spMkLst>
+            <pc:docMk/>
+            <pc:sldMk cId="1093912996" sldId="335"/>
+            <ac:spMk id="3" creationId="{04FF75D2-841A-4C89-AED9-56DF99523815}"/>
+          </ac:spMkLst>
+        </pc:spChg>
+        <pc:picChg chg="add mod">
+          <ac:chgData name="Ziqing Yu" userId="76dbd0bb75f3aa62" providerId="LiveId" clId="{D35B35E3-E0DF-441C-8EAA-AE91011677CB}" dt="2022-11-28T17:03:46.560" v="13" actId="962"/>
+          <ac:picMkLst>
+            <pc:docMk/>
+            <pc:sldMk cId="1093912996" sldId="335"/>
+            <ac:picMk id="6" creationId="{22C2381F-BFB0-D691-1BB4-68494BC9E378}"/>
+          </ac:picMkLst>
+        </pc:picChg>
+        <pc:picChg chg="del">
+          <ac:chgData name="Ziqing Yu" userId="76dbd0bb75f3aa62" providerId="LiveId" clId="{D35B35E3-E0DF-441C-8EAA-AE91011677CB}" dt="2022-11-28T17:03:42.876" v="10" actId="478"/>
+          <ac:picMkLst>
+            <pc:docMk/>
+            <pc:sldMk cId="1093912996" sldId="335"/>
+            <ac:picMk id="10" creationId="{5448A35C-BA44-B9B2-6467-EE82AF3578F6}"/>
+          </ac:picMkLst>
+        </pc:picChg>
+      </pc:sldChg>
+      <pc:sldChg chg="addSp delSp modSp mod">
+        <pc:chgData name="Ziqing Yu" userId="76dbd0bb75f3aa62" providerId="LiveId" clId="{D35B35E3-E0DF-441C-8EAA-AE91011677CB}" dt="2022-11-28T17:03:54.149" v="16" actId="27614"/>
+        <pc:sldMkLst>
+          <pc:docMk/>
+          <pc:sldMk cId="771101650" sldId="337"/>
+        </pc:sldMkLst>
+        <pc:spChg chg="add del mod">
+          <ac:chgData name="Ziqing Yu" userId="76dbd0bb75f3aa62" providerId="LiveId" clId="{D35B35E3-E0DF-441C-8EAA-AE91011677CB}" dt="2022-11-28T17:03:52.394" v="15"/>
+          <ac:spMkLst>
+            <pc:docMk/>
+            <pc:sldMk cId="771101650" sldId="337"/>
+            <ac:spMk id="3" creationId="{5228196E-A89E-32F2-2982-B0E9B7148E77}"/>
+          </ac:spMkLst>
+        </pc:spChg>
+        <pc:picChg chg="add mod">
+          <ac:chgData name="Ziqing Yu" userId="76dbd0bb75f3aa62" providerId="LiveId" clId="{D35B35E3-E0DF-441C-8EAA-AE91011677CB}" dt="2022-11-28T17:03:54.149" v="16" actId="27614"/>
+          <ac:picMkLst>
+            <pc:docMk/>
+            <pc:sldMk cId="771101650" sldId="337"/>
+            <ac:picMk id="6" creationId="{0FD6B1D9-3272-B013-CA06-19ACAA70ACD6}"/>
+          </ac:picMkLst>
+        </pc:picChg>
+        <pc:picChg chg="del">
+          <ac:chgData name="Ziqing Yu" userId="76dbd0bb75f3aa62" providerId="LiveId" clId="{D35B35E3-E0DF-441C-8EAA-AE91011677CB}" dt="2022-11-28T17:03:50.101" v="14" actId="478"/>
+          <ac:picMkLst>
+            <pc:docMk/>
+            <pc:sldMk cId="771101650" sldId="337"/>
+            <ac:picMk id="10" creationId="{8E2ED661-6EA3-5136-BC6D-DA55864EF0BB}"/>
+          </ac:picMkLst>
+        </pc:picChg>
+      </pc:sldChg>
+      <pc:sldChg chg="addSp delSp modSp mod">
+        <pc:chgData name="Ziqing Yu" userId="76dbd0bb75f3aa62" providerId="LiveId" clId="{D35B35E3-E0DF-441C-8EAA-AE91011677CB}" dt="2022-11-28T17:04:18.613" v="19" actId="27614"/>
+        <pc:sldMkLst>
+          <pc:docMk/>
+          <pc:sldMk cId="3074370798" sldId="339"/>
+        </pc:sldMkLst>
+        <pc:spChg chg="add del mod">
+          <ac:chgData name="Ziqing Yu" userId="76dbd0bb75f3aa62" providerId="LiveId" clId="{D35B35E3-E0DF-441C-8EAA-AE91011677CB}" dt="2022-11-28T17:04:17.107" v="18"/>
+          <ac:spMkLst>
+            <pc:docMk/>
+            <pc:sldMk cId="3074370798" sldId="339"/>
+            <ac:spMk id="3" creationId="{7D40FE72-139E-13F3-89D1-B80EE9BA582C}"/>
+          </ac:spMkLst>
+        </pc:spChg>
+        <pc:picChg chg="add mod">
+          <ac:chgData name="Ziqing Yu" userId="76dbd0bb75f3aa62" providerId="LiveId" clId="{D35B35E3-E0DF-441C-8EAA-AE91011677CB}" dt="2022-11-28T17:04:18.613" v="19" actId="27614"/>
+          <ac:picMkLst>
+            <pc:docMk/>
+            <pc:sldMk cId="3074370798" sldId="339"/>
+            <ac:picMk id="6" creationId="{13470257-0DC5-2C57-219A-1BA54EBD05B2}"/>
+          </ac:picMkLst>
+        </pc:picChg>
+        <pc:picChg chg="del">
+          <ac:chgData name="Ziqing Yu" userId="76dbd0bb75f3aa62" providerId="LiveId" clId="{D35B35E3-E0DF-441C-8EAA-AE91011677CB}" dt="2022-11-28T17:04:11.824" v="17" actId="478"/>
+          <ac:picMkLst>
+            <pc:docMk/>
+            <pc:sldMk cId="3074370798" sldId="339"/>
+            <ac:picMk id="10" creationId="{BFC187BE-1477-7C92-6FDF-928BB5648590}"/>
+          </ac:picMkLst>
+        </pc:picChg>
+      </pc:sldChg>
+      <pc:sldChg chg="addSp delSp modSp">
+        <pc:chgData name="Ziqing Yu" userId="76dbd0bb75f3aa62" providerId="LiveId" clId="{D35B35E3-E0DF-441C-8EAA-AE91011677CB}" dt="2022-11-28T17:04:33.278" v="23" actId="962"/>
+        <pc:sldMkLst>
+          <pc:docMk/>
+          <pc:sldMk cId="2180464758" sldId="341"/>
+        </pc:sldMkLst>
+        <pc:spChg chg="add del mod">
+          <ac:chgData name="Ziqing Yu" userId="76dbd0bb75f3aa62" providerId="LiveId" clId="{D35B35E3-E0DF-441C-8EAA-AE91011677CB}" dt="2022-11-28T17:04:32.487" v="21"/>
+          <ac:spMkLst>
+            <pc:docMk/>
+            <pc:sldMk cId="2180464758" sldId="341"/>
+            <ac:spMk id="3" creationId="{ABC48B8E-8331-AA15-8135-E6FC1D9F23CB}"/>
+          </ac:spMkLst>
+        </pc:spChg>
+        <pc:picChg chg="add mod">
+          <ac:chgData name="Ziqing Yu" userId="76dbd0bb75f3aa62" providerId="LiveId" clId="{D35B35E3-E0DF-441C-8EAA-AE91011677CB}" dt="2022-11-28T17:04:33.278" v="23" actId="962"/>
+          <ac:picMkLst>
+            <pc:docMk/>
+            <pc:sldMk cId="2180464758" sldId="341"/>
+            <ac:picMk id="6" creationId="{BE111668-DCAE-2BA3-4544-E6385E0CA831}"/>
+          </ac:picMkLst>
+        </pc:picChg>
+        <pc:picChg chg="del">
+          <ac:chgData name="Ziqing Yu" userId="76dbd0bb75f3aa62" providerId="LiveId" clId="{D35B35E3-E0DF-441C-8EAA-AE91011677CB}" dt="2022-11-28T17:04:28.242" v="20" actId="478"/>
+          <ac:picMkLst>
+            <pc:docMk/>
+            <pc:sldMk cId="2180464758" sldId="341"/>
+            <ac:picMk id="10" creationId="{0E7D6C4D-BD41-2457-B378-6CE5307EDEDF}"/>
+          </ac:picMkLst>
+        </pc:picChg>
+      </pc:sldChg>
+      <pc:sldChg chg="addSp delSp modSp">
+        <pc:chgData name="Ziqing Yu" userId="76dbd0bb75f3aa62" providerId="LiveId" clId="{D35B35E3-E0DF-441C-8EAA-AE91011677CB}" dt="2022-11-28T17:04:38.090" v="27" actId="962"/>
+        <pc:sldMkLst>
+          <pc:docMk/>
+          <pc:sldMk cId="2997382355" sldId="343"/>
+        </pc:sldMkLst>
+        <pc:spChg chg="add del mod">
+          <ac:chgData name="Ziqing Yu" userId="76dbd0bb75f3aa62" providerId="LiveId" clId="{D35B35E3-E0DF-441C-8EAA-AE91011677CB}" dt="2022-11-28T17:04:37.553" v="25"/>
+          <ac:spMkLst>
+            <pc:docMk/>
+            <pc:sldMk cId="2997382355" sldId="343"/>
+            <ac:spMk id="3" creationId="{3ABC756D-7A6B-C765-968C-95F66A81F13D}"/>
+          </ac:spMkLst>
+        </pc:spChg>
+        <pc:picChg chg="add mod">
+          <ac:chgData name="Ziqing Yu" userId="76dbd0bb75f3aa62" providerId="LiveId" clId="{D35B35E3-E0DF-441C-8EAA-AE91011677CB}" dt="2022-11-28T17:04:38.090" v="27" actId="962"/>
+          <ac:picMkLst>
+            <pc:docMk/>
+            <pc:sldMk cId="2997382355" sldId="343"/>
+            <ac:picMk id="6" creationId="{DA1F8619-084B-2E29-2B4A-7556B352C6D4}"/>
+          </ac:picMkLst>
+        </pc:picChg>
+        <pc:picChg chg="del">
+          <ac:chgData name="Ziqing Yu" userId="76dbd0bb75f3aa62" providerId="LiveId" clId="{D35B35E3-E0DF-441C-8EAA-AE91011677CB}" dt="2022-11-28T17:04:34.705" v="24" actId="478"/>
+          <ac:picMkLst>
+            <pc:docMk/>
+            <pc:sldMk cId="2997382355" sldId="343"/>
+            <ac:picMk id="10" creationId="{7FDC660C-A276-E360-8DD3-33A3606A0374}"/>
+          </ac:picMkLst>
+        </pc:picChg>
+      </pc:sldChg>
+      <pc:sldChg chg="addSp delSp modSp mod">
+        <pc:chgData name="Ziqing Yu" userId="76dbd0bb75f3aa62" providerId="LiveId" clId="{D35B35E3-E0DF-441C-8EAA-AE91011677CB}" dt="2022-11-28T17:03:42.461" v="9" actId="27614"/>
+        <pc:sldMkLst>
+          <pc:docMk/>
+          <pc:sldMk cId="2225581001" sldId="345"/>
+        </pc:sldMkLst>
+        <pc:spChg chg="add del mod">
+          <ac:chgData name="Ziqing Yu" userId="76dbd0bb75f3aa62" providerId="LiveId" clId="{D35B35E3-E0DF-441C-8EAA-AE91011677CB}" dt="2022-11-28T17:03:40.207" v="8"/>
+          <ac:spMkLst>
+            <pc:docMk/>
+            <pc:sldMk cId="2225581001" sldId="345"/>
+            <ac:spMk id="3" creationId="{122E6B56-64A8-A966-5AD0-79F782C57F46}"/>
+          </ac:spMkLst>
+        </pc:spChg>
+        <pc:picChg chg="add mod">
+          <ac:chgData name="Ziqing Yu" userId="76dbd0bb75f3aa62" providerId="LiveId" clId="{D35B35E3-E0DF-441C-8EAA-AE91011677CB}" dt="2022-11-28T17:03:42.461" v="9" actId="27614"/>
+          <ac:picMkLst>
+            <pc:docMk/>
+            <pc:sldMk cId="2225581001" sldId="345"/>
+            <ac:picMk id="6" creationId="{C2C7980D-70E3-4D8F-194B-56BD569F5ADC}"/>
+          </ac:picMkLst>
+        </pc:picChg>
+        <pc:picChg chg="del">
+          <ac:chgData name="Ziqing Yu" userId="76dbd0bb75f3aa62" providerId="LiveId" clId="{D35B35E3-E0DF-441C-8EAA-AE91011677CB}" dt="2022-11-28T17:03:37.756" v="7" actId="478"/>
+          <ac:picMkLst>
+            <pc:docMk/>
+            <pc:sldMk cId="2225581001" sldId="345"/>
+            <ac:picMk id="10" creationId="{678F0BEA-01FB-6474-2DE7-2B582F0D008F}"/>
+          </ac:picMkLst>
+        </pc:picChg>
+      </pc:sldChg>
+      <pc:sldChg chg="addSp delSp modSp">
+        <pc:chgData name="Ziqing Yu" userId="76dbd0bb75f3aa62" providerId="LiveId" clId="{D35B35E3-E0DF-441C-8EAA-AE91011677CB}" dt="2022-11-28T17:04:45.591" v="32" actId="962"/>
+        <pc:sldMkLst>
+          <pc:docMk/>
+          <pc:sldMk cId="3534031894" sldId="348"/>
+        </pc:sldMkLst>
+        <pc:spChg chg="add del mod">
+          <ac:chgData name="Ziqing Yu" userId="76dbd0bb75f3aa62" providerId="LiveId" clId="{D35B35E3-E0DF-441C-8EAA-AE91011677CB}" dt="2022-11-28T17:04:44.858" v="30"/>
+          <ac:spMkLst>
+            <pc:docMk/>
+            <pc:sldMk cId="3534031894" sldId="348"/>
+            <ac:spMk id="3" creationId="{34927EA6-7A85-8D42-682E-E7F8F106198F}"/>
+          </ac:spMkLst>
+        </pc:spChg>
+        <pc:picChg chg="add mod">
+          <ac:chgData name="Ziqing Yu" userId="76dbd0bb75f3aa62" providerId="LiveId" clId="{D35B35E3-E0DF-441C-8EAA-AE91011677CB}" dt="2022-11-28T17:04:45.591" v="32" actId="962"/>
+          <ac:picMkLst>
+            <pc:docMk/>
+            <pc:sldMk cId="3534031894" sldId="348"/>
+            <ac:picMk id="6" creationId="{AA969BD6-C9B0-2647-BAB2-72E3B7158437}"/>
+          </ac:picMkLst>
+        </pc:picChg>
+        <pc:picChg chg="del mod">
+          <ac:chgData name="Ziqing Yu" userId="76dbd0bb75f3aa62" providerId="LiveId" clId="{D35B35E3-E0DF-441C-8EAA-AE91011677CB}" dt="2022-11-28T17:04:43.794" v="29" actId="478"/>
+          <ac:picMkLst>
+            <pc:docMk/>
+            <pc:sldMk cId="3534031894" sldId="348"/>
+            <ac:picMk id="9" creationId="{3047CD55-112C-107A-F2E2-FF10B5420B93}"/>
+          </ac:picMkLst>
+        </pc:picChg>
       </pc:sldChg>
     </pc:docChg>
   </pc:docChgLst>
@@ -6295,41 +6584,6 @@
           </a:p>
         </p:txBody>
       </p:sp>
-      <p:pic>
-        <p:nvPicPr>
-          <p:cNvPr id="10" name="内容占位符 9">
-            <a:extLst>
-              <a:ext uri="{FF2B5EF4-FFF2-40B4-BE49-F238E27FC236}">
-                <a16:creationId xmlns:a16="http://schemas.microsoft.com/office/drawing/2014/main" id="{8E2ED661-6EA3-5136-BC6D-DA55864EF0BB}"/>
-              </a:ext>
-            </a:extLst>
-          </p:cNvPr>
-          <p:cNvPicPr>
-            <a:picLocks noGrp="1" noChangeAspect="1"/>
-          </p:cNvPicPr>
-          <p:nvPr>
-            <p:ph idx="1"/>
-          </p:nvPr>
-        </p:nvPicPr>
-        <p:blipFill>
-          <a:blip r:embed="rId2">
-            <a:extLst>
-              <a:ext uri="{28A0092B-C50C-407E-A947-70E740481C1C}">
-                <a14:useLocalDpi xmlns:a14="http://schemas.microsoft.com/office/drawing/2010/main" val="0"/>
-              </a:ext>
-            </a:extLst>
-          </a:blip>
-          <a:stretch>
-            <a:fillRect/>
-          </a:stretch>
-        </p:blipFill>
-        <p:spPr>
-          <a:xfrm>
-            <a:off x="685800" y="1564247"/>
-            <a:ext cx="7772400" cy="3958106"/>
-          </a:xfrm>
-        </p:spPr>
-      </p:pic>
       <p:sp>
         <p:nvSpPr>
           <p:cNvPr id="11" name="文本框 10">
@@ -6388,7 +6642,7 @@
             </a:r>
             <a:r>
               <a:rPr lang="en-US" altLang="zh-CN" sz="1200" dirty="0">
-                <a:hlinkClick r:id="rId3"/>
+                <a:hlinkClick r:id="rId2"/>
               </a:rPr>
               <a:t>https://sentinel.esa.int/documents/247904/3358207/Sentinel-3-Mission-Status-Report-20-November-2018</a:t>
             </a:r>
@@ -6396,6 +6650,41 @@
           </a:p>
         </p:txBody>
       </p:sp>
+      <p:pic>
+        <p:nvPicPr>
+          <p:cNvPr id="6" name="Content Placeholder 5" descr="A picture containing diagram&#10;&#10;Description automatically generated">
+            <a:extLst>
+              <a:ext uri="{FF2B5EF4-FFF2-40B4-BE49-F238E27FC236}">
+                <a16:creationId xmlns:a16="http://schemas.microsoft.com/office/drawing/2014/main" id="{0FD6B1D9-3272-B013-CA06-19ACAA70ACD6}"/>
+              </a:ext>
+            </a:extLst>
+          </p:cNvPr>
+          <p:cNvPicPr>
+            <a:picLocks noGrp="1" noChangeAspect="1"/>
+          </p:cNvPicPr>
+          <p:nvPr>
+            <p:ph idx="1"/>
+          </p:nvPr>
+        </p:nvPicPr>
+        <p:blipFill>
+          <a:blip r:embed="rId3">
+            <a:extLst>
+              <a:ext uri="{28A0092B-C50C-407E-A947-70E740481C1C}">
+                <a14:useLocalDpi xmlns:a14="http://schemas.microsoft.com/office/drawing/2010/main" val="0"/>
+              </a:ext>
+            </a:extLst>
+          </a:blip>
+          <a:stretch>
+            <a:fillRect/>
+          </a:stretch>
+        </p:blipFill>
+        <p:spPr>
+          <a:xfrm>
+            <a:off x="685800" y="1530314"/>
+            <a:ext cx="7772400" cy="4025972"/>
+          </a:xfrm>
+        </p:spPr>
+      </p:pic>
     </p:spTree>
     <p:extLst>
       <p:ext uri="{BB962C8B-B14F-4D97-AF65-F5344CB8AC3E}">
@@ -6788,10 +7077,10 @@
       </p:sp>
       <p:pic>
         <p:nvPicPr>
-          <p:cNvPr id="10" name="内容占位符 9">
-            <a:extLst>
-              <a:ext uri="{FF2B5EF4-FFF2-40B4-BE49-F238E27FC236}">
-                <a16:creationId xmlns:a16="http://schemas.microsoft.com/office/drawing/2014/main" id="{BFC187BE-1477-7C92-6FDF-928BB5648590}"/>
+          <p:cNvPr id="6" name="Content Placeholder 5" descr="A picture containing application&#10;&#10;Description automatically generated">
+            <a:extLst>
+              <a:ext uri="{FF2B5EF4-FFF2-40B4-BE49-F238E27FC236}">
+                <a16:creationId xmlns:a16="http://schemas.microsoft.com/office/drawing/2014/main" id="{13470257-0DC5-2C57-219A-1BA54EBD05B2}"/>
               </a:ext>
             </a:extLst>
           </p:cNvPr>
@@ -6816,8 +7105,8 @@
         </p:blipFill>
         <p:spPr>
           <a:xfrm>
-            <a:off x="685800" y="1564247"/>
-            <a:ext cx="7772400" cy="3958106"/>
+            <a:off x="685800" y="1530314"/>
+            <a:ext cx="7772400" cy="4025972"/>
           </a:xfrm>
         </p:spPr>
       </p:pic>
@@ -7044,10 +7333,10 @@
       </p:sp>
       <p:pic>
         <p:nvPicPr>
-          <p:cNvPr id="10" name="内容占位符 9">
-            <a:extLst>
-              <a:ext uri="{FF2B5EF4-FFF2-40B4-BE49-F238E27FC236}">
-                <a16:creationId xmlns:a16="http://schemas.microsoft.com/office/drawing/2014/main" id="{0E7D6C4D-BD41-2457-B378-6CE5307EDEDF}"/>
+          <p:cNvPr id="6" name="Content Placeholder 5" descr="A picture containing calendar&#10;&#10;Description automatically generated">
+            <a:extLst>
+              <a:ext uri="{FF2B5EF4-FFF2-40B4-BE49-F238E27FC236}">
+                <a16:creationId xmlns:a16="http://schemas.microsoft.com/office/drawing/2014/main" id="{BE111668-DCAE-2BA3-4544-E6385E0CA831}"/>
               </a:ext>
             </a:extLst>
           </p:cNvPr>
@@ -7072,8 +7361,8 @@
         </p:blipFill>
         <p:spPr>
           <a:xfrm>
-            <a:off x="685800" y="1564247"/>
-            <a:ext cx="7772400" cy="3958106"/>
+            <a:off x="685800" y="1530314"/>
+            <a:ext cx="7772400" cy="4025972"/>
           </a:xfrm>
         </p:spPr>
       </p:pic>
@@ -7300,10 +7589,10 @@
       </p:sp>
       <p:pic>
         <p:nvPicPr>
-          <p:cNvPr id="10" name="内容占位符 9">
-            <a:extLst>
-              <a:ext uri="{FF2B5EF4-FFF2-40B4-BE49-F238E27FC236}">
-                <a16:creationId xmlns:a16="http://schemas.microsoft.com/office/drawing/2014/main" id="{7FDC660C-A276-E360-8DD3-33A3606A0374}"/>
+          <p:cNvPr id="6" name="Content Placeholder 5" descr="A picture containing calendar&#10;&#10;Description automatically generated">
+            <a:extLst>
+              <a:ext uri="{FF2B5EF4-FFF2-40B4-BE49-F238E27FC236}">
+                <a16:creationId xmlns:a16="http://schemas.microsoft.com/office/drawing/2014/main" id="{DA1F8619-084B-2E29-2B4A-7556B352C6D4}"/>
               </a:ext>
             </a:extLst>
           </p:cNvPr>
@@ -7328,8 +7617,8 @@
         </p:blipFill>
         <p:spPr>
           <a:xfrm>
-            <a:off x="685800" y="1564247"/>
-            <a:ext cx="7772400" cy="3958106"/>
+            <a:off x="685800" y="1530314"/>
+            <a:ext cx="7772400" cy="4025972"/>
           </a:xfrm>
         </p:spPr>
       </p:pic>
@@ -8107,10 +8396,10 @@
       </p:sp>
       <p:pic>
         <p:nvPicPr>
-          <p:cNvPr id="9" name="内容占位符 8">
-            <a:extLst>
-              <a:ext uri="{FF2B5EF4-FFF2-40B4-BE49-F238E27FC236}">
-                <a16:creationId xmlns:a16="http://schemas.microsoft.com/office/drawing/2014/main" id="{3047CD55-112C-107A-F2E2-FF10B5420B93}"/>
+          <p:cNvPr id="6" name="Content Placeholder 5" descr="Graphical user interface, text, application&#10;&#10;Description automatically generated">
+            <a:extLst>
+              <a:ext uri="{FF2B5EF4-FFF2-40B4-BE49-F238E27FC236}">
+                <a16:creationId xmlns:a16="http://schemas.microsoft.com/office/drawing/2014/main" id="{AA969BD6-C9B0-2647-BAB2-72E3B7158437}"/>
               </a:ext>
             </a:extLst>
           </p:cNvPr>
@@ -8135,8 +8424,8 @@
         </p:blipFill>
         <p:spPr>
           <a:xfrm>
-            <a:off x="755576" y="1449947"/>
-            <a:ext cx="7772400" cy="3958106"/>
+            <a:off x="685800" y="1530314"/>
+            <a:ext cx="7772400" cy="4025972"/>
           </a:xfrm>
         </p:spPr>
       </p:pic>
@@ -8461,10 +8750,10 @@
       </p:sp>
       <p:pic>
         <p:nvPicPr>
-          <p:cNvPr id="10" name="内容占位符 9">
-            <a:extLst>
-              <a:ext uri="{FF2B5EF4-FFF2-40B4-BE49-F238E27FC236}">
-                <a16:creationId xmlns:a16="http://schemas.microsoft.com/office/drawing/2014/main" id="{895C56A5-4D66-140E-04CC-200CEC6B33BD}"/>
+          <p:cNvPr id="6" name="Content Placeholder 5" descr="Chart&#10;&#10;Description automatically generated">
+            <a:extLst>
+              <a:ext uri="{FF2B5EF4-FFF2-40B4-BE49-F238E27FC236}">
+                <a16:creationId xmlns:a16="http://schemas.microsoft.com/office/drawing/2014/main" id="{8452E53C-1F88-64CE-3D2B-F70BADC429B0}"/>
               </a:ext>
             </a:extLst>
           </p:cNvPr>
@@ -8489,8 +8778,8 @@
         </p:blipFill>
         <p:spPr>
           <a:xfrm>
-            <a:off x="685800" y="1564247"/>
-            <a:ext cx="7772400" cy="3958106"/>
+            <a:off x="685800" y="1530314"/>
+            <a:ext cx="7772400" cy="4025972"/>
           </a:xfrm>
         </p:spPr>
       </p:pic>
@@ -8717,10 +9006,10 @@
       </p:sp>
       <p:pic>
         <p:nvPicPr>
-          <p:cNvPr id="10" name="内容占位符 9">
-            <a:extLst>
-              <a:ext uri="{FF2B5EF4-FFF2-40B4-BE49-F238E27FC236}">
-                <a16:creationId xmlns:a16="http://schemas.microsoft.com/office/drawing/2014/main" id="{589D8906-6CC5-AE18-D501-1F906DBA2E59}"/>
+          <p:cNvPr id="6" name="Content Placeholder 5" descr="Chart&#10;&#10;Description automatically generated">
+            <a:extLst>
+              <a:ext uri="{FF2B5EF4-FFF2-40B4-BE49-F238E27FC236}">
+                <a16:creationId xmlns:a16="http://schemas.microsoft.com/office/drawing/2014/main" id="{5DD3F7FA-AFBF-44FB-E8E1-019705E524A9}"/>
               </a:ext>
             </a:extLst>
           </p:cNvPr>
@@ -8745,8 +9034,8 @@
         </p:blipFill>
         <p:spPr>
           <a:xfrm>
-            <a:off x="685800" y="1564247"/>
-            <a:ext cx="7772400" cy="3958106"/>
+            <a:off x="685800" y="1530314"/>
+            <a:ext cx="7772400" cy="4025972"/>
           </a:xfrm>
         </p:spPr>
       </p:pic>
@@ -8973,10 +9262,10 @@
       </p:sp>
       <p:pic>
         <p:nvPicPr>
-          <p:cNvPr id="10" name="内容占位符 9">
-            <a:extLst>
-              <a:ext uri="{FF2B5EF4-FFF2-40B4-BE49-F238E27FC236}">
-                <a16:creationId xmlns:a16="http://schemas.microsoft.com/office/drawing/2014/main" id="{678F0BEA-01FB-6474-2DE7-2B582F0D008F}"/>
+          <p:cNvPr id="6" name="Content Placeholder 5" descr="Chart&#10;&#10;Description automatically generated">
+            <a:extLst>
+              <a:ext uri="{FF2B5EF4-FFF2-40B4-BE49-F238E27FC236}">
+                <a16:creationId xmlns:a16="http://schemas.microsoft.com/office/drawing/2014/main" id="{C2C7980D-70E3-4D8F-194B-56BD569F5ADC}"/>
               </a:ext>
             </a:extLst>
           </p:cNvPr>
@@ -9001,8 +9290,8 @@
         </p:blipFill>
         <p:spPr>
           <a:xfrm>
-            <a:off x="685800" y="1564247"/>
-            <a:ext cx="7772400" cy="3958106"/>
+            <a:off x="685800" y="1530314"/>
+            <a:ext cx="7772400" cy="4025972"/>
           </a:xfrm>
         </p:spPr>
       </p:pic>
@@ -9229,10 +9518,10 @@
       </p:sp>
       <p:pic>
         <p:nvPicPr>
-          <p:cNvPr id="10" name="内容占位符 9">
-            <a:extLst>
-              <a:ext uri="{FF2B5EF4-FFF2-40B4-BE49-F238E27FC236}">
-                <a16:creationId xmlns:a16="http://schemas.microsoft.com/office/drawing/2014/main" id="{5448A35C-BA44-B9B2-6467-EE82AF3578F6}"/>
+          <p:cNvPr id="6" name="Content Placeholder 5" descr="Graphical user interface, application&#10;&#10;Description automatically generated with medium confidence">
+            <a:extLst>
+              <a:ext uri="{FF2B5EF4-FFF2-40B4-BE49-F238E27FC236}">
+                <a16:creationId xmlns:a16="http://schemas.microsoft.com/office/drawing/2014/main" id="{22C2381F-BFB0-D691-1BB4-68494BC9E378}"/>
               </a:ext>
             </a:extLst>
           </p:cNvPr>
@@ -9257,8 +9546,8 @@
         </p:blipFill>
         <p:spPr>
           <a:xfrm>
-            <a:off x="685800" y="1564247"/>
-            <a:ext cx="7772400" cy="3958106"/>
+            <a:off x="685800" y="1530314"/>
+            <a:ext cx="7772400" cy="4025972"/>
           </a:xfrm>
         </p:spPr>
       </p:pic>

--- a/Presentation/frozen_orbit1.pptx
+++ b/Presentation/frozen_orbit1.pptx
@@ -182,7 +182,6 @@
 <p1510:revInfo xmlns:a="http://schemas.openxmlformats.org/drawingml/2006/main" xmlns:r="http://schemas.openxmlformats.org/officeDocument/2006/relationships" xmlns:p1510="http://schemas.microsoft.com/office/powerpoint/2015/10/main">
   <p1510:revLst>
     <p1510:client id="{31473BE9-0D82-4ABB-A311-CB31F9F364DA}" v="83" dt="2022-11-28T12:17:32.979"/>
-    <p1510:client id="{D35B35E3-E0DF-441C-8EAA-AE91011677CB}" v="29" dt="2022-11-28T17:04:45.591"/>
   </p1510:revLst>
 </p1510:revInfo>
 </file>
@@ -1166,294 +1165,6 @@
             <ac:spMk id="3" creationId="{52300C93-EBAB-2E27-9035-E8F3E5857265}"/>
           </ac:spMkLst>
         </pc:spChg>
-      </pc:sldChg>
-    </pc:docChg>
-  </pc:docChgLst>
-  <pc:docChgLst>
-    <pc:chgData name="Ziqing Yu" userId="76dbd0bb75f3aa62" providerId="LiveId" clId="{D35B35E3-E0DF-441C-8EAA-AE91011677CB}"/>
-    <pc:docChg chg="modSld">
-      <pc:chgData name="Ziqing Yu" userId="76dbd0bb75f3aa62" providerId="LiveId" clId="{D35B35E3-E0DF-441C-8EAA-AE91011677CB}" dt="2022-11-28T17:04:45.591" v="32" actId="962"/>
-      <pc:docMkLst>
-        <pc:docMk/>
-      </pc:docMkLst>
-      <pc:sldChg chg="addSp delSp modSp mod">
-        <pc:chgData name="Ziqing Yu" userId="76dbd0bb75f3aa62" providerId="LiveId" clId="{D35B35E3-E0DF-441C-8EAA-AE91011677CB}" dt="2022-11-28T17:03:25.311" v="2" actId="27614"/>
-        <pc:sldMkLst>
-          <pc:docMk/>
-          <pc:sldMk cId="1143448818" sldId="331"/>
-        </pc:sldMkLst>
-        <pc:spChg chg="add del mod">
-          <ac:chgData name="Ziqing Yu" userId="76dbd0bb75f3aa62" providerId="LiveId" clId="{D35B35E3-E0DF-441C-8EAA-AE91011677CB}" dt="2022-11-28T17:03:23.323" v="1"/>
-          <ac:spMkLst>
-            <pc:docMk/>
-            <pc:sldMk cId="1143448818" sldId="331"/>
-            <ac:spMk id="3" creationId="{3D317416-33F9-BD9B-C754-B71E66A3C707}"/>
-          </ac:spMkLst>
-        </pc:spChg>
-        <pc:picChg chg="add mod">
-          <ac:chgData name="Ziqing Yu" userId="76dbd0bb75f3aa62" providerId="LiveId" clId="{D35B35E3-E0DF-441C-8EAA-AE91011677CB}" dt="2022-11-28T17:03:25.311" v="2" actId="27614"/>
-          <ac:picMkLst>
-            <pc:docMk/>
-            <pc:sldMk cId="1143448818" sldId="331"/>
-            <ac:picMk id="6" creationId="{8452E53C-1F88-64CE-3D2B-F70BADC429B0}"/>
-          </ac:picMkLst>
-        </pc:picChg>
-        <pc:picChg chg="del">
-          <ac:chgData name="Ziqing Yu" userId="76dbd0bb75f3aa62" providerId="LiveId" clId="{D35B35E3-E0DF-441C-8EAA-AE91011677CB}" dt="2022-11-28T17:03:22.286" v="0" actId="478"/>
-          <ac:picMkLst>
-            <pc:docMk/>
-            <pc:sldMk cId="1143448818" sldId="331"/>
-            <ac:picMk id="10" creationId="{895C56A5-4D66-140E-04CC-200CEC6B33BD}"/>
-          </ac:picMkLst>
-        </pc:picChg>
-      </pc:sldChg>
-      <pc:sldChg chg="addSp delSp modSp">
-        <pc:chgData name="Ziqing Yu" userId="76dbd0bb75f3aa62" providerId="LiveId" clId="{D35B35E3-E0DF-441C-8EAA-AE91011677CB}" dt="2022-11-28T17:03:33.389" v="6" actId="962"/>
-        <pc:sldMkLst>
-          <pc:docMk/>
-          <pc:sldMk cId="3235998305" sldId="333"/>
-        </pc:sldMkLst>
-        <pc:spChg chg="add del mod">
-          <ac:chgData name="Ziqing Yu" userId="76dbd0bb75f3aa62" providerId="LiveId" clId="{D35B35E3-E0DF-441C-8EAA-AE91011677CB}" dt="2022-11-28T17:03:31.835" v="4"/>
-          <ac:spMkLst>
-            <pc:docMk/>
-            <pc:sldMk cId="3235998305" sldId="333"/>
-            <ac:spMk id="3" creationId="{ECECDAB3-4ACE-B19B-222C-40B6E0ADE24A}"/>
-          </ac:spMkLst>
-        </pc:spChg>
-        <pc:picChg chg="add mod">
-          <ac:chgData name="Ziqing Yu" userId="76dbd0bb75f3aa62" providerId="LiveId" clId="{D35B35E3-E0DF-441C-8EAA-AE91011677CB}" dt="2022-11-28T17:03:33.389" v="6" actId="962"/>
-          <ac:picMkLst>
-            <pc:docMk/>
-            <pc:sldMk cId="3235998305" sldId="333"/>
-            <ac:picMk id="6" creationId="{5DD3F7FA-AFBF-44FB-E8E1-019705E524A9}"/>
-          </ac:picMkLst>
-        </pc:picChg>
-        <pc:picChg chg="del">
-          <ac:chgData name="Ziqing Yu" userId="76dbd0bb75f3aa62" providerId="LiveId" clId="{D35B35E3-E0DF-441C-8EAA-AE91011677CB}" dt="2022-11-28T17:03:29.090" v="3" actId="478"/>
-          <ac:picMkLst>
-            <pc:docMk/>
-            <pc:sldMk cId="3235998305" sldId="333"/>
-            <ac:picMk id="10" creationId="{589D8906-6CC5-AE18-D501-1F906DBA2E59}"/>
-          </ac:picMkLst>
-        </pc:picChg>
-      </pc:sldChg>
-      <pc:sldChg chg="addSp delSp modSp">
-        <pc:chgData name="Ziqing Yu" userId="76dbd0bb75f3aa62" providerId="LiveId" clId="{D35B35E3-E0DF-441C-8EAA-AE91011677CB}" dt="2022-11-28T17:03:46.560" v="13" actId="962"/>
-        <pc:sldMkLst>
-          <pc:docMk/>
-          <pc:sldMk cId="1093912996" sldId="335"/>
-        </pc:sldMkLst>
-        <pc:spChg chg="add del mod">
-          <ac:chgData name="Ziqing Yu" userId="76dbd0bb75f3aa62" providerId="LiveId" clId="{D35B35E3-E0DF-441C-8EAA-AE91011677CB}" dt="2022-11-28T17:03:45.066" v="11"/>
-          <ac:spMkLst>
-            <pc:docMk/>
-            <pc:sldMk cId="1093912996" sldId="335"/>
-            <ac:spMk id="3" creationId="{04FF75D2-841A-4C89-AED9-56DF99523815}"/>
-          </ac:spMkLst>
-        </pc:spChg>
-        <pc:picChg chg="add mod">
-          <ac:chgData name="Ziqing Yu" userId="76dbd0bb75f3aa62" providerId="LiveId" clId="{D35B35E3-E0DF-441C-8EAA-AE91011677CB}" dt="2022-11-28T17:03:46.560" v="13" actId="962"/>
-          <ac:picMkLst>
-            <pc:docMk/>
-            <pc:sldMk cId="1093912996" sldId="335"/>
-            <ac:picMk id="6" creationId="{22C2381F-BFB0-D691-1BB4-68494BC9E378}"/>
-          </ac:picMkLst>
-        </pc:picChg>
-        <pc:picChg chg="del">
-          <ac:chgData name="Ziqing Yu" userId="76dbd0bb75f3aa62" providerId="LiveId" clId="{D35B35E3-E0DF-441C-8EAA-AE91011677CB}" dt="2022-11-28T17:03:42.876" v="10" actId="478"/>
-          <ac:picMkLst>
-            <pc:docMk/>
-            <pc:sldMk cId="1093912996" sldId="335"/>
-            <ac:picMk id="10" creationId="{5448A35C-BA44-B9B2-6467-EE82AF3578F6}"/>
-          </ac:picMkLst>
-        </pc:picChg>
-      </pc:sldChg>
-      <pc:sldChg chg="addSp delSp modSp mod">
-        <pc:chgData name="Ziqing Yu" userId="76dbd0bb75f3aa62" providerId="LiveId" clId="{D35B35E3-E0DF-441C-8EAA-AE91011677CB}" dt="2022-11-28T17:03:54.149" v="16" actId="27614"/>
-        <pc:sldMkLst>
-          <pc:docMk/>
-          <pc:sldMk cId="771101650" sldId="337"/>
-        </pc:sldMkLst>
-        <pc:spChg chg="add del mod">
-          <ac:chgData name="Ziqing Yu" userId="76dbd0bb75f3aa62" providerId="LiveId" clId="{D35B35E3-E0DF-441C-8EAA-AE91011677CB}" dt="2022-11-28T17:03:52.394" v="15"/>
-          <ac:spMkLst>
-            <pc:docMk/>
-            <pc:sldMk cId="771101650" sldId="337"/>
-            <ac:spMk id="3" creationId="{5228196E-A89E-32F2-2982-B0E9B7148E77}"/>
-          </ac:spMkLst>
-        </pc:spChg>
-        <pc:picChg chg="add mod">
-          <ac:chgData name="Ziqing Yu" userId="76dbd0bb75f3aa62" providerId="LiveId" clId="{D35B35E3-E0DF-441C-8EAA-AE91011677CB}" dt="2022-11-28T17:03:54.149" v="16" actId="27614"/>
-          <ac:picMkLst>
-            <pc:docMk/>
-            <pc:sldMk cId="771101650" sldId="337"/>
-            <ac:picMk id="6" creationId="{0FD6B1D9-3272-B013-CA06-19ACAA70ACD6}"/>
-          </ac:picMkLst>
-        </pc:picChg>
-        <pc:picChg chg="del">
-          <ac:chgData name="Ziqing Yu" userId="76dbd0bb75f3aa62" providerId="LiveId" clId="{D35B35E3-E0DF-441C-8EAA-AE91011677CB}" dt="2022-11-28T17:03:50.101" v="14" actId="478"/>
-          <ac:picMkLst>
-            <pc:docMk/>
-            <pc:sldMk cId="771101650" sldId="337"/>
-            <ac:picMk id="10" creationId="{8E2ED661-6EA3-5136-BC6D-DA55864EF0BB}"/>
-          </ac:picMkLst>
-        </pc:picChg>
-      </pc:sldChg>
-      <pc:sldChg chg="addSp delSp modSp mod">
-        <pc:chgData name="Ziqing Yu" userId="76dbd0bb75f3aa62" providerId="LiveId" clId="{D35B35E3-E0DF-441C-8EAA-AE91011677CB}" dt="2022-11-28T17:04:18.613" v="19" actId="27614"/>
-        <pc:sldMkLst>
-          <pc:docMk/>
-          <pc:sldMk cId="3074370798" sldId="339"/>
-        </pc:sldMkLst>
-        <pc:spChg chg="add del mod">
-          <ac:chgData name="Ziqing Yu" userId="76dbd0bb75f3aa62" providerId="LiveId" clId="{D35B35E3-E0DF-441C-8EAA-AE91011677CB}" dt="2022-11-28T17:04:17.107" v="18"/>
-          <ac:spMkLst>
-            <pc:docMk/>
-            <pc:sldMk cId="3074370798" sldId="339"/>
-            <ac:spMk id="3" creationId="{7D40FE72-139E-13F3-89D1-B80EE9BA582C}"/>
-          </ac:spMkLst>
-        </pc:spChg>
-        <pc:picChg chg="add mod">
-          <ac:chgData name="Ziqing Yu" userId="76dbd0bb75f3aa62" providerId="LiveId" clId="{D35B35E3-E0DF-441C-8EAA-AE91011677CB}" dt="2022-11-28T17:04:18.613" v="19" actId="27614"/>
-          <ac:picMkLst>
-            <pc:docMk/>
-            <pc:sldMk cId="3074370798" sldId="339"/>
-            <ac:picMk id="6" creationId="{13470257-0DC5-2C57-219A-1BA54EBD05B2}"/>
-          </ac:picMkLst>
-        </pc:picChg>
-        <pc:picChg chg="del">
-          <ac:chgData name="Ziqing Yu" userId="76dbd0bb75f3aa62" providerId="LiveId" clId="{D35B35E3-E0DF-441C-8EAA-AE91011677CB}" dt="2022-11-28T17:04:11.824" v="17" actId="478"/>
-          <ac:picMkLst>
-            <pc:docMk/>
-            <pc:sldMk cId="3074370798" sldId="339"/>
-            <ac:picMk id="10" creationId="{BFC187BE-1477-7C92-6FDF-928BB5648590}"/>
-          </ac:picMkLst>
-        </pc:picChg>
-      </pc:sldChg>
-      <pc:sldChg chg="addSp delSp modSp">
-        <pc:chgData name="Ziqing Yu" userId="76dbd0bb75f3aa62" providerId="LiveId" clId="{D35B35E3-E0DF-441C-8EAA-AE91011677CB}" dt="2022-11-28T17:04:33.278" v="23" actId="962"/>
-        <pc:sldMkLst>
-          <pc:docMk/>
-          <pc:sldMk cId="2180464758" sldId="341"/>
-        </pc:sldMkLst>
-        <pc:spChg chg="add del mod">
-          <ac:chgData name="Ziqing Yu" userId="76dbd0bb75f3aa62" providerId="LiveId" clId="{D35B35E3-E0DF-441C-8EAA-AE91011677CB}" dt="2022-11-28T17:04:32.487" v="21"/>
-          <ac:spMkLst>
-            <pc:docMk/>
-            <pc:sldMk cId="2180464758" sldId="341"/>
-            <ac:spMk id="3" creationId="{ABC48B8E-8331-AA15-8135-E6FC1D9F23CB}"/>
-          </ac:spMkLst>
-        </pc:spChg>
-        <pc:picChg chg="add mod">
-          <ac:chgData name="Ziqing Yu" userId="76dbd0bb75f3aa62" providerId="LiveId" clId="{D35B35E3-E0DF-441C-8EAA-AE91011677CB}" dt="2022-11-28T17:04:33.278" v="23" actId="962"/>
-          <ac:picMkLst>
-            <pc:docMk/>
-            <pc:sldMk cId="2180464758" sldId="341"/>
-            <ac:picMk id="6" creationId="{BE111668-DCAE-2BA3-4544-E6385E0CA831}"/>
-          </ac:picMkLst>
-        </pc:picChg>
-        <pc:picChg chg="del">
-          <ac:chgData name="Ziqing Yu" userId="76dbd0bb75f3aa62" providerId="LiveId" clId="{D35B35E3-E0DF-441C-8EAA-AE91011677CB}" dt="2022-11-28T17:04:28.242" v="20" actId="478"/>
-          <ac:picMkLst>
-            <pc:docMk/>
-            <pc:sldMk cId="2180464758" sldId="341"/>
-            <ac:picMk id="10" creationId="{0E7D6C4D-BD41-2457-B378-6CE5307EDEDF}"/>
-          </ac:picMkLst>
-        </pc:picChg>
-      </pc:sldChg>
-      <pc:sldChg chg="addSp delSp modSp">
-        <pc:chgData name="Ziqing Yu" userId="76dbd0bb75f3aa62" providerId="LiveId" clId="{D35B35E3-E0DF-441C-8EAA-AE91011677CB}" dt="2022-11-28T17:04:38.090" v="27" actId="962"/>
-        <pc:sldMkLst>
-          <pc:docMk/>
-          <pc:sldMk cId="2997382355" sldId="343"/>
-        </pc:sldMkLst>
-        <pc:spChg chg="add del mod">
-          <ac:chgData name="Ziqing Yu" userId="76dbd0bb75f3aa62" providerId="LiveId" clId="{D35B35E3-E0DF-441C-8EAA-AE91011677CB}" dt="2022-11-28T17:04:37.553" v="25"/>
-          <ac:spMkLst>
-            <pc:docMk/>
-            <pc:sldMk cId="2997382355" sldId="343"/>
-            <ac:spMk id="3" creationId="{3ABC756D-7A6B-C765-968C-95F66A81F13D}"/>
-          </ac:spMkLst>
-        </pc:spChg>
-        <pc:picChg chg="add mod">
-          <ac:chgData name="Ziqing Yu" userId="76dbd0bb75f3aa62" providerId="LiveId" clId="{D35B35E3-E0DF-441C-8EAA-AE91011677CB}" dt="2022-11-28T17:04:38.090" v="27" actId="962"/>
-          <ac:picMkLst>
-            <pc:docMk/>
-            <pc:sldMk cId="2997382355" sldId="343"/>
-            <ac:picMk id="6" creationId="{DA1F8619-084B-2E29-2B4A-7556B352C6D4}"/>
-          </ac:picMkLst>
-        </pc:picChg>
-        <pc:picChg chg="del">
-          <ac:chgData name="Ziqing Yu" userId="76dbd0bb75f3aa62" providerId="LiveId" clId="{D35B35E3-E0DF-441C-8EAA-AE91011677CB}" dt="2022-11-28T17:04:34.705" v="24" actId="478"/>
-          <ac:picMkLst>
-            <pc:docMk/>
-            <pc:sldMk cId="2997382355" sldId="343"/>
-            <ac:picMk id="10" creationId="{7FDC660C-A276-E360-8DD3-33A3606A0374}"/>
-          </ac:picMkLst>
-        </pc:picChg>
-      </pc:sldChg>
-      <pc:sldChg chg="addSp delSp modSp mod">
-        <pc:chgData name="Ziqing Yu" userId="76dbd0bb75f3aa62" providerId="LiveId" clId="{D35B35E3-E0DF-441C-8EAA-AE91011677CB}" dt="2022-11-28T17:03:42.461" v="9" actId="27614"/>
-        <pc:sldMkLst>
-          <pc:docMk/>
-          <pc:sldMk cId="2225581001" sldId="345"/>
-        </pc:sldMkLst>
-        <pc:spChg chg="add del mod">
-          <ac:chgData name="Ziqing Yu" userId="76dbd0bb75f3aa62" providerId="LiveId" clId="{D35B35E3-E0DF-441C-8EAA-AE91011677CB}" dt="2022-11-28T17:03:40.207" v="8"/>
-          <ac:spMkLst>
-            <pc:docMk/>
-            <pc:sldMk cId="2225581001" sldId="345"/>
-            <ac:spMk id="3" creationId="{122E6B56-64A8-A966-5AD0-79F782C57F46}"/>
-          </ac:spMkLst>
-        </pc:spChg>
-        <pc:picChg chg="add mod">
-          <ac:chgData name="Ziqing Yu" userId="76dbd0bb75f3aa62" providerId="LiveId" clId="{D35B35E3-E0DF-441C-8EAA-AE91011677CB}" dt="2022-11-28T17:03:42.461" v="9" actId="27614"/>
-          <ac:picMkLst>
-            <pc:docMk/>
-            <pc:sldMk cId="2225581001" sldId="345"/>
-            <ac:picMk id="6" creationId="{C2C7980D-70E3-4D8F-194B-56BD569F5ADC}"/>
-          </ac:picMkLst>
-        </pc:picChg>
-        <pc:picChg chg="del">
-          <ac:chgData name="Ziqing Yu" userId="76dbd0bb75f3aa62" providerId="LiveId" clId="{D35B35E3-E0DF-441C-8EAA-AE91011677CB}" dt="2022-11-28T17:03:37.756" v="7" actId="478"/>
-          <ac:picMkLst>
-            <pc:docMk/>
-            <pc:sldMk cId="2225581001" sldId="345"/>
-            <ac:picMk id="10" creationId="{678F0BEA-01FB-6474-2DE7-2B582F0D008F}"/>
-          </ac:picMkLst>
-        </pc:picChg>
-      </pc:sldChg>
-      <pc:sldChg chg="addSp delSp modSp">
-        <pc:chgData name="Ziqing Yu" userId="76dbd0bb75f3aa62" providerId="LiveId" clId="{D35B35E3-E0DF-441C-8EAA-AE91011677CB}" dt="2022-11-28T17:04:45.591" v="32" actId="962"/>
-        <pc:sldMkLst>
-          <pc:docMk/>
-          <pc:sldMk cId="3534031894" sldId="348"/>
-        </pc:sldMkLst>
-        <pc:spChg chg="add del mod">
-          <ac:chgData name="Ziqing Yu" userId="76dbd0bb75f3aa62" providerId="LiveId" clId="{D35B35E3-E0DF-441C-8EAA-AE91011677CB}" dt="2022-11-28T17:04:44.858" v="30"/>
-          <ac:spMkLst>
-            <pc:docMk/>
-            <pc:sldMk cId="3534031894" sldId="348"/>
-            <ac:spMk id="3" creationId="{34927EA6-7A85-8D42-682E-E7F8F106198F}"/>
-          </ac:spMkLst>
-        </pc:spChg>
-        <pc:picChg chg="add mod">
-          <ac:chgData name="Ziqing Yu" userId="76dbd0bb75f3aa62" providerId="LiveId" clId="{D35B35E3-E0DF-441C-8EAA-AE91011677CB}" dt="2022-11-28T17:04:45.591" v="32" actId="962"/>
-          <ac:picMkLst>
-            <pc:docMk/>
-            <pc:sldMk cId="3534031894" sldId="348"/>
-            <ac:picMk id="6" creationId="{AA969BD6-C9B0-2647-BAB2-72E3B7158437}"/>
-          </ac:picMkLst>
-        </pc:picChg>
-        <pc:picChg chg="del mod">
-          <ac:chgData name="Ziqing Yu" userId="76dbd0bb75f3aa62" providerId="LiveId" clId="{D35B35E3-E0DF-441C-8EAA-AE91011677CB}" dt="2022-11-28T17:04:43.794" v="29" actId="478"/>
-          <ac:picMkLst>
-            <pc:docMk/>
-            <pc:sldMk cId="3534031894" sldId="348"/>
-            <ac:picMk id="9" creationId="{3047CD55-112C-107A-F2E2-FF10B5420B93}"/>
-          </ac:picMkLst>
-        </pc:picChg>
       </pc:sldChg>
     </pc:docChg>
   </pc:docChgLst>
@@ -6584,6 +6295,41 @@
           </a:p>
         </p:txBody>
       </p:sp>
+      <p:pic>
+        <p:nvPicPr>
+          <p:cNvPr id="10" name="内容占位符 9">
+            <a:extLst>
+              <a:ext uri="{FF2B5EF4-FFF2-40B4-BE49-F238E27FC236}">
+                <a16:creationId xmlns:a16="http://schemas.microsoft.com/office/drawing/2014/main" id="{8E2ED661-6EA3-5136-BC6D-DA55864EF0BB}"/>
+              </a:ext>
+            </a:extLst>
+          </p:cNvPr>
+          <p:cNvPicPr>
+            <a:picLocks noGrp="1" noChangeAspect="1"/>
+          </p:cNvPicPr>
+          <p:nvPr>
+            <p:ph idx="1"/>
+          </p:nvPr>
+        </p:nvPicPr>
+        <p:blipFill>
+          <a:blip r:embed="rId2">
+            <a:extLst>
+              <a:ext uri="{28A0092B-C50C-407E-A947-70E740481C1C}">
+                <a14:useLocalDpi xmlns:a14="http://schemas.microsoft.com/office/drawing/2010/main" val="0"/>
+              </a:ext>
+            </a:extLst>
+          </a:blip>
+          <a:stretch>
+            <a:fillRect/>
+          </a:stretch>
+        </p:blipFill>
+        <p:spPr>
+          <a:xfrm>
+            <a:off x="685800" y="1564247"/>
+            <a:ext cx="7772400" cy="3958106"/>
+          </a:xfrm>
+        </p:spPr>
+      </p:pic>
       <p:sp>
         <p:nvSpPr>
           <p:cNvPr id="11" name="文本框 10">
@@ -6642,7 +6388,7 @@
             </a:r>
             <a:r>
               <a:rPr lang="en-US" altLang="zh-CN" sz="1200" dirty="0">
-                <a:hlinkClick r:id="rId2"/>
+                <a:hlinkClick r:id="rId3"/>
               </a:rPr>
               <a:t>https://sentinel.esa.int/documents/247904/3358207/Sentinel-3-Mission-Status-Report-20-November-2018</a:t>
             </a:r>
@@ -6650,41 +6396,6 @@
           </a:p>
         </p:txBody>
       </p:sp>
-      <p:pic>
-        <p:nvPicPr>
-          <p:cNvPr id="6" name="Content Placeholder 5" descr="A picture containing diagram&#10;&#10;Description automatically generated">
-            <a:extLst>
-              <a:ext uri="{FF2B5EF4-FFF2-40B4-BE49-F238E27FC236}">
-                <a16:creationId xmlns:a16="http://schemas.microsoft.com/office/drawing/2014/main" id="{0FD6B1D9-3272-B013-CA06-19ACAA70ACD6}"/>
-              </a:ext>
-            </a:extLst>
-          </p:cNvPr>
-          <p:cNvPicPr>
-            <a:picLocks noGrp="1" noChangeAspect="1"/>
-          </p:cNvPicPr>
-          <p:nvPr>
-            <p:ph idx="1"/>
-          </p:nvPr>
-        </p:nvPicPr>
-        <p:blipFill>
-          <a:blip r:embed="rId3">
-            <a:extLst>
-              <a:ext uri="{28A0092B-C50C-407E-A947-70E740481C1C}">
-                <a14:useLocalDpi xmlns:a14="http://schemas.microsoft.com/office/drawing/2010/main" val="0"/>
-              </a:ext>
-            </a:extLst>
-          </a:blip>
-          <a:stretch>
-            <a:fillRect/>
-          </a:stretch>
-        </p:blipFill>
-        <p:spPr>
-          <a:xfrm>
-            <a:off x="685800" y="1530314"/>
-            <a:ext cx="7772400" cy="4025972"/>
-          </a:xfrm>
-        </p:spPr>
-      </p:pic>
     </p:spTree>
     <p:extLst>
       <p:ext uri="{BB962C8B-B14F-4D97-AF65-F5344CB8AC3E}">
@@ -7077,10 +6788,10 @@
       </p:sp>
       <p:pic>
         <p:nvPicPr>
-          <p:cNvPr id="6" name="Content Placeholder 5" descr="A picture containing application&#10;&#10;Description automatically generated">
-            <a:extLst>
-              <a:ext uri="{FF2B5EF4-FFF2-40B4-BE49-F238E27FC236}">
-                <a16:creationId xmlns:a16="http://schemas.microsoft.com/office/drawing/2014/main" id="{13470257-0DC5-2C57-219A-1BA54EBD05B2}"/>
+          <p:cNvPr id="10" name="内容占位符 9">
+            <a:extLst>
+              <a:ext uri="{FF2B5EF4-FFF2-40B4-BE49-F238E27FC236}">
+                <a16:creationId xmlns:a16="http://schemas.microsoft.com/office/drawing/2014/main" id="{BFC187BE-1477-7C92-6FDF-928BB5648590}"/>
               </a:ext>
             </a:extLst>
           </p:cNvPr>
@@ -7105,8 +6816,8 @@
         </p:blipFill>
         <p:spPr>
           <a:xfrm>
-            <a:off x="685800" y="1530314"/>
-            <a:ext cx="7772400" cy="4025972"/>
+            <a:off x="685800" y="1564247"/>
+            <a:ext cx="7772400" cy="3958106"/>
           </a:xfrm>
         </p:spPr>
       </p:pic>
@@ -7333,10 +7044,10 @@
       </p:sp>
       <p:pic>
         <p:nvPicPr>
-          <p:cNvPr id="6" name="Content Placeholder 5" descr="A picture containing calendar&#10;&#10;Description automatically generated">
-            <a:extLst>
-              <a:ext uri="{FF2B5EF4-FFF2-40B4-BE49-F238E27FC236}">
-                <a16:creationId xmlns:a16="http://schemas.microsoft.com/office/drawing/2014/main" id="{BE111668-DCAE-2BA3-4544-E6385E0CA831}"/>
+          <p:cNvPr id="10" name="内容占位符 9">
+            <a:extLst>
+              <a:ext uri="{FF2B5EF4-FFF2-40B4-BE49-F238E27FC236}">
+                <a16:creationId xmlns:a16="http://schemas.microsoft.com/office/drawing/2014/main" id="{0E7D6C4D-BD41-2457-B378-6CE5307EDEDF}"/>
               </a:ext>
             </a:extLst>
           </p:cNvPr>
@@ -7361,8 +7072,8 @@
         </p:blipFill>
         <p:spPr>
           <a:xfrm>
-            <a:off x="685800" y="1530314"/>
-            <a:ext cx="7772400" cy="4025972"/>
+            <a:off x="685800" y="1564247"/>
+            <a:ext cx="7772400" cy="3958106"/>
           </a:xfrm>
         </p:spPr>
       </p:pic>
@@ -7589,10 +7300,10 @@
       </p:sp>
       <p:pic>
         <p:nvPicPr>
-          <p:cNvPr id="6" name="Content Placeholder 5" descr="A picture containing calendar&#10;&#10;Description automatically generated">
-            <a:extLst>
-              <a:ext uri="{FF2B5EF4-FFF2-40B4-BE49-F238E27FC236}">
-                <a16:creationId xmlns:a16="http://schemas.microsoft.com/office/drawing/2014/main" id="{DA1F8619-084B-2E29-2B4A-7556B352C6D4}"/>
+          <p:cNvPr id="10" name="内容占位符 9">
+            <a:extLst>
+              <a:ext uri="{FF2B5EF4-FFF2-40B4-BE49-F238E27FC236}">
+                <a16:creationId xmlns:a16="http://schemas.microsoft.com/office/drawing/2014/main" id="{7FDC660C-A276-E360-8DD3-33A3606A0374}"/>
               </a:ext>
             </a:extLst>
           </p:cNvPr>
@@ -7617,8 +7328,8 @@
         </p:blipFill>
         <p:spPr>
           <a:xfrm>
-            <a:off x="685800" y="1530314"/>
-            <a:ext cx="7772400" cy="4025972"/>
+            <a:off x="685800" y="1564247"/>
+            <a:ext cx="7772400" cy="3958106"/>
           </a:xfrm>
         </p:spPr>
       </p:pic>
@@ -8396,10 +8107,10 @@
       </p:sp>
       <p:pic>
         <p:nvPicPr>
-          <p:cNvPr id="6" name="Content Placeholder 5" descr="Graphical user interface, text, application&#10;&#10;Description automatically generated">
-            <a:extLst>
-              <a:ext uri="{FF2B5EF4-FFF2-40B4-BE49-F238E27FC236}">
-                <a16:creationId xmlns:a16="http://schemas.microsoft.com/office/drawing/2014/main" id="{AA969BD6-C9B0-2647-BAB2-72E3B7158437}"/>
+          <p:cNvPr id="9" name="内容占位符 8">
+            <a:extLst>
+              <a:ext uri="{FF2B5EF4-FFF2-40B4-BE49-F238E27FC236}">
+                <a16:creationId xmlns:a16="http://schemas.microsoft.com/office/drawing/2014/main" id="{3047CD55-112C-107A-F2E2-FF10B5420B93}"/>
               </a:ext>
             </a:extLst>
           </p:cNvPr>
@@ -8424,8 +8135,8 @@
         </p:blipFill>
         <p:spPr>
           <a:xfrm>
-            <a:off x="685800" y="1530314"/>
-            <a:ext cx="7772400" cy="4025972"/>
+            <a:off x="755576" y="1449947"/>
+            <a:ext cx="7772400" cy="3958106"/>
           </a:xfrm>
         </p:spPr>
       </p:pic>
@@ -8750,10 +8461,10 @@
       </p:sp>
       <p:pic>
         <p:nvPicPr>
-          <p:cNvPr id="6" name="Content Placeholder 5" descr="Chart&#10;&#10;Description automatically generated">
-            <a:extLst>
-              <a:ext uri="{FF2B5EF4-FFF2-40B4-BE49-F238E27FC236}">
-                <a16:creationId xmlns:a16="http://schemas.microsoft.com/office/drawing/2014/main" id="{8452E53C-1F88-64CE-3D2B-F70BADC429B0}"/>
+          <p:cNvPr id="10" name="内容占位符 9">
+            <a:extLst>
+              <a:ext uri="{FF2B5EF4-FFF2-40B4-BE49-F238E27FC236}">
+                <a16:creationId xmlns:a16="http://schemas.microsoft.com/office/drawing/2014/main" id="{895C56A5-4D66-140E-04CC-200CEC6B33BD}"/>
               </a:ext>
             </a:extLst>
           </p:cNvPr>
@@ -8778,8 +8489,8 @@
         </p:blipFill>
         <p:spPr>
           <a:xfrm>
-            <a:off x="685800" y="1530314"/>
-            <a:ext cx="7772400" cy="4025972"/>
+            <a:off x="685800" y="1564247"/>
+            <a:ext cx="7772400" cy="3958106"/>
           </a:xfrm>
         </p:spPr>
       </p:pic>
@@ -9006,10 +8717,10 @@
       </p:sp>
       <p:pic>
         <p:nvPicPr>
-          <p:cNvPr id="6" name="Content Placeholder 5" descr="Chart&#10;&#10;Description automatically generated">
-            <a:extLst>
-              <a:ext uri="{FF2B5EF4-FFF2-40B4-BE49-F238E27FC236}">
-                <a16:creationId xmlns:a16="http://schemas.microsoft.com/office/drawing/2014/main" id="{5DD3F7FA-AFBF-44FB-E8E1-019705E524A9}"/>
+          <p:cNvPr id="10" name="内容占位符 9">
+            <a:extLst>
+              <a:ext uri="{FF2B5EF4-FFF2-40B4-BE49-F238E27FC236}">
+                <a16:creationId xmlns:a16="http://schemas.microsoft.com/office/drawing/2014/main" id="{589D8906-6CC5-AE18-D501-1F906DBA2E59}"/>
               </a:ext>
             </a:extLst>
           </p:cNvPr>
@@ -9034,8 +8745,8 @@
         </p:blipFill>
         <p:spPr>
           <a:xfrm>
-            <a:off x="685800" y="1530314"/>
-            <a:ext cx="7772400" cy="4025972"/>
+            <a:off x="685800" y="1564247"/>
+            <a:ext cx="7772400" cy="3958106"/>
           </a:xfrm>
         </p:spPr>
       </p:pic>
@@ -9262,10 +8973,10 @@
       </p:sp>
       <p:pic>
         <p:nvPicPr>
-          <p:cNvPr id="6" name="Content Placeholder 5" descr="Chart&#10;&#10;Description automatically generated">
-            <a:extLst>
-              <a:ext uri="{FF2B5EF4-FFF2-40B4-BE49-F238E27FC236}">
-                <a16:creationId xmlns:a16="http://schemas.microsoft.com/office/drawing/2014/main" id="{C2C7980D-70E3-4D8F-194B-56BD569F5ADC}"/>
+          <p:cNvPr id="10" name="内容占位符 9">
+            <a:extLst>
+              <a:ext uri="{FF2B5EF4-FFF2-40B4-BE49-F238E27FC236}">
+                <a16:creationId xmlns:a16="http://schemas.microsoft.com/office/drawing/2014/main" id="{678F0BEA-01FB-6474-2DE7-2B582F0D008F}"/>
               </a:ext>
             </a:extLst>
           </p:cNvPr>
@@ -9290,8 +9001,8 @@
         </p:blipFill>
         <p:spPr>
           <a:xfrm>
-            <a:off x="685800" y="1530314"/>
-            <a:ext cx="7772400" cy="4025972"/>
+            <a:off x="685800" y="1564247"/>
+            <a:ext cx="7772400" cy="3958106"/>
           </a:xfrm>
         </p:spPr>
       </p:pic>
@@ -9518,10 +9229,10 @@
       </p:sp>
       <p:pic>
         <p:nvPicPr>
-          <p:cNvPr id="6" name="Content Placeholder 5" descr="Graphical user interface, application&#10;&#10;Description automatically generated with medium confidence">
-            <a:extLst>
-              <a:ext uri="{FF2B5EF4-FFF2-40B4-BE49-F238E27FC236}">
-                <a16:creationId xmlns:a16="http://schemas.microsoft.com/office/drawing/2014/main" id="{22C2381F-BFB0-D691-1BB4-68494BC9E378}"/>
+          <p:cNvPr id="10" name="内容占位符 9">
+            <a:extLst>
+              <a:ext uri="{FF2B5EF4-FFF2-40B4-BE49-F238E27FC236}">
+                <a16:creationId xmlns:a16="http://schemas.microsoft.com/office/drawing/2014/main" id="{5448A35C-BA44-B9B2-6467-EE82AF3578F6}"/>
               </a:ext>
             </a:extLst>
           </p:cNvPr>
@@ -9546,8 +9257,8 @@
         </p:blipFill>
         <p:spPr>
           <a:xfrm>
-            <a:off x="685800" y="1530314"/>
-            <a:ext cx="7772400" cy="4025972"/>
+            <a:off x="685800" y="1564247"/>
+            <a:ext cx="7772400" cy="3958106"/>
           </a:xfrm>
         </p:spPr>
       </p:pic>

--- a/Presentation/frozen_orbit1.pptx
+++ b/Presentation/frozen_orbit1.pptx
@@ -182,6 +182,7 @@
 <p1510:revInfo xmlns:a="http://schemas.openxmlformats.org/drawingml/2006/main" xmlns:r="http://schemas.openxmlformats.org/officeDocument/2006/relationships" xmlns:p1510="http://schemas.microsoft.com/office/powerpoint/2015/10/main">
   <p1510:revLst>
     <p1510:client id="{31473BE9-0D82-4ABB-A311-CB31F9F364DA}" v="83" dt="2022-11-28T12:17:32.979"/>
+    <p1510:client id="{D35B35E3-E0DF-441C-8EAA-AE91011677CB}" v="5" dt="2022-11-28T17:12:14.791"/>
   </p1510:revLst>
 </p1510:revInfo>
 </file>
@@ -1165,6 +1166,46 @@
             <ac:spMk id="3" creationId="{52300C93-EBAB-2E27-9035-E8F3E5857265}"/>
           </ac:spMkLst>
         </pc:spChg>
+      </pc:sldChg>
+    </pc:docChg>
+  </pc:docChgLst>
+  <pc:docChgLst>
+    <pc:chgData name="Ziqing Yu" userId="76dbd0bb75f3aa62" providerId="LiveId" clId="{D35B35E3-E0DF-441C-8EAA-AE91011677CB}"/>
+    <pc:docChg chg="modSld">
+      <pc:chgData name="Ziqing Yu" userId="76dbd0bb75f3aa62" providerId="LiveId" clId="{D35B35E3-E0DF-441C-8EAA-AE91011677CB}" dt="2022-11-28T17:12:14.790" v="4" actId="1076"/>
+      <pc:docMkLst>
+        <pc:docMk/>
+      </pc:docMkLst>
+      <pc:sldChg chg="addSp delSp modSp">
+        <pc:chgData name="Ziqing Yu" userId="76dbd0bb75f3aa62" providerId="LiveId" clId="{D35B35E3-E0DF-441C-8EAA-AE91011677CB}" dt="2022-11-28T17:12:14.790" v="4" actId="1076"/>
+        <pc:sldMkLst>
+          <pc:docMk/>
+          <pc:sldMk cId="4073100235" sldId="347"/>
+        </pc:sldMkLst>
+        <pc:spChg chg="add del mod">
+          <ac:chgData name="Ziqing Yu" userId="76dbd0bb75f3aa62" providerId="LiveId" clId="{D35B35E3-E0DF-441C-8EAA-AE91011677CB}" dt="2022-11-28T17:12:13.116" v="1"/>
+          <ac:spMkLst>
+            <pc:docMk/>
+            <pc:sldMk cId="4073100235" sldId="347"/>
+            <ac:spMk id="3" creationId="{10FE0661-E6D2-C348-C14B-14160EB01E5B}"/>
+          </ac:spMkLst>
+        </pc:spChg>
+        <pc:picChg chg="add mod">
+          <ac:chgData name="Ziqing Yu" userId="76dbd0bb75f3aa62" providerId="LiveId" clId="{D35B35E3-E0DF-441C-8EAA-AE91011677CB}" dt="2022-11-28T17:12:14.790" v="4" actId="1076"/>
+          <ac:picMkLst>
+            <pc:docMk/>
+            <pc:sldMk cId="4073100235" sldId="347"/>
+            <ac:picMk id="6" creationId="{7C0837E7-DDFE-7628-D565-F337296304A8}"/>
+          </ac:picMkLst>
+        </pc:picChg>
+        <pc:picChg chg="del">
+          <ac:chgData name="Ziqing Yu" userId="76dbd0bb75f3aa62" providerId="LiveId" clId="{D35B35E3-E0DF-441C-8EAA-AE91011677CB}" dt="2022-11-28T17:11:52.943" v="0" actId="478"/>
+          <ac:picMkLst>
+            <pc:docMk/>
+            <pc:sldMk cId="4073100235" sldId="347"/>
+            <ac:picMk id="12" creationId="{704F3BC9-331C-66C1-124D-29C57E087D5B}"/>
+          </ac:picMkLst>
+        </pc:picChg>
       </pc:sldChg>
     </pc:docChg>
   </pc:docChgLst>
@@ -6622,41 +6663,6 @@
           </a:p>
         </p:txBody>
       </p:sp>
-      <p:pic>
-        <p:nvPicPr>
-          <p:cNvPr id="12" name="内容占位符 11">
-            <a:extLst>
-              <a:ext uri="{FF2B5EF4-FFF2-40B4-BE49-F238E27FC236}">
-                <a16:creationId xmlns:a16="http://schemas.microsoft.com/office/drawing/2014/main" id="{704F3BC9-331C-66C1-124D-29C57E087D5B}"/>
-              </a:ext>
-            </a:extLst>
-          </p:cNvPr>
-          <p:cNvPicPr>
-            <a:picLocks noGrp="1" noChangeAspect="1"/>
-          </p:cNvPicPr>
-          <p:nvPr>
-            <p:ph idx="1"/>
-          </p:nvPr>
-        </p:nvPicPr>
-        <p:blipFill>
-          <a:blip r:embed="rId2">
-            <a:extLst>
-              <a:ext uri="{28A0092B-C50C-407E-A947-70E740481C1C}">
-                <a14:useLocalDpi xmlns:a14="http://schemas.microsoft.com/office/drawing/2010/main" val="0"/>
-              </a:ext>
-            </a:extLst>
-          </a:blip>
-          <a:stretch>
-            <a:fillRect/>
-          </a:stretch>
-        </p:blipFill>
-        <p:spPr>
-          <a:xfrm>
-            <a:off x="685800" y="1564247"/>
-            <a:ext cx="7772400" cy="3958106"/>
-          </a:xfrm>
-        </p:spPr>
-      </p:pic>
       <p:sp>
         <p:nvSpPr>
           <p:cNvPr id="13" name="文本框 12">
@@ -6693,6 +6699,41 @@
           </a:p>
         </p:txBody>
       </p:sp>
+      <p:pic>
+        <p:nvPicPr>
+          <p:cNvPr id="6" name="Content Placeholder 5" descr="Calendar&#10;&#10;Description automatically generated with medium confidence">
+            <a:extLst>
+              <a:ext uri="{FF2B5EF4-FFF2-40B4-BE49-F238E27FC236}">
+                <a16:creationId xmlns:a16="http://schemas.microsoft.com/office/drawing/2014/main" id="{7C0837E7-DDFE-7628-D565-F337296304A8}"/>
+              </a:ext>
+            </a:extLst>
+          </p:cNvPr>
+          <p:cNvPicPr>
+            <a:picLocks noGrp="1" noChangeAspect="1"/>
+          </p:cNvPicPr>
+          <p:nvPr>
+            <p:ph idx="1"/>
+          </p:nvPr>
+        </p:nvPicPr>
+        <p:blipFill>
+          <a:blip r:embed="rId2">
+            <a:extLst>
+              <a:ext uri="{28A0092B-C50C-407E-A947-70E740481C1C}">
+                <a14:useLocalDpi xmlns:a14="http://schemas.microsoft.com/office/drawing/2010/main" val="0"/>
+              </a:ext>
+            </a:extLst>
+          </a:blip>
+          <a:stretch>
+            <a:fillRect/>
+          </a:stretch>
+        </p:blipFill>
+        <p:spPr>
+          <a:xfrm>
+            <a:off x="659916" y="1124744"/>
+            <a:ext cx="7772400" cy="4025972"/>
+          </a:xfrm>
+        </p:spPr>
+      </p:pic>
     </p:spTree>
     <p:extLst>
       <p:ext uri="{BB962C8B-B14F-4D97-AF65-F5344CB8AC3E}">
